--- a/SEIP/SEIP_BAIRA.pptx
+++ b/SEIP/SEIP_BAIRA.pptx
@@ -246,7 +246,7 @@
           <a:p>
             <a:fld id="{97AB3EA8-A58D-4C92-A3AB-D271CCC294C7}" type="datetimeFigureOut">
               <a:rPr lang="en-US" smtClean="0"/>
-              <a:t>12/6/2020</a:t>
+              <a:t>12/9/2020</a:t>
             </a:fld>
             <a:endParaRPr lang="en-US" dirty="0"/>
           </a:p>
@@ -423,7 +423,7 @@
           <a:p>
             <a:fld id="{0AEFB4FA-E877-413E-B608-88789D806C57}" type="datetimeFigureOut">
               <a:rPr lang="en-US" noProof="0" smtClean="0"/>
-              <a:t>12/6/2020</a:t>
+              <a:t>12/9/2020</a:t>
             </a:fld>
             <a:endParaRPr lang="en-US" noProof="0" dirty="0"/>
           </a:p>
@@ -17197,7 +17197,7 @@
           <a:p>
             <a:fld id="{D951F27F-98F9-A147-8986-34441C7B752D}" type="datetime1">
               <a:rPr lang="en-US" noProof="0" smtClean="0"/>
-              <a:t>12/6/2020</a:t>
+              <a:t>12/9/2020</a:t>
             </a:fld>
             <a:endParaRPr lang="en-US" noProof="0" dirty="0"/>
           </a:p>
@@ -17868,7 +17868,7 @@
           <p:nvPr>
             <p:extLst>
               <p:ext uri="{D42A27DB-BD31-4B8C-83A1-F6EECF244321}">
-                <p14:modId xmlns:p14="http://schemas.microsoft.com/office/powerpoint/2010/main" val="2310600445"/>
+                <p14:modId xmlns:p14="http://schemas.microsoft.com/office/powerpoint/2010/main" val="2997068527"/>
               </p:ext>
             </p:extLst>
           </p:nvPr>
@@ -19247,14 +19247,14 @@
                         </a:spcAft>
                       </a:pPr>
                       <a:r>
-                        <a:rPr lang="en-US" sz="1100">
+                        <a:rPr lang="en-US" sz="1100" dirty="0">
                           <a:effectLst/>
                           <a:latin typeface="Times New Roman" panose="02020603050405020304" pitchFamily="18" charset="0"/>
                           <a:cs typeface="Times New Roman" panose="02020603050405020304" pitchFamily="18" charset="0"/>
                         </a:rPr>
                         <a:t>Basic and Language</a:t>
                       </a:r>
-                      <a:endParaRPr lang="en-US" sz="1100">
+                      <a:endParaRPr lang="en-US" sz="1100" dirty="0">
                         <a:effectLst/>
                         <a:latin typeface="Times New Roman" panose="02020603050405020304" pitchFamily="18" charset="0"/>
                         <a:ea typeface="Calibri" panose="020F0502020204030204" pitchFamily="34" charset="0"/>
@@ -34710,20 +34710,20 @@
 </file>
 
 <file path=customXml/item1.xml><?xml version="1.0" encoding="utf-8"?>
-<p:properties xmlns:p="http://schemas.microsoft.com/office/2006/metadata/properties" xmlns:xsi="http://www.w3.org/2001/XMLSchema-instance" xmlns:pc="http://schemas.microsoft.com/office/infopath/2007/PartnerControls">
-  <documentManagement>
-    <MediaServiceKeyPoints xmlns="71af3243-3dd4-4a8d-8c0d-dd76da1f02a5">SEIP</MediaServiceKeyPoints>
-  </documentManagement>
-</p:properties>
-</file>
-
-<file path=customXml/item2.xml><?xml version="1.0" encoding="utf-8"?>
 <?mso-contentType ?>
 <FormTemplates xmlns="http://schemas.microsoft.com/sharepoint/v3/contenttype/forms">
   <Display>DocumentLibraryForm</Display>
   <Edit>DocumentLibraryForm</Edit>
   <New>DocumentLibraryForm</New>
 </FormTemplates>
+</file>
+
+<file path=customXml/item2.xml><?xml version="1.0" encoding="utf-8"?>
+<p:properties xmlns:p="http://schemas.microsoft.com/office/2006/metadata/properties" xmlns:xsi="http://www.w3.org/2001/XMLSchema-instance" xmlns:pc="http://schemas.microsoft.com/office/infopath/2007/PartnerControls">
+  <documentManagement>
+    <MediaServiceKeyPoints xmlns="71af3243-3dd4-4a8d-8c0d-dd76da1f02a5">SEIP</MediaServiceKeyPoints>
+  </documentManagement>
+</p:properties>
 </file>
 
 <file path=customXml/item3.xml><?xml version="1.0" encoding="utf-8"?>
@@ -34938,19 +34938,19 @@
 </file>
 
 <file path=customXml/itemProps1.xml><?xml version="1.0" encoding="utf-8"?>
+<ds:datastoreItem xmlns:ds="http://schemas.openxmlformats.org/officeDocument/2006/customXml" ds:itemID="{B0C07E3D-60A7-4F4E-8208-D9CCD01982CB}">
+  <ds:schemaRefs>
+    <ds:schemaRef ds:uri="http://schemas.microsoft.com/sharepoint/v3/contenttype/forms"/>
+  </ds:schemaRefs>
+</ds:datastoreItem>
+</file>
+
+<file path=customXml/itemProps2.xml><?xml version="1.0" encoding="utf-8"?>
 <ds:datastoreItem xmlns:ds="http://schemas.openxmlformats.org/officeDocument/2006/customXml" ds:itemID="{CEA9B47F-3DD8-4645-81DC-B88780643C07}">
   <ds:schemaRefs>
     <ds:schemaRef ds:uri="http://schemas.microsoft.com/office/2006/metadata/properties"/>
     <ds:schemaRef ds:uri="http://schemas.microsoft.com/office/infopath/2007/PartnerControls"/>
     <ds:schemaRef ds:uri="71af3243-3dd4-4a8d-8c0d-dd76da1f02a5"/>
-  </ds:schemaRefs>
-</ds:datastoreItem>
-</file>
-
-<file path=customXml/itemProps2.xml><?xml version="1.0" encoding="utf-8"?>
-<ds:datastoreItem xmlns:ds="http://schemas.openxmlformats.org/officeDocument/2006/customXml" ds:itemID="{B0C07E3D-60A7-4F4E-8208-D9CCD01982CB}">
-  <ds:schemaRefs>
-    <ds:schemaRef ds:uri="http://schemas.microsoft.com/sharepoint/v3/contenttype/forms"/>
   </ds:schemaRefs>
 </ds:datastoreItem>
 </file>

--- a/SEIP/SEIP_BAIRA.pptx
+++ b/SEIP/SEIP_BAIRA.pptx
@@ -246,7 +246,7 @@
           <a:p>
             <a:fld id="{97AB3EA8-A58D-4C92-A3AB-D271CCC294C7}" type="datetimeFigureOut">
               <a:rPr lang="en-US" smtClean="0"/>
-              <a:t>12/9/2020</a:t>
+              <a:t>12/10/2020</a:t>
             </a:fld>
             <a:endParaRPr lang="en-US" dirty="0"/>
           </a:p>
@@ -423,7 +423,7 @@
           <a:p>
             <a:fld id="{0AEFB4FA-E877-413E-B608-88789D806C57}" type="datetimeFigureOut">
               <a:rPr lang="en-US" noProof="0" smtClean="0"/>
-              <a:t>12/9/2020</a:t>
+              <a:t>12/10/2020</a:t>
             </a:fld>
             <a:endParaRPr lang="en-US" noProof="0" dirty="0"/>
           </a:p>
@@ -17197,7 +17197,7 @@
           <a:p>
             <a:fld id="{D951F27F-98F9-A147-8986-34441C7B752D}" type="datetime1">
               <a:rPr lang="en-US" noProof="0" smtClean="0"/>
-              <a:t>12/9/2020</a:t>
+              <a:t>12/10/2020</a:t>
             </a:fld>
             <a:endParaRPr lang="en-US" noProof="0" dirty="0"/>
           </a:p>
@@ -17677,6 +17677,16 @@
             <a:pPr algn="ctr"/>
             <a:r>
               <a:rPr lang="en-US" sz="3200" dirty="0">
+                <a:solidFill>
+                  <a:srgbClr val="747A2C"/>
+                </a:solidFill>
+                <a:effectLst>
+                  <a:outerShdw blurRad="38100" dist="38100" dir="2700000" algn="tl">
+                    <a:srgbClr val="000000">
+                      <a:alpha val="43137"/>
+                    </a:srgbClr>
+                  </a:outerShdw>
+                </a:effectLst>
                 <a:latin typeface="Times New Roman" panose="02020603050405020304" pitchFamily="18" charset="0"/>
                 <a:cs typeface="Times New Roman" panose="02020603050405020304" pitchFamily="18" charset="0"/>
               </a:rPr>
@@ -17684,6 +17694,16 @@
             </a:r>
             <a:r>
               <a:rPr lang="en-US" sz="3200" dirty="0" err="1">
+                <a:solidFill>
+                  <a:srgbClr val="747A2C"/>
+                </a:solidFill>
+                <a:effectLst>
+                  <a:outerShdw blurRad="38100" dist="38100" dir="2700000" algn="tl">
+                    <a:srgbClr val="000000">
+                      <a:alpha val="43137"/>
+                    </a:srgbClr>
+                  </a:outerShdw>
+                </a:effectLst>
                 <a:latin typeface="Times New Roman" panose="02020603050405020304" pitchFamily="18" charset="0"/>
                 <a:cs typeface="Times New Roman" panose="02020603050405020304" pitchFamily="18" charset="0"/>
               </a:rPr>
@@ -17691,6 +17711,16 @@
             </a:r>
             <a:r>
               <a:rPr lang="en-US" sz="3200" dirty="0">
+                <a:solidFill>
+                  <a:srgbClr val="747A2C"/>
+                </a:solidFill>
+                <a:effectLst>
+                  <a:outerShdw blurRad="38100" dist="38100" dir="2700000" algn="tl">
+                    <a:srgbClr val="000000">
+                      <a:alpha val="43137"/>
+                    </a:srgbClr>
+                  </a:outerShdw>
+                </a:effectLst>
                 <a:latin typeface="Times New Roman" panose="02020603050405020304" pitchFamily="18" charset="0"/>
                 <a:cs typeface="Times New Roman" panose="02020603050405020304" pitchFamily="18" charset="0"/>
               </a:rPr>
@@ -17725,6 +17755,11 @@
             <a:off x="710812" y="1769529"/>
             <a:ext cx="5305661" cy="3223692"/>
           </a:xfrm>
+          <a:ln>
+            <a:solidFill>
+              <a:srgbClr val="00B050"/>
+            </a:solidFill>
+          </a:ln>
         </p:spPr>
       </p:pic>
       <p:pic>
@@ -17845,6 +17880,13 @@
           <a:p>
             <a:r>
               <a:rPr lang="en-US" dirty="0">
+                <a:effectLst>
+                  <a:outerShdw blurRad="38100" dist="38100" dir="2700000" algn="tl">
+                    <a:srgbClr val="000000">
+                      <a:alpha val="43137"/>
+                    </a:srgbClr>
+                  </a:outerShdw>
+                </a:effectLst>
                 <a:latin typeface="Times New Roman" panose="02020603050405020304" pitchFamily="18" charset="0"/>
                 <a:cs typeface="Times New Roman" panose="02020603050405020304" pitchFamily="18" charset="0"/>
               </a:rPr>
@@ -17868,7 +17910,7 @@
           <p:nvPr>
             <p:extLst>
               <p:ext uri="{D42A27DB-BD31-4B8C-83A1-F6EECF244321}">
-                <p14:modId xmlns:p14="http://schemas.microsoft.com/office/powerpoint/2010/main" val="2997068527"/>
+                <p14:modId xmlns:p14="http://schemas.microsoft.com/office/powerpoint/2010/main" val="3387556133"/>
               </p:ext>
             </p:extLst>
           </p:nvPr>
@@ -18023,14 +18065,14 @@
                         </a:spcAft>
                       </a:pPr>
                       <a:r>
-                        <a:rPr lang="en-US" sz="1100">
+                        <a:rPr lang="en-US" sz="1100" dirty="0">
                           <a:effectLst/>
                           <a:latin typeface="Times New Roman" panose="02020603050405020304" pitchFamily="18" charset="0"/>
                           <a:cs typeface="Times New Roman" panose="02020603050405020304" pitchFamily="18" charset="0"/>
                         </a:rPr>
                         <a:t>Training</a:t>
                       </a:r>
-                      <a:endParaRPr lang="en-US" sz="1100">
+                      <a:endParaRPr lang="en-US" sz="1100" dirty="0">
                         <a:effectLst/>
                         <a:latin typeface="Times New Roman" panose="02020603050405020304" pitchFamily="18" charset="0"/>
                         <a:ea typeface="Calibri" panose="020F0502020204030204" pitchFamily="34" charset="0"/>
@@ -18443,12 +18485,12 @@
                         <a:buChar char=""/>
                       </a:pPr>
                       <a:r>
-                        <a:rPr lang="en-US" sz="1100">
+                        <a:rPr lang="en-US" sz="1100" dirty="0">
                           <a:effectLst/>
                           <a:latin typeface="Times New Roman" panose="02020603050405020304" pitchFamily="18" charset="0"/>
                           <a:cs typeface="Times New Roman" panose="02020603050405020304" pitchFamily="18" charset="0"/>
                         </a:rPr>
-                        <a:t>On Spot recruitment</a:t>
+                        <a:t>On Spot Recruitment</a:t>
                       </a:r>
                     </a:p>
                     <a:p>
@@ -18466,12 +18508,12 @@
                         <a:buChar char=""/>
                       </a:pPr>
                       <a:r>
-                        <a:rPr lang="en-US" sz="1100">
+                        <a:rPr lang="en-US" sz="1100" dirty="0">
                           <a:effectLst/>
                           <a:latin typeface="Times New Roman" panose="02020603050405020304" pitchFamily="18" charset="0"/>
                           <a:cs typeface="Times New Roman" panose="02020603050405020304" pitchFamily="18" charset="0"/>
                         </a:rPr>
-                        <a:t>Passport processing</a:t>
+                        <a:t>Passport Processing</a:t>
                       </a:r>
                     </a:p>
                     <a:p>
@@ -18489,7 +18531,7 @@
                         <a:buChar char=""/>
                       </a:pPr>
                       <a:r>
-                        <a:rPr lang="en-US" sz="1100">
+                        <a:rPr lang="en-US" sz="1100" dirty="0">
                           <a:effectLst/>
                           <a:latin typeface="Times New Roman" panose="02020603050405020304" pitchFamily="18" charset="0"/>
                           <a:cs typeface="Times New Roman" panose="02020603050405020304" pitchFamily="18" charset="0"/>
@@ -18512,12 +18554,12 @@
                         <a:buChar char=""/>
                       </a:pPr>
                       <a:r>
-                        <a:rPr lang="en-US" sz="1100">
+                        <a:rPr lang="en-US" sz="1100" dirty="0">
                           <a:effectLst/>
                           <a:latin typeface="Times New Roman" panose="02020603050405020304" pitchFamily="18" charset="0"/>
                           <a:cs typeface="Times New Roman" panose="02020603050405020304" pitchFamily="18" charset="0"/>
                         </a:rPr>
-                        <a:t>BMET clearance</a:t>
+                        <a:t>BMET Clearance</a:t>
                       </a:r>
                     </a:p>
                     <a:p>
@@ -18535,12 +18577,12 @@
                         <a:buChar char=""/>
                       </a:pPr>
                       <a:r>
-                        <a:rPr lang="en-US" sz="1100">
+                        <a:rPr lang="en-US" sz="1100" dirty="0">
                           <a:effectLst/>
                           <a:latin typeface="Times New Roman" panose="02020603050405020304" pitchFamily="18" charset="0"/>
                           <a:cs typeface="Times New Roman" panose="02020603050405020304" pitchFamily="18" charset="0"/>
                         </a:rPr>
-                        <a:t>Smart card</a:t>
+                        <a:t>Smart Card</a:t>
                       </a:r>
                     </a:p>
                     <a:p>
@@ -18558,7 +18600,7 @@
                         <a:buChar char=""/>
                       </a:pPr>
                       <a:r>
-                        <a:rPr lang="en-US" sz="1100">
+                        <a:rPr lang="en-US" sz="1100" dirty="0">
                           <a:effectLst/>
                           <a:latin typeface="Times New Roman" panose="02020603050405020304" pitchFamily="18" charset="0"/>
                           <a:cs typeface="Times New Roman" panose="02020603050405020304" pitchFamily="18" charset="0"/>
@@ -18581,14 +18623,14 @@
                         <a:buChar char=""/>
                       </a:pPr>
                       <a:r>
-                        <a:rPr lang="en-US" sz="1100">
+                        <a:rPr lang="en-US" sz="1100" dirty="0">
                           <a:effectLst/>
                           <a:latin typeface="Times New Roman" panose="02020603050405020304" pitchFamily="18" charset="0"/>
                           <a:cs typeface="Times New Roman" panose="02020603050405020304" pitchFamily="18" charset="0"/>
                         </a:rPr>
                         <a:t>Joining</a:t>
                       </a:r>
-                      <a:endParaRPr lang="en-US" sz="1100">
+                      <a:endParaRPr lang="en-US" sz="1100" dirty="0">
                         <a:effectLst/>
                         <a:latin typeface="Times New Roman" panose="02020603050405020304" pitchFamily="18" charset="0"/>
                         <a:ea typeface="Calibri" panose="020F0502020204030204" pitchFamily="34" charset="0"/>
@@ -18968,14 +19010,14 @@
                         </a:spcAft>
                       </a:pPr>
                       <a:r>
-                        <a:rPr lang="en-US" sz="1100">
+                        <a:rPr lang="en-US" sz="1100" dirty="0">
                           <a:effectLst/>
                           <a:latin typeface="Times New Roman" panose="02020603050405020304" pitchFamily="18" charset="0"/>
                           <a:cs typeface="Times New Roman" panose="02020603050405020304" pitchFamily="18" charset="0"/>
                         </a:rPr>
-                        <a:t>Welder and ship building</a:t>
+                        <a:t>Welder and Ship Building</a:t>
                       </a:r>
-                      <a:endParaRPr lang="en-US" sz="1100">
+                      <a:endParaRPr lang="en-US" sz="1100" dirty="0">
                         <a:effectLst/>
                         <a:latin typeface="Times New Roman" panose="02020603050405020304" pitchFamily="18" charset="0"/>
                         <a:ea typeface="Calibri" panose="020F0502020204030204" pitchFamily="34" charset="0"/>
@@ -19283,12 +19325,12 @@
                         <a:buChar char=""/>
                       </a:pPr>
                       <a:r>
-                        <a:rPr lang="en-US" sz="1100">
+                        <a:rPr lang="en-US" sz="1100" dirty="0">
                           <a:effectLst/>
                           <a:latin typeface="Times New Roman" panose="02020603050405020304" pitchFamily="18" charset="0"/>
                           <a:cs typeface="Times New Roman" panose="02020603050405020304" pitchFamily="18" charset="0"/>
                         </a:rPr>
-                        <a:t>On Spot recruitment</a:t>
+                        <a:t>On Spot Recruitment</a:t>
                       </a:r>
                     </a:p>
                     <a:p>
@@ -19306,12 +19348,12 @@
                         <a:buChar char=""/>
                       </a:pPr>
                       <a:r>
-                        <a:rPr lang="en-US" sz="1100">
+                        <a:rPr lang="en-US" sz="1100" dirty="0">
                           <a:effectLst/>
                           <a:latin typeface="Times New Roman" panose="02020603050405020304" pitchFamily="18" charset="0"/>
                           <a:cs typeface="Times New Roman" panose="02020603050405020304" pitchFamily="18" charset="0"/>
                         </a:rPr>
-                        <a:t>Passport processing</a:t>
+                        <a:t>Passport Processing</a:t>
                       </a:r>
                     </a:p>
                     <a:p>
@@ -19329,7 +19371,7 @@
                         <a:buChar char=""/>
                       </a:pPr>
                       <a:r>
-                        <a:rPr lang="en-US" sz="1100">
+                        <a:rPr lang="en-US" sz="1100" dirty="0">
                           <a:effectLst/>
                           <a:latin typeface="Times New Roman" panose="02020603050405020304" pitchFamily="18" charset="0"/>
                           <a:cs typeface="Times New Roman" panose="02020603050405020304" pitchFamily="18" charset="0"/>
@@ -19352,12 +19394,12 @@
                         <a:buChar char=""/>
                       </a:pPr>
                       <a:r>
-                        <a:rPr lang="en-US" sz="1100">
+                        <a:rPr lang="en-US" sz="1100" dirty="0">
                           <a:effectLst/>
                           <a:latin typeface="Times New Roman" panose="02020603050405020304" pitchFamily="18" charset="0"/>
                           <a:cs typeface="Times New Roman" panose="02020603050405020304" pitchFamily="18" charset="0"/>
                         </a:rPr>
-                        <a:t>BMET clearance</a:t>
+                        <a:t>BMET Clearance</a:t>
                       </a:r>
                     </a:p>
                     <a:p>
@@ -19375,12 +19417,12 @@
                         <a:buChar char=""/>
                       </a:pPr>
                       <a:r>
-                        <a:rPr lang="en-US" sz="1100">
+                        <a:rPr lang="en-US" sz="1100" dirty="0">
                           <a:effectLst/>
                           <a:latin typeface="Times New Roman" panose="02020603050405020304" pitchFamily="18" charset="0"/>
                           <a:cs typeface="Times New Roman" panose="02020603050405020304" pitchFamily="18" charset="0"/>
                         </a:rPr>
-                        <a:t>Smart card</a:t>
+                        <a:t>Smart Card</a:t>
                       </a:r>
                     </a:p>
                     <a:p>
@@ -19398,7 +19440,7 @@
                         <a:buChar char=""/>
                       </a:pPr>
                       <a:r>
-                        <a:rPr lang="en-US" sz="1100">
+                        <a:rPr lang="en-US" sz="1100" dirty="0">
                           <a:effectLst/>
                           <a:latin typeface="Times New Roman" panose="02020603050405020304" pitchFamily="18" charset="0"/>
                           <a:cs typeface="Times New Roman" panose="02020603050405020304" pitchFamily="18" charset="0"/>
@@ -19421,14 +19463,14 @@
                         <a:buChar char=""/>
                       </a:pPr>
                       <a:r>
-                        <a:rPr lang="en-US" sz="1100">
+                        <a:rPr lang="en-US" sz="1100" dirty="0">
                           <a:effectLst/>
                           <a:latin typeface="Times New Roman" panose="02020603050405020304" pitchFamily="18" charset="0"/>
                           <a:cs typeface="Times New Roman" panose="02020603050405020304" pitchFamily="18" charset="0"/>
                         </a:rPr>
                         <a:t>Joining</a:t>
                       </a:r>
-                      <a:endParaRPr lang="en-US" sz="1100">
+                      <a:endParaRPr lang="en-US" sz="1100" dirty="0">
                         <a:effectLst/>
                         <a:latin typeface="Times New Roman" panose="02020603050405020304" pitchFamily="18" charset="0"/>
                         <a:ea typeface="Calibri" panose="020F0502020204030204" pitchFamily="34" charset="0"/>
@@ -19802,7 +19844,7 @@
                           <a:latin typeface="Times New Roman" panose="02020603050405020304" pitchFamily="18" charset="0"/>
                           <a:cs typeface="Times New Roman" panose="02020603050405020304" pitchFamily="18" charset="0"/>
                         </a:rPr>
-                        <a:t>On Spot recruitment</a:t>
+                        <a:t>On Spot Recruitment</a:t>
                       </a:r>
                     </a:p>
                     <a:p>
@@ -19825,7 +19867,7 @@
                           <a:latin typeface="Times New Roman" panose="02020603050405020304" pitchFamily="18" charset="0"/>
                           <a:cs typeface="Times New Roman" panose="02020603050405020304" pitchFamily="18" charset="0"/>
                         </a:rPr>
-                        <a:t>Passport processing</a:t>
+                        <a:t>Passport Processing</a:t>
                       </a:r>
                     </a:p>
                     <a:p>
@@ -19871,7 +19913,7 @@
                           <a:latin typeface="Times New Roman" panose="02020603050405020304" pitchFamily="18" charset="0"/>
                           <a:cs typeface="Times New Roman" panose="02020603050405020304" pitchFamily="18" charset="0"/>
                         </a:rPr>
-                        <a:t>BMET clearance</a:t>
+                        <a:t>BMET Clearance</a:t>
                       </a:r>
                     </a:p>
                     <a:p>
@@ -19894,7 +19936,7 @@
                           <a:latin typeface="Times New Roman" panose="02020603050405020304" pitchFamily="18" charset="0"/>
                           <a:cs typeface="Times New Roman" panose="02020603050405020304" pitchFamily="18" charset="0"/>
                         </a:rPr>
-                        <a:t>Smart card</a:t>
+                        <a:t>Smart Card</a:t>
                       </a:r>
                     </a:p>
                     <a:p>
@@ -20334,6 +20376,13 @@
           <a:p>
             <a:r>
               <a:rPr lang="en-US" dirty="0">
+                <a:effectLst>
+                  <a:outerShdw blurRad="38100" dist="38100" dir="2700000" algn="tl">
+                    <a:srgbClr val="000000">
+                      <a:alpha val="43137"/>
+                    </a:srgbClr>
+                  </a:outerShdw>
+                </a:effectLst>
                 <a:latin typeface="Times New Roman" panose="02020603050405020304" pitchFamily="18" charset="0"/>
                 <a:cs typeface="Times New Roman" panose="02020603050405020304" pitchFamily="18" charset="0"/>
               </a:rPr>
@@ -20357,7 +20406,7 @@
           <p:nvPr>
             <p:extLst>
               <p:ext uri="{D42A27DB-BD31-4B8C-83A1-F6EECF244321}">
-                <p14:modId xmlns:p14="http://schemas.microsoft.com/office/powerpoint/2010/main" val="1738985806"/>
+                <p14:modId xmlns:p14="http://schemas.microsoft.com/office/powerpoint/2010/main" val="3915061526"/>
               </p:ext>
             </p:extLst>
           </p:nvPr>
@@ -20435,7 +20484,26 @@
                       </a:endParaRPr>
                     </a:p>
                   </a:txBody>
-                  <a:tcPr marL="68580" marR="68580" marT="0" marB="0" anchor="ctr"/>
+                  <a:tcPr marL="68580" marR="68580" marT="0" marB="0" anchor="ctr">
+                    <a:lnL w="12700" cap="flat" cmpd="sng" algn="ctr">
+                      <a:solidFill>
+                        <a:schemeClr val="tx1"/>
+                      </a:solidFill>
+                      <a:prstDash val="solid"/>
+                      <a:round/>
+                      <a:headEnd type="none" w="med" len="med"/>
+                      <a:tailEnd type="none" w="med" len="med"/>
+                    </a:lnL>
+                    <a:lnT w="12700" cap="flat" cmpd="sng" algn="ctr">
+                      <a:solidFill>
+                        <a:schemeClr val="tx1"/>
+                      </a:solidFill>
+                      <a:prstDash val="solid"/>
+                      <a:round/>
+                      <a:headEnd type="none" w="med" len="med"/>
+                      <a:tailEnd type="none" w="med" len="med"/>
+                    </a:lnT>
+                  </a:tcPr>
                 </a:tc>
                 <a:tc>
                   <a:txBody>
@@ -20469,7 +20537,17 @@
                       </a:endParaRPr>
                     </a:p>
                   </a:txBody>
-                  <a:tcPr marL="68580" marR="68580" marT="0" marB="0" anchor="ctr"/>
+                  <a:tcPr marL="68580" marR="68580" marT="0" marB="0" anchor="ctr">
+                    <a:lnT w="12700" cap="flat" cmpd="sng" algn="ctr">
+                      <a:solidFill>
+                        <a:schemeClr val="tx1"/>
+                      </a:solidFill>
+                      <a:prstDash val="solid"/>
+                      <a:round/>
+                      <a:headEnd type="none" w="med" len="med"/>
+                      <a:tailEnd type="none" w="med" len="med"/>
+                    </a:lnT>
+                  </a:tcPr>
                 </a:tc>
                 <a:tc>
                   <a:txBody>
@@ -20503,7 +20581,17 @@
                       </a:endParaRPr>
                     </a:p>
                   </a:txBody>
-                  <a:tcPr marL="68580" marR="68580" marT="0" marB="0" anchor="ctr"/>
+                  <a:tcPr marL="68580" marR="68580" marT="0" marB="0" anchor="ctr">
+                    <a:lnT w="12700" cap="flat" cmpd="sng" algn="ctr">
+                      <a:solidFill>
+                        <a:schemeClr val="tx1"/>
+                      </a:solidFill>
+                      <a:prstDash val="solid"/>
+                      <a:round/>
+                      <a:headEnd type="none" w="med" len="med"/>
+                      <a:tailEnd type="none" w="med" len="med"/>
+                    </a:lnT>
+                  </a:tcPr>
                 </a:tc>
                 <a:tc>
                   <a:txBody>
@@ -20537,7 +20625,26 @@
                       </a:endParaRPr>
                     </a:p>
                   </a:txBody>
-                  <a:tcPr marL="68580" marR="68580" marT="0" marB="0" anchor="ctr"/>
+                  <a:tcPr marL="68580" marR="68580" marT="0" marB="0" anchor="ctr">
+                    <a:lnR w="12700" cap="flat" cmpd="sng" algn="ctr">
+                      <a:solidFill>
+                        <a:schemeClr val="tx1"/>
+                      </a:solidFill>
+                      <a:prstDash val="solid"/>
+                      <a:round/>
+                      <a:headEnd type="none" w="med" len="med"/>
+                      <a:tailEnd type="none" w="med" len="med"/>
+                    </a:lnR>
+                    <a:lnT w="12700" cap="flat" cmpd="sng" algn="ctr">
+                      <a:solidFill>
+                        <a:schemeClr val="tx1"/>
+                      </a:solidFill>
+                      <a:prstDash val="solid"/>
+                      <a:round/>
+                      <a:headEnd type="none" w="med" len="med"/>
+                      <a:tailEnd type="none" w="med" len="med"/>
+                    </a:lnT>
+                  </a:tcPr>
                 </a:tc>
                 <a:extLst>
                   <a:ext uri="{0D108BD9-81ED-4DB2-BD59-A6C34878D82A}">
@@ -20573,7 +20680,17 @@
                       </a:r>
                     </a:p>
                   </a:txBody>
-                  <a:tcPr marL="68580" marR="68580" marT="0" marB="0" anchor="ctr"/>
+                  <a:tcPr marL="68580" marR="68580" marT="0" marB="0" anchor="ctr">
+                    <a:lnL w="12700" cap="flat" cmpd="sng" algn="ctr">
+                      <a:solidFill>
+                        <a:schemeClr val="tx1"/>
+                      </a:solidFill>
+                      <a:prstDash val="solid"/>
+                      <a:round/>
+                      <a:headEnd type="none" w="med" len="med"/>
+                      <a:tailEnd type="none" w="med" len="med"/>
+                    </a:lnL>
+                  </a:tcPr>
                 </a:tc>
                 <a:tc>
                   <a:txBody>
@@ -20723,7 +20840,17 @@
                       </a:endParaRPr>
                     </a:p>
                   </a:txBody>
-                  <a:tcPr marL="68580" marR="68580" marT="0" marB="0" anchor="ctr"/>
+                  <a:tcPr marL="68580" marR="68580" marT="0" marB="0" anchor="ctr">
+                    <a:lnR w="12700" cap="flat" cmpd="sng" algn="ctr">
+                      <a:solidFill>
+                        <a:schemeClr val="tx1"/>
+                      </a:solidFill>
+                      <a:prstDash val="solid"/>
+                      <a:round/>
+                      <a:headEnd type="none" w="med" len="med"/>
+                      <a:tailEnd type="none" w="med" len="med"/>
+                    </a:lnR>
+                  </a:tcPr>
                 </a:tc>
                 <a:extLst>
                   <a:ext uri="{0D108BD9-81ED-4DB2-BD59-A6C34878D82A}">
@@ -20759,7 +20886,17 @@
                       </a:r>
                     </a:p>
                   </a:txBody>
-                  <a:tcPr marL="68580" marR="68580" marT="0" marB="0" anchor="ctr"/>
+                  <a:tcPr marL="68580" marR="68580" marT="0" marB="0" anchor="ctr">
+                    <a:lnL w="12700" cap="flat" cmpd="sng" algn="ctr">
+                      <a:solidFill>
+                        <a:schemeClr val="tx1"/>
+                      </a:solidFill>
+                      <a:prstDash val="solid"/>
+                      <a:round/>
+                      <a:headEnd type="none" w="med" len="med"/>
+                      <a:tailEnd type="none" w="med" len="med"/>
+                    </a:lnL>
+                  </a:tcPr>
                 </a:tc>
                 <a:tc>
                   <a:txBody>
@@ -20909,7 +21046,17 @@
                       </a:endParaRPr>
                     </a:p>
                   </a:txBody>
-                  <a:tcPr marL="68580" marR="68580" marT="0" marB="0" anchor="ctr"/>
+                  <a:tcPr marL="68580" marR="68580" marT="0" marB="0" anchor="ctr">
+                    <a:lnR w="12700" cap="flat" cmpd="sng" algn="ctr">
+                      <a:solidFill>
+                        <a:schemeClr val="tx1"/>
+                      </a:solidFill>
+                      <a:prstDash val="solid"/>
+                      <a:round/>
+                      <a:headEnd type="none" w="med" len="med"/>
+                      <a:tailEnd type="none" w="med" len="med"/>
+                    </a:lnR>
+                  </a:tcPr>
                 </a:tc>
                 <a:extLst>
                   <a:ext uri="{0D108BD9-81ED-4DB2-BD59-A6C34878D82A}">
@@ -20945,7 +21092,17 @@
                       </a:r>
                     </a:p>
                   </a:txBody>
-                  <a:tcPr marL="68580" marR="68580" marT="0" marB="0" anchor="ctr"/>
+                  <a:tcPr marL="68580" marR="68580" marT="0" marB="0" anchor="ctr">
+                    <a:lnL w="12700" cap="flat" cmpd="sng" algn="ctr">
+                      <a:solidFill>
+                        <a:schemeClr val="tx1"/>
+                      </a:solidFill>
+                      <a:prstDash val="solid"/>
+                      <a:round/>
+                      <a:headEnd type="none" w="med" len="med"/>
+                      <a:tailEnd type="none" w="med" len="med"/>
+                    </a:lnL>
+                  </a:tcPr>
                 </a:tc>
                 <a:tc>
                   <a:txBody>
@@ -21095,7 +21252,17 @@
                       </a:endParaRPr>
                     </a:p>
                   </a:txBody>
-                  <a:tcPr marL="68580" marR="68580" marT="0" marB="0" anchor="ctr"/>
+                  <a:tcPr marL="68580" marR="68580" marT="0" marB="0" anchor="ctr">
+                    <a:lnR w="12700" cap="flat" cmpd="sng" algn="ctr">
+                      <a:solidFill>
+                        <a:schemeClr val="tx1"/>
+                      </a:solidFill>
+                      <a:prstDash val="solid"/>
+                      <a:round/>
+                      <a:headEnd type="none" w="med" len="med"/>
+                      <a:tailEnd type="none" w="med" len="med"/>
+                    </a:lnR>
+                  </a:tcPr>
                 </a:tc>
                 <a:extLst>
                   <a:ext uri="{0D108BD9-81ED-4DB2-BD59-A6C34878D82A}">
@@ -21131,7 +21298,17 @@
                       </a:r>
                     </a:p>
                   </a:txBody>
-                  <a:tcPr marL="68580" marR="68580" marT="0" marB="0" anchor="ctr"/>
+                  <a:tcPr marL="68580" marR="68580" marT="0" marB="0" anchor="ctr">
+                    <a:lnL w="12700" cap="flat" cmpd="sng" algn="ctr">
+                      <a:solidFill>
+                        <a:schemeClr val="tx1"/>
+                      </a:solidFill>
+                      <a:prstDash val="solid"/>
+                      <a:round/>
+                      <a:headEnd type="none" w="med" len="med"/>
+                      <a:tailEnd type="none" w="med" len="med"/>
+                    </a:lnL>
+                  </a:tcPr>
                 </a:tc>
                 <a:tc>
                   <a:txBody>
@@ -21150,14 +21327,14 @@
                         </a:spcAft>
                       </a:pPr>
                       <a:r>
-                        <a:rPr lang="en-US" sz="1600">
+                        <a:rPr lang="en-US" sz="1600" dirty="0">
                           <a:effectLst/>
                           <a:latin typeface="Times New Roman" panose="02020603050405020304" pitchFamily="18" charset="0"/>
                           <a:cs typeface="Times New Roman" panose="02020603050405020304" pitchFamily="18" charset="0"/>
                         </a:rPr>
-                        <a:t>Refrigeration &amp; Air-conditioning</a:t>
+                        <a:t>Refrigeration &amp; Air-Conditioning</a:t>
                       </a:r>
-                      <a:endParaRPr lang="en-US" sz="1600">
+                      <a:endParaRPr lang="en-US" sz="1600" dirty="0">
                         <a:effectLst/>
                         <a:latin typeface="Times New Roman" panose="02020603050405020304" pitchFamily="18" charset="0"/>
                         <a:ea typeface="Calibri" panose="020F0502020204030204" pitchFamily="34" charset="0"/>
@@ -21281,7 +21458,17 @@
                       </a:endParaRPr>
                     </a:p>
                   </a:txBody>
-                  <a:tcPr marL="68580" marR="68580" marT="0" marB="0" anchor="ctr"/>
+                  <a:tcPr marL="68580" marR="68580" marT="0" marB="0" anchor="ctr">
+                    <a:lnR w="12700" cap="flat" cmpd="sng" algn="ctr">
+                      <a:solidFill>
+                        <a:schemeClr val="tx1"/>
+                      </a:solidFill>
+                      <a:prstDash val="solid"/>
+                      <a:round/>
+                      <a:headEnd type="none" w="med" len="med"/>
+                      <a:tailEnd type="none" w="med" len="med"/>
+                    </a:lnR>
+                  </a:tcPr>
                 </a:tc>
                 <a:extLst>
                   <a:ext uri="{0D108BD9-81ED-4DB2-BD59-A6C34878D82A}">
@@ -21317,7 +21504,26 @@
                       </a:r>
                     </a:p>
                   </a:txBody>
-                  <a:tcPr marL="68580" marR="68580" marT="0" marB="0" anchor="ctr"/>
+                  <a:tcPr marL="68580" marR="68580" marT="0" marB="0" anchor="ctr">
+                    <a:lnL w="12700" cap="flat" cmpd="sng" algn="ctr">
+                      <a:solidFill>
+                        <a:schemeClr val="tx1"/>
+                      </a:solidFill>
+                      <a:prstDash val="solid"/>
+                      <a:round/>
+                      <a:headEnd type="none" w="med" len="med"/>
+                      <a:tailEnd type="none" w="med" len="med"/>
+                    </a:lnL>
+                    <a:lnB w="12700" cap="flat" cmpd="sng" algn="ctr">
+                      <a:solidFill>
+                        <a:schemeClr val="tx1"/>
+                      </a:solidFill>
+                      <a:prstDash val="solid"/>
+                      <a:round/>
+                      <a:headEnd type="none" w="med" len="med"/>
+                      <a:tailEnd type="none" w="med" len="med"/>
+                    </a:lnB>
+                  </a:tcPr>
                 </a:tc>
                 <a:tc>
                   <a:txBody>
@@ -21351,7 +21557,17 @@
                       </a:endParaRPr>
                     </a:p>
                   </a:txBody>
-                  <a:tcPr marL="68580" marR="68580" marT="0" marB="0" anchor="ctr"/>
+                  <a:tcPr marL="68580" marR="68580" marT="0" marB="0" anchor="ctr">
+                    <a:lnB w="12700" cap="flat" cmpd="sng" algn="ctr">
+                      <a:solidFill>
+                        <a:schemeClr val="tx1"/>
+                      </a:solidFill>
+                      <a:prstDash val="solid"/>
+                      <a:round/>
+                      <a:headEnd type="none" w="med" len="med"/>
+                      <a:tailEnd type="none" w="med" len="med"/>
+                    </a:lnB>
+                  </a:tcPr>
                 </a:tc>
                 <a:tc>
                   <a:txBody>
@@ -21385,7 +21601,17 @@
                       </a:endParaRPr>
                     </a:p>
                   </a:txBody>
-                  <a:tcPr marL="68580" marR="68580" marT="0" marB="0" anchor="ctr"/>
+                  <a:tcPr marL="68580" marR="68580" marT="0" marB="0" anchor="ctr">
+                    <a:lnB w="12700" cap="flat" cmpd="sng" algn="ctr">
+                      <a:solidFill>
+                        <a:schemeClr val="tx1"/>
+                      </a:solidFill>
+                      <a:prstDash val="solid"/>
+                      <a:round/>
+                      <a:headEnd type="none" w="med" len="med"/>
+                      <a:tailEnd type="none" w="med" len="med"/>
+                    </a:lnB>
+                  </a:tcPr>
                 </a:tc>
                 <a:tc>
                   <a:txBody>
@@ -21513,7 +21739,26 @@
                       </a:endParaRPr>
                     </a:p>
                   </a:txBody>
-                  <a:tcPr marL="68580" marR="68580" marT="0" marB="0" anchor="ctr"/>
+                  <a:tcPr marL="68580" marR="68580" marT="0" marB="0" anchor="ctr">
+                    <a:lnR w="12700" cap="flat" cmpd="sng" algn="ctr">
+                      <a:solidFill>
+                        <a:schemeClr val="tx1"/>
+                      </a:solidFill>
+                      <a:prstDash val="solid"/>
+                      <a:round/>
+                      <a:headEnd type="none" w="med" len="med"/>
+                      <a:tailEnd type="none" w="med" len="med"/>
+                    </a:lnR>
+                    <a:lnB w="12700" cap="flat" cmpd="sng" algn="ctr">
+                      <a:solidFill>
+                        <a:schemeClr val="tx1"/>
+                      </a:solidFill>
+                      <a:prstDash val="solid"/>
+                      <a:round/>
+                      <a:headEnd type="none" w="med" len="med"/>
+                      <a:tailEnd type="none" w="med" len="med"/>
+                    </a:lnB>
+                  </a:tcPr>
                 </a:tc>
                 <a:extLst>
                   <a:ext uri="{0D108BD9-81ED-4DB2-BD59-A6C34878D82A}">
@@ -21633,16 +21878,24 @@
         </p:nvSpPr>
         <p:spPr>
           <a:xfrm>
-            <a:off x="1890420" y="377306"/>
-            <a:ext cx="8411157" cy="470833"/>
+            <a:off x="410819" y="417365"/>
+            <a:ext cx="6851372" cy="775331"/>
           </a:xfrm>
         </p:spPr>
         <p:txBody>
           <a:bodyPr/>
           <a:lstStyle/>
           <a:p>
+            <a:pPr algn="ctr"/>
             <a:r>
-              <a:rPr lang="en-US" dirty="0">
+              <a:rPr lang="en-US" sz="2800" dirty="0">
+                <a:effectLst>
+                  <a:outerShdw blurRad="38100" dist="38100" dir="2700000" algn="tl">
+                    <a:srgbClr val="000000">
+                      <a:alpha val="43137"/>
+                    </a:srgbClr>
+                  </a:outerShdw>
+                </a:effectLst>
                 <a:latin typeface="Times New Roman" panose="02020603050405020304" pitchFamily="18" charset="0"/>
                 <a:cs typeface="Times New Roman" panose="02020603050405020304" pitchFamily="18" charset="0"/>
               </a:rPr>
@@ -21972,7 +22225,7 @@
         </p:nvSpPr>
         <p:spPr>
           <a:xfrm>
-            <a:off x="3727727" y="266998"/>
+            <a:off x="2667553" y="354591"/>
             <a:ext cx="3428447" cy="470833"/>
           </a:xfrm>
         </p:spPr>
@@ -21982,6 +22235,13 @@
           <a:p>
             <a:r>
               <a:rPr lang="en-US" dirty="0">
+                <a:effectLst>
+                  <a:outerShdw blurRad="38100" dist="38100" dir="2700000" algn="tl">
+                    <a:srgbClr val="000000">
+                      <a:alpha val="43137"/>
+                    </a:srgbClr>
+                  </a:outerShdw>
+                </a:effectLst>
                 <a:latin typeface="Times New Roman" panose="02020603050405020304" pitchFamily="18" charset="0"/>
                 <a:cs typeface="Times New Roman" panose="02020603050405020304" pitchFamily="18" charset="0"/>
               </a:rPr>
@@ -22308,6 +22568,11 @@
           <a:prstGeom prst="rect">
             <a:avLst/>
           </a:prstGeom>
+          <a:ln>
+            <a:solidFill>
+              <a:srgbClr val="00B050"/>
+            </a:solidFill>
+          </a:ln>
         </p:spPr>
       </p:pic>
     </p:spTree>
@@ -22369,6 +22634,13 @@
             <a:pPr algn="ctr"/>
             <a:r>
               <a:rPr lang="en-US" dirty="0">
+                <a:effectLst>
+                  <a:outerShdw blurRad="38100" dist="38100" dir="2700000" algn="tl">
+                    <a:srgbClr val="000000">
+                      <a:alpha val="43137"/>
+                    </a:srgbClr>
+                  </a:outerShdw>
+                </a:effectLst>
                 <a:latin typeface="Times New Roman" panose="02020603050405020304" pitchFamily="18" charset="0"/>
                 <a:cs typeface="Times New Roman" panose="02020603050405020304" pitchFamily="18" charset="0"/>
               </a:rPr>
@@ -22391,7 +22663,7 @@
         </p:nvSpPr>
         <p:spPr>
           <a:xfrm>
-            <a:off x="956035" y="2046503"/>
+            <a:off x="882324" y="1663836"/>
             <a:ext cx="7061531" cy="1134478"/>
           </a:xfrm>
           <a:prstGeom prst="rect">
@@ -22441,7 +22713,7 @@
                 <a:latin typeface="Times New Roman" panose="02020603050405020304" pitchFamily="18" charset="0"/>
                 <a:cs typeface="Times New Roman" panose="02020603050405020304" pitchFamily="18" charset="0"/>
               </a:rPr>
-              <a:t>Target Trainee – 20,000 nos</a:t>
+              <a:t>Target Trainee – 20,000 nos per year</a:t>
             </a:r>
           </a:p>
           <a:p>
@@ -22574,6 +22846,11 @@
           <a:prstGeom prst="rect">
             <a:avLst/>
           </a:prstGeom>
+          <a:ln>
+            <a:solidFill>
+              <a:srgbClr val="00B050"/>
+            </a:solidFill>
+          </a:ln>
         </p:spPr>
       </p:pic>
     </p:spTree>
@@ -22635,6 +22912,13 @@
             <a:pPr algn="ctr"/>
             <a:r>
               <a:rPr lang="en-US" dirty="0">
+                <a:effectLst>
+                  <a:outerShdw blurRad="38100" dist="38100" dir="2700000" algn="tl">
+                    <a:srgbClr val="000000">
+                      <a:alpha val="43137"/>
+                    </a:srgbClr>
+                  </a:outerShdw>
+                </a:effectLst>
                 <a:latin typeface="Times New Roman" panose="02020603050405020304" pitchFamily="18" charset="0"/>
                 <a:cs typeface="Times New Roman" panose="02020603050405020304" pitchFamily="18" charset="0"/>
               </a:rPr>
@@ -22658,7 +22942,7 @@
           <p:nvPr>
             <p:extLst>
               <p:ext uri="{D42A27DB-BD31-4B8C-83A1-F6EECF244321}">
-                <p14:modId xmlns:p14="http://schemas.microsoft.com/office/powerpoint/2010/main" val="3461699254"/>
+                <p14:modId xmlns:p14="http://schemas.microsoft.com/office/powerpoint/2010/main" val="1947184372"/>
               </p:ext>
             </p:extLst>
           </p:nvPr>
@@ -22758,7 +23042,26 @@
                       </a:endParaRPr>
                     </a:p>
                   </a:txBody>
-                  <a:tcPr marL="68580" marR="68580" marT="0" marB="0" anchor="ctr"/>
+                  <a:tcPr marL="68580" marR="68580" marT="0" marB="0" anchor="ctr">
+                    <a:lnL w="12700" cap="flat" cmpd="sng" algn="ctr">
+                      <a:solidFill>
+                        <a:schemeClr val="tx1"/>
+                      </a:solidFill>
+                      <a:prstDash val="solid"/>
+                      <a:round/>
+                      <a:headEnd type="none" w="med" len="med"/>
+                      <a:tailEnd type="none" w="med" len="med"/>
+                    </a:lnL>
+                    <a:lnT w="12700" cap="flat" cmpd="sng" algn="ctr">
+                      <a:solidFill>
+                        <a:schemeClr val="tx1"/>
+                      </a:solidFill>
+                      <a:prstDash val="solid"/>
+                      <a:round/>
+                      <a:headEnd type="none" w="med" len="med"/>
+                      <a:tailEnd type="none" w="med" len="med"/>
+                    </a:lnT>
+                  </a:tcPr>
                 </a:tc>
                 <a:tc>
                   <a:txBody>
@@ -22793,7 +23096,17 @@
                       </a:endParaRPr>
                     </a:p>
                   </a:txBody>
-                  <a:tcPr marL="68580" marR="68580" marT="0" marB="0" anchor="ctr"/>
+                  <a:tcPr marL="68580" marR="68580" marT="0" marB="0" anchor="ctr">
+                    <a:lnT w="12700" cap="flat" cmpd="sng" algn="ctr">
+                      <a:solidFill>
+                        <a:schemeClr val="tx1"/>
+                      </a:solidFill>
+                      <a:prstDash val="solid"/>
+                      <a:round/>
+                      <a:headEnd type="none" w="med" len="med"/>
+                      <a:tailEnd type="none" w="med" len="med"/>
+                    </a:lnT>
+                  </a:tcPr>
                 </a:tc>
                 <a:tc>
                   <a:txBody>
@@ -22828,7 +23141,17 @@
                       </a:endParaRPr>
                     </a:p>
                   </a:txBody>
-                  <a:tcPr marL="68580" marR="68580" marT="0" marB="0" anchor="ctr"/>
+                  <a:tcPr marL="68580" marR="68580" marT="0" marB="0" anchor="ctr">
+                    <a:lnT w="12700" cap="flat" cmpd="sng" algn="ctr">
+                      <a:solidFill>
+                        <a:schemeClr val="tx1"/>
+                      </a:solidFill>
+                      <a:prstDash val="solid"/>
+                      <a:round/>
+                      <a:headEnd type="none" w="med" len="med"/>
+                      <a:tailEnd type="none" w="med" len="med"/>
+                    </a:lnT>
+                  </a:tcPr>
                 </a:tc>
                 <a:tc>
                   <a:txBody>
@@ -22853,7 +23176,7 @@
                           <a:ea typeface="Calibri" panose="020F0502020204030204" pitchFamily="34" charset="0"/>
                           <a:cs typeface="Times New Roman" panose="02020603050405020304" pitchFamily="18" charset="0"/>
                         </a:rPr>
-                        <a:t>Desired number of Participants (each course)</a:t>
+                        <a:t>Desired Number of Participants (each course)</a:t>
                       </a:r>
                       <a:endParaRPr lang="en-US" sz="1100" dirty="0">
                         <a:effectLst/>
@@ -22863,77 +23186,17 @@
                       </a:endParaRPr>
                     </a:p>
                   </a:txBody>
-                  <a:tcPr marL="68580" marR="68580" marT="0" marB="0" anchor="ctr"/>
-                </a:tc>
-                <a:tc>
-                  <a:txBody>
-                    <a:bodyPr/>
-                    <a:lstStyle/>
-                    <a:p>
-                      <a:pPr marL="0" marR="0" algn="ctr">
-                        <a:lnSpc>
-                          <a:spcPct val="107000"/>
-                        </a:lnSpc>
-                        <a:spcBef>
-                          <a:spcPts val="0"/>
-                        </a:spcBef>
-                        <a:spcAft>
-                          <a:spcPts val="800"/>
-                        </a:spcAft>
-                      </a:pPr>
-                      <a:r>
-                        <a:rPr lang="en-US" sz="1100" b="1">
-                          <a:effectLst/>
-                          <a:latin typeface="Times New Roman" panose="02020603050405020304" pitchFamily="18" charset="0"/>
-                          <a:ea typeface="Calibri" panose="020F0502020204030204" pitchFamily="34" charset="0"/>
-                          <a:cs typeface="Times New Roman" panose="02020603050405020304" pitchFamily="18" charset="0"/>
-                        </a:rPr>
-                        <a:t>Minimum acceptable number of participants (each course)</a:t>
-                      </a:r>
-                      <a:endParaRPr lang="en-US" sz="1100">
-                        <a:effectLst/>
-                        <a:latin typeface="Times New Roman" panose="02020603050405020304" pitchFamily="18" charset="0"/>
-                        <a:ea typeface="Calibri" panose="020F0502020204030204" pitchFamily="34" charset="0"/>
-                        <a:cs typeface="Times New Roman" panose="02020603050405020304" pitchFamily="18" charset="0"/>
-                      </a:endParaRPr>
-                    </a:p>
-                  </a:txBody>
-                  <a:tcPr marL="68580" marR="68580" marT="0" marB="0" anchor="ctr"/>
-                </a:tc>
-                <a:tc>
-                  <a:txBody>
-                    <a:bodyPr/>
-                    <a:lstStyle/>
-                    <a:p>
-                      <a:pPr marL="0" marR="0" algn="ctr">
-                        <a:lnSpc>
-                          <a:spcPct val="107000"/>
-                        </a:lnSpc>
-                        <a:spcBef>
-                          <a:spcPts val="0"/>
-                        </a:spcBef>
-                        <a:spcAft>
-                          <a:spcPts val="800"/>
-                        </a:spcAft>
-                      </a:pPr>
-                      <a:r>
-                        <a:rPr lang="en-US" sz="1100" b="1">
-                          <a:effectLst/>
-                          <a:latin typeface="Times New Roman" panose="02020603050405020304" pitchFamily="18" charset="0"/>
-                          <a:ea typeface="Calibri" panose="020F0502020204030204" pitchFamily="34" charset="0"/>
-                          <a:cs typeface="Times New Roman" panose="02020603050405020304" pitchFamily="18" charset="0"/>
-                        </a:rPr>
-                        <a:t>Maximum acceptable number of Participants (each course)</a:t>
-                      </a:r>
-                      <a:endParaRPr lang="en-US" sz="1100">
-                        <a:effectLst/>
-                        <a:latin typeface="Times New Roman" panose="02020603050405020304" pitchFamily="18" charset="0"/>
-                        <a:ea typeface="Calibri" panose="020F0502020204030204" pitchFamily="34" charset="0"/>
-                        <a:cs typeface="Times New Roman" panose="02020603050405020304" pitchFamily="18" charset="0"/>
-                      </a:endParaRPr>
-                    </a:p>
-                  </a:txBody>
-                  <a:tcPr marL="68580" marR="68580" marT="0" marB="0" anchor="ctr"/>
+                  <a:tcPr marL="68580" marR="68580" marT="0" marB="0" anchor="ctr">
+                    <a:lnT w="12700" cap="flat" cmpd="sng" algn="ctr">
+                      <a:solidFill>
+                        <a:schemeClr val="tx1"/>
+                      </a:solidFill>
+                      <a:prstDash val="solid"/>
+                      <a:round/>
+                      <a:headEnd type="none" w="med" len="med"/>
+                      <a:tailEnd type="none" w="med" len="med"/>
+                    </a:lnT>
+                  </a:tcPr>
                 </a:tc>
                 <a:tc>
                   <a:txBody>
@@ -22958,7 +23221,7 @@
                           <a:ea typeface="Calibri" panose="020F0502020204030204" pitchFamily="34" charset="0"/>
                           <a:cs typeface="Times New Roman" panose="02020603050405020304" pitchFamily="18" charset="0"/>
                         </a:rPr>
-                        <a:t>Total number of desired Participants</a:t>
+                        <a:t>Minimum Acceptable Number of Participants (each course)</a:t>
                       </a:r>
                       <a:endParaRPr lang="en-US" sz="1100" dirty="0">
                         <a:effectLst/>
@@ -22968,7 +23231,116 @@
                       </a:endParaRPr>
                     </a:p>
                   </a:txBody>
-                  <a:tcPr marL="68580" marR="68580" marT="0" marB="0" anchor="ctr"/>
+                  <a:tcPr marL="68580" marR="68580" marT="0" marB="0" anchor="ctr">
+                    <a:lnT w="12700" cap="flat" cmpd="sng" algn="ctr">
+                      <a:solidFill>
+                        <a:schemeClr val="tx1"/>
+                      </a:solidFill>
+                      <a:prstDash val="solid"/>
+                      <a:round/>
+                      <a:headEnd type="none" w="med" len="med"/>
+                      <a:tailEnd type="none" w="med" len="med"/>
+                    </a:lnT>
+                  </a:tcPr>
+                </a:tc>
+                <a:tc>
+                  <a:txBody>
+                    <a:bodyPr/>
+                    <a:lstStyle/>
+                    <a:p>
+                      <a:pPr marL="0" marR="0" algn="ctr">
+                        <a:lnSpc>
+                          <a:spcPct val="107000"/>
+                        </a:lnSpc>
+                        <a:spcBef>
+                          <a:spcPts val="0"/>
+                        </a:spcBef>
+                        <a:spcAft>
+                          <a:spcPts val="800"/>
+                        </a:spcAft>
+                      </a:pPr>
+                      <a:r>
+                        <a:rPr lang="en-US" sz="1100" b="1" dirty="0">
+                          <a:effectLst/>
+                          <a:latin typeface="Times New Roman" panose="02020603050405020304" pitchFamily="18" charset="0"/>
+                          <a:ea typeface="Calibri" panose="020F0502020204030204" pitchFamily="34" charset="0"/>
+                          <a:cs typeface="Times New Roman" panose="02020603050405020304" pitchFamily="18" charset="0"/>
+                        </a:rPr>
+                        <a:t>Maximum Acceptable Number of Participants (each course)</a:t>
+                      </a:r>
+                      <a:endParaRPr lang="en-US" sz="1100" dirty="0">
+                        <a:effectLst/>
+                        <a:latin typeface="Times New Roman" panose="02020603050405020304" pitchFamily="18" charset="0"/>
+                        <a:ea typeface="Calibri" panose="020F0502020204030204" pitchFamily="34" charset="0"/>
+                        <a:cs typeface="Times New Roman" panose="02020603050405020304" pitchFamily="18" charset="0"/>
+                      </a:endParaRPr>
+                    </a:p>
+                  </a:txBody>
+                  <a:tcPr marL="68580" marR="68580" marT="0" marB="0" anchor="ctr">
+                    <a:lnT w="12700" cap="flat" cmpd="sng" algn="ctr">
+                      <a:solidFill>
+                        <a:schemeClr val="tx1"/>
+                      </a:solidFill>
+                      <a:prstDash val="solid"/>
+                      <a:round/>
+                      <a:headEnd type="none" w="med" len="med"/>
+                      <a:tailEnd type="none" w="med" len="med"/>
+                    </a:lnT>
+                  </a:tcPr>
+                </a:tc>
+                <a:tc>
+                  <a:txBody>
+                    <a:bodyPr/>
+                    <a:lstStyle/>
+                    <a:p>
+                      <a:pPr marL="0" marR="0" algn="ctr">
+                        <a:lnSpc>
+                          <a:spcPct val="107000"/>
+                        </a:lnSpc>
+                        <a:spcBef>
+                          <a:spcPts val="0"/>
+                        </a:spcBef>
+                        <a:spcAft>
+                          <a:spcPts val="800"/>
+                        </a:spcAft>
+                      </a:pPr>
+                      <a:r>
+                        <a:rPr lang="en-US" sz="1100" b="1" dirty="0">
+                          <a:effectLst/>
+                          <a:latin typeface="Times New Roman" panose="02020603050405020304" pitchFamily="18" charset="0"/>
+                          <a:ea typeface="Calibri" panose="020F0502020204030204" pitchFamily="34" charset="0"/>
+                          <a:cs typeface="Times New Roman" panose="02020603050405020304" pitchFamily="18" charset="0"/>
+                        </a:rPr>
+                        <a:t>Total Number of Desired Participants</a:t>
+                      </a:r>
+                      <a:endParaRPr lang="en-US" sz="1100" dirty="0">
+                        <a:effectLst/>
+                        <a:latin typeface="Times New Roman" panose="02020603050405020304" pitchFamily="18" charset="0"/>
+                        <a:ea typeface="Calibri" panose="020F0502020204030204" pitchFamily="34" charset="0"/>
+                        <a:cs typeface="Times New Roman" panose="02020603050405020304" pitchFamily="18" charset="0"/>
+                      </a:endParaRPr>
+                    </a:p>
+                  </a:txBody>
+                  <a:tcPr marL="68580" marR="68580" marT="0" marB="0" anchor="ctr">
+                    <a:lnR w="12700" cap="flat" cmpd="sng" algn="ctr">
+                      <a:solidFill>
+                        <a:schemeClr val="tx1"/>
+                      </a:solidFill>
+                      <a:prstDash val="solid"/>
+                      <a:round/>
+                      <a:headEnd type="none" w="med" len="med"/>
+                      <a:tailEnd type="none" w="med" len="med"/>
+                    </a:lnR>
+                    <a:lnT w="12700" cap="flat" cmpd="sng" algn="ctr">
+                      <a:solidFill>
+                        <a:schemeClr val="tx1"/>
+                      </a:solidFill>
+                      <a:prstDash val="solid"/>
+                      <a:round/>
+                      <a:headEnd type="none" w="med" len="med"/>
+                      <a:tailEnd type="none" w="med" len="med"/>
+                    </a:lnT>
+                  </a:tcPr>
                 </a:tc>
                 <a:extLst>
                   <a:ext uri="{0D108BD9-81ED-4DB2-BD59-A6C34878D82A}">
@@ -23009,7 +23381,17 @@
                       </a:endParaRPr>
                     </a:p>
                   </a:txBody>
-                  <a:tcPr marL="68580" marR="68580" marT="0" marB="0" anchor="ctr"/>
+                  <a:tcPr marL="68580" marR="68580" marT="0" marB="0" anchor="ctr">
+                    <a:lnL w="12700" cap="flat" cmpd="sng" algn="ctr">
+                      <a:solidFill>
+                        <a:schemeClr val="tx1"/>
+                      </a:solidFill>
+                      <a:prstDash val="solid"/>
+                      <a:round/>
+                      <a:headEnd type="none" w="med" len="med"/>
+                      <a:tailEnd type="none" w="med" len="med"/>
+                    </a:lnL>
+                  </a:tcPr>
                 </a:tc>
                 <a:tc>
                   <a:txBody>
@@ -23096,14 +23478,14 @@
                         </a:spcAft>
                       </a:pPr>
                       <a:r>
-                        <a:rPr lang="en-US" sz="1100">
+                        <a:rPr lang="en-US" sz="1100" dirty="0">
                           <a:effectLst/>
                           <a:latin typeface="Times New Roman" panose="02020603050405020304" pitchFamily="18" charset="0"/>
                           <a:cs typeface="Times New Roman" panose="02020603050405020304" pitchFamily="18" charset="0"/>
                         </a:rPr>
                         <a:t>36</a:t>
                       </a:r>
-                      <a:endParaRPr lang="en-US" sz="1100">
+                      <a:endParaRPr lang="en-US" sz="1100" dirty="0">
                         <a:effectLst/>
                         <a:latin typeface="Times New Roman" panose="02020603050405020304" pitchFamily="18" charset="0"/>
                         <a:ea typeface="Calibri" panose="020F0502020204030204" pitchFamily="34" charset="0"/>
@@ -23213,7 +23595,17 @@
                       </a:endParaRPr>
                     </a:p>
                   </a:txBody>
-                  <a:tcPr marL="68580" marR="68580" marT="0" marB="0" anchor="ctr"/>
+                  <a:tcPr marL="68580" marR="68580" marT="0" marB="0" anchor="ctr">
+                    <a:lnR w="12700" cap="flat" cmpd="sng" algn="ctr">
+                      <a:solidFill>
+                        <a:schemeClr val="tx1"/>
+                      </a:solidFill>
+                      <a:prstDash val="solid"/>
+                      <a:round/>
+                      <a:headEnd type="none" w="med" len="med"/>
+                      <a:tailEnd type="none" w="med" len="med"/>
+                    </a:lnR>
+                  </a:tcPr>
                 </a:tc>
                 <a:extLst>
                   <a:ext uri="{0D108BD9-81ED-4DB2-BD59-A6C34878D82A}">
@@ -23249,7 +23641,17 @@
                       </a:r>
                     </a:p>
                   </a:txBody>
-                  <a:tcPr marL="68580" marR="68580" marT="0" marB="0" anchor="ctr"/>
+                  <a:tcPr marL="68580" marR="68580" marT="0" marB="0" anchor="ctr">
+                    <a:lnL w="12700" cap="flat" cmpd="sng" algn="ctr">
+                      <a:solidFill>
+                        <a:schemeClr val="tx1"/>
+                      </a:solidFill>
+                      <a:prstDash val="solid"/>
+                      <a:round/>
+                      <a:headEnd type="none" w="med" len="med"/>
+                      <a:tailEnd type="none" w="med" len="med"/>
+                    </a:lnL>
+                  </a:tcPr>
                 </a:tc>
                 <a:tc>
                   <a:txBody>
@@ -23423,7 +23825,17 @@
                       </a:r>
                     </a:p>
                   </a:txBody>
-                  <a:tcPr marL="68580" marR="68580" marT="0" marB="0" anchor="ctr"/>
+                  <a:tcPr marL="68580" marR="68580" marT="0" marB="0" anchor="ctr">
+                    <a:lnR w="12700" cap="flat" cmpd="sng" algn="ctr">
+                      <a:solidFill>
+                        <a:schemeClr val="tx1"/>
+                      </a:solidFill>
+                      <a:prstDash val="solid"/>
+                      <a:round/>
+                      <a:headEnd type="none" w="med" len="med"/>
+                      <a:tailEnd type="none" w="med" len="med"/>
+                    </a:lnR>
+                  </a:tcPr>
                 </a:tc>
                 <a:extLst>
                   <a:ext uri="{0D108BD9-81ED-4DB2-BD59-A6C34878D82A}">
@@ -23459,7 +23871,17 @@
                       </a:r>
                     </a:p>
                   </a:txBody>
-                  <a:tcPr marL="68580" marR="68580" marT="0" marB="0" anchor="ctr"/>
+                  <a:tcPr marL="68580" marR="68580" marT="0" marB="0" anchor="ctr">
+                    <a:lnL w="12700" cap="flat" cmpd="sng" algn="ctr">
+                      <a:solidFill>
+                        <a:schemeClr val="tx1"/>
+                      </a:solidFill>
+                      <a:prstDash val="solid"/>
+                      <a:round/>
+                      <a:headEnd type="none" w="med" len="med"/>
+                      <a:tailEnd type="none" w="med" len="med"/>
+                    </a:lnL>
+                  </a:tcPr>
                 </a:tc>
                 <a:tc>
                   <a:txBody>
@@ -23633,7 +24055,17 @@
                       </a:r>
                     </a:p>
                   </a:txBody>
-                  <a:tcPr marL="68580" marR="68580" marT="0" marB="0" anchor="ctr"/>
+                  <a:tcPr marL="68580" marR="68580" marT="0" marB="0" anchor="ctr">
+                    <a:lnR w="12700" cap="flat" cmpd="sng" algn="ctr">
+                      <a:solidFill>
+                        <a:schemeClr val="tx1"/>
+                      </a:solidFill>
+                      <a:prstDash val="solid"/>
+                      <a:round/>
+                      <a:headEnd type="none" w="med" len="med"/>
+                      <a:tailEnd type="none" w="med" len="med"/>
+                    </a:lnR>
+                  </a:tcPr>
                 </a:tc>
                 <a:extLst>
                   <a:ext uri="{0D108BD9-81ED-4DB2-BD59-A6C34878D82A}">
@@ -23659,17 +24091,27 @@
                         </a:spcAft>
                       </a:pPr>
                       <a:r>
-                        <a:rPr lang="en-US" sz="1100">
+                        <a:rPr lang="en-US" sz="1100" dirty="0">
                           <a:effectLst/>
                           <a:latin typeface="Times New Roman" panose="02020603050405020304" pitchFamily="18" charset="0"/>
                           <a:ea typeface="Calibri" panose="020F0502020204030204" pitchFamily="34" charset="0"/>
                           <a:cs typeface="Times New Roman" panose="02020603050405020304" pitchFamily="18" charset="0"/>
                         </a:rPr>
-                        <a:t>Refrigeration &amp; Air-conditioning</a:t>
+                        <a:t>Refrigeration &amp; Air-Conditioning</a:t>
                       </a:r>
                     </a:p>
                   </a:txBody>
-                  <a:tcPr marL="68580" marR="68580" marT="0" marB="0" anchor="ctr"/>
+                  <a:tcPr marL="68580" marR="68580" marT="0" marB="0" anchor="ctr">
+                    <a:lnL w="12700" cap="flat" cmpd="sng" algn="ctr">
+                      <a:solidFill>
+                        <a:schemeClr val="tx1"/>
+                      </a:solidFill>
+                      <a:prstDash val="solid"/>
+                      <a:round/>
+                      <a:headEnd type="none" w="med" len="med"/>
+                      <a:tailEnd type="none" w="med" len="med"/>
+                    </a:lnL>
+                  </a:tcPr>
                 </a:tc>
                 <a:tc>
                   <a:txBody>
@@ -23843,7 +24285,17 @@
                       </a:r>
                     </a:p>
                   </a:txBody>
-                  <a:tcPr marL="68580" marR="68580" marT="0" marB="0" anchor="ctr"/>
+                  <a:tcPr marL="68580" marR="68580" marT="0" marB="0" anchor="ctr">
+                    <a:lnR w="12700" cap="flat" cmpd="sng" algn="ctr">
+                      <a:solidFill>
+                        <a:schemeClr val="tx1"/>
+                      </a:solidFill>
+                      <a:prstDash val="solid"/>
+                      <a:round/>
+                      <a:headEnd type="none" w="med" len="med"/>
+                      <a:tailEnd type="none" w="med" len="med"/>
+                    </a:lnR>
+                  </a:tcPr>
                 </a:tc>
                 <a:extLst>
                   <a:ext uri="{0D108BD9-81ED-4DB2-BD59-A6C34878D82A}">
@@ -23879,7 +24331,26 @@
                       </a:r>
                     </a:p>
                   </a:txBody>
-                  <a:tcPr marL="68580" marR="68580" marT="0" marB="0" anchor="ctr"/>
+                  <a:tcPr marL="68580" marR="68580" marT="0" marB="0" anchor="ctr">
+                    <a:lnL w="12700" cap="flat" cmpd="sng" algn="ctr">
+                      <a:solidFill>
+                        <a:schemeClr val="tx1"/>
+                      </a:solidFill>
+                      <a:prstDash val="solid"/>
+                      <a:round/>
+                      <a:headEnd type="none" w="med" len="med"/>
+                      <a:tailEnd type="none" w="med" len="med"/>
+                    </a:lnL>
+                    <a:lnB w="12700" cap="flat" cmpd="sng" algn="ctr">
+                      <a:solidFill>
+                        <a:schemeClr val="tx1"/>
+                      </a:solidFill>
+                      <a:prstDash val="solid"/>
+                      <a:round/>
+                      <a:headEnd type="none" w="med" len="med"/>
+                      <a:tailEnd type="none" w="med" len="med"/>
+                    </a:lnB>
+                  </a:tcPr>
                 </a:tc>
                 <a:tc>
                   <a:txBody>
@@ -23908,7 +24379,17 @@
                       </a:r>
                     </a:p>
                   </a:txBody>
-                  <a:tcPr marL="68580" marR="68580" marT="0" marB="0" anchor="ctr"/>
+                  <a:tcPr marL="68580" marR="68580" marT="0" marB="0" anchor="ctr">
+                    <a:lnB w="12700" cap="flat" cmpd="sng" algn="ctr">
+                      <a:solidFill>
+                        <a:schemeClr val="tx1"/>
+                      </a:solidFill>
+                      <a:prstDash val="solid"/>
+                      <a:round/>
+                      <a:headEnd type="none" w="med" len="med"/>
+                      <a:tailEnd type="none" w="med" len="med"/>
+                    </a:lnB>
+                  </a:tcPr>
                 </a:tc>
                 <a:tc>
                   <a:txBody>
@@ -23937,7 +24418,17 @@
                       </a:r>
                     </a:p>
                   </a:txBody>
-                  <a:tcPr marL="68580" marR="68580" marT="0" marB="0" anchor="ctr"/>
+                  <a:tcPr marL="68580" marR="68580" marT="0" marB="0" anchor="ctr">
+                    <a:lnB w="12700" cap="flat" cmpd="sng" algn="ctr">
+                      <a:solidFill>
+                        <a:schemeClr val="tx1"/>
+                      </a:solidFill>
+                      <a:prstDash val="solid"/>
+                      <a:round/>
+                      <a:headEnd type="none" w="med" len="med"/>
+                      <a:tailEnd type="none" w="med" len="med"/>
+                    </a:lnB>
+                  </a:tcPr>
                 </a:tc>
                 <a:tc>
                   <a:txBody>
@@ -23966,7 +24457,56 @@
                       </a:r>
                     </a:p>
                   </a:txBody>
-                  <a:tcPr marL="68580" marR="68580" marT="0" marB="0" anchor="ctr"/>
+                  <a:tcPr marL="68580" marR="68580" marT="0" marB="0" anchor="ctr">
+                    <a:lnB w="12700" cap="flat" cmpd="sng" algn="ctr">
+                      <a:solidFill>
+                        <a:schemeClr val="tx1"/>
+                      </a:solidFill>
+                      <a:prstDash val="solid"/>
+                      <a:round/>
+                      <a:headEnd type="none" w="med" len="med"/>
+                      <a:tailEnd type="none" w="med" len="med"/>
+                    </a:lnB>
+                  </a:tcPr>
+                </a:tc>
+                <a:tc>
+                  <a:txBody>
+                    <a:bodyPr/>
+                    <a:lstStyle/>
+                    <a:p>
+                      <a:pPr marL="0" marR="0" algn="ctr">
+                        <a:lnSpc>
+                          <a:spcPct val="107000"/>
+                        </a:lnSpc>
+                        <a:spcBef>
+                          <a:spcPts val="0"/>
+                        </a:spcBef>
+                        <a:spcAft>
+                          <a:spcPts val="800"/>
+                        </a:spcAft>
+                      </a:pPr>
+                      <a:r>
+                        <a:rPr lang="en-US" sz="1100" dirty="0">
+                          <a:effectLst/>
+                          <a:latin typeface="Times New Roman" panose="02020603050405020304" pitchFamily="18" charset="0"/>
+                          <a:ea typeface="Calibri" panose="020F0502020204030204" pitchFamily="34" charset="0"/>
+                          <a:cs typeface="Times New Roman" panose="02020603050405020304" pitchFamily="18" charset="0"/>
+                        </a:rPr>
+                        <a:t>30</a:t>
+                      </a:r>
+                    </a:p>
+                  </a:txBody>
+                  <a:tcPr marL="68580" marR="68580" marT="0" marB="0" anchor="ctr">
+                    <a:lnB w="12700" cap="flat" cmpd="sng" algn="ctr">
+                      <a:solidFill>
+                        <a:schemeClr val="tx1"/>
+                      </a:solidFill>
+                      <a:prstDash val="solid"/>
+                      <a:round/>
+                      <a:headEnd type="none" w="med" len="med"/>
+                      <a:tailEnd type="none" w="med" len="med"/>
+                    </a:lnB>
+                  </a:tcPr>
                 </a:tc>
                 <a:tc>
                   <a:txBody>
@@ -23995,36 +24535,17 @@
                       </a:r>
                     </a:p>
                   </a:txBody>
-                  <a:tcPr marL="68580" marR="68580" marT="0" marB="0" anchor="ctr"/>
-                </a:tc>
-                <a:tc>
-                  <a:txBody>
-                    <a:bodyPr/>
-                    <a:lstStyle/>
-                    <a:p>
-                      <a:pPr marL="0" marR="0" algn="ctr">
-                        <a:lnSpc>
-                          <a:spcPct val="107000"/>
-                        </a:lnSpc>
-                        <a:spcBef>
-                          <a:spcPts val="0"/>
-                        </a:spcBef>
-                        <a:spcAft>
-                          <a:spcPts val="800"/>
-                        </a:spcAft>
-                      </a:pPr>
-                      <a:r>
-                        <a:rPr lang="en-US" sz="1100">
-                          <a:effectLst/>
-                          <a:latin typeface="Times New Roman" panose="02020603050405020304" pitchFamily="18" charset="0"/>
-                          <a:ea typeface="Calibri" panose="020F0502020204030204" pitchFamily="34" charset="0"/>
-                          <a:cs typeface="Times New Roman" panose="02020603050405020304" pitchFamily="18" charset="0"/>
-                        </a:rPr>
-                        <a:t>30</a:t>
-                      </a:r>
-                    </a:p>
-                  </a:txBody>
-                  <a:tcPr marL="68580" marR="68580" marT="0" marB="0" anchor="ctr"/>
+                  <a:tcPr marL="68580" marR="68580" marT="0" marB="0" anchor="ctr">
+                    <a:lnB w="12700" cap="flat" cmpd="sng" algn="ctr">
+                      <a:solidFill>
+                        <a:schemeClr val="tx1"/>
+                      </a:solidFill>
+                      <a:prstDash val="solid"/>
+                      <a:round/>
+                      <a:headEnd type="none" w="med" len="med"/>
+                      <a:tailEnd type="none" w="med" len="med"/>
+                    </a:lnB>
+                  </a:tcPr>
                 </a:tc>
                 <a:tc>
                   <a:txBody>
@@ -24053,7 +24574,26 @@
                       </a:r>
                     </a:p>
                   </a:txBody>
-                  <a:tcPr marL="68580" marR="68580" marT="0" marB="0" anchor="ctr"/>
+                  <a:tcPr marL="68580" marR="68580" marT="0" marB="0" anchor="ctr">
+                    <a:lnR w="12700" cap="flat" cmpd="sng" algn="ctr">
+                      <a:solidFill>
+                        <a:schemeClr val="tx1"/>
+                      </a:solidFill>
+                      <a:prstDash val="solid"/>
+                      <a:round/>
+                      <a:headEnd type="none" w="med" len="med"/>
+                      <a:tailEnd type="none" w="med" len="med"/>
+                    </a:lnR>
+                    <a:lnB w="12700" cap="flat" cmpd="sng" algn="ctr">
+                      <a:solidFill>
+                        <a:schemeClr val="tx1"/>
+                      </a:solidFill>
+                      <a:prstDash val="solid"/>
+                      <a:round/>
+                      <a:headEnd type="none" w="med" len="med"/>
+                      <a:tailEnd type="none" w="med" len="med"/>
+                    </a:lnB>
+                  </a:tcPr>
                 </a:tc>
                 <a:extLst>
                   <a:ext uri="{0D108BD9-81ED-4DB2-BD59-A6C34878D82A}">
@@ -24173,7 +24713,7 @@
         </p:nvSpPr>
         <p:spPr>
           <a:xfrm>
-            <a:off x="2839831" y="233948"/>
+            <a:off x="2743199" y="567239"/>
             <a:ext cx="4462118" cy="470833"/>
           </a:xfrm>
         </p:spPr>
@@ -24183,6 +24723,13 @@
           <a:p>
             <a:r>
               <a:rPr lang="en-US" dirty="0">
+                <a:effectLst>
+                  <a:outerShdw blurRad="38100" dist="38100" dir="2700000" algn="tl">
+                    <a:srgbClr val="000000">
+                      <a:alpha val="43137"/>
+                    </a:srgbClr>
+                  </a:outerShdw>
+                </a:effectLst>
                 <a:latin typeface="Times New Roman" panose="02020603050405020304" pitchFamily="18" charset="0"/>
                 <a:cs typeface="Times New Roman" panose="02020603050405020304" pitchFamily="18" charset="0"/>
               </a:rPr>
@@ -24206,7 +24753,7 @@
           <p:nvPr>
             <p:extLst>
               <p:ext uri="{D42A27DB-BD31-4B8C-83A1-F6EECF244321}">
-                <p14:modId xmlns:p14="http://schemas.microsoft.com/office/powerpoint/2010/main" val="2275580245"/>
+                <p14:modId xmlns:p14="http://schemas.microsoft.com/office/powerpoint/2010/main" val="1856768361"/>
               </p:ext>
             </p:extLst>
           </p:nvPr>
@@ -24285,7 +24832,26 @@
                       </a:endParaRPr>
                     </a:p>
                   </a:txBody>
-                  <a:tcPr marL="68580" marR="68580" marT="0" marB="0" anchor="ctr"/>
+                  <a:tcPr marL="68580" marR="68580" marT="0" marB="0" anchor="ctr">
+                    <a:lnL w="12700" cap="flat" cmpd="sng" algn="ctr">
+                      <a:solidFill>
+                        <a:schemeClr val="tx1"/>
+                      </a:solidFill>
+                      <a:prstDash val="solid"/>
+                      <a:round/>
+                      <a:headEnd type="none" w="med" len="med"/>
+                      <a:tailEnd type="none" w="med" len="med"/>
+                    </a:lnL>
+                    <a:lnT w="12700" cap="flat" cmpd="sng" algn="ctr">
+                      <a:solidFill>
+                        <a:schemeClr val="tx1"/>
+                      </a:solidFill>
+                      <a:prstDash val="solid"/>
+                      <a:round/>
+                      <a:headEnd type="none" w="med" len="med"/>
+                      <a:tailEnd type="none" w="med" len="med"/>
+                    </a:lnT>
+                  </a:tcPr>
                 </a:tc>
                 <a:tc>
                   <a:txBody>
@@ -24320,7 +24886,17 @@
                       </a:endParaRPr>
                     </a:p>
                   </a:txBody>
-                  <a:tcPr marL="68580" marR="68580" marT="0" marB="0" anchor="ctr"/>
+                  <a:tcPr marL="68580" marR="68580" marT="0" marB="0" anchor="ctr">
+                    <a:lnT w="12700" cap="flat" cmpd="sng" algn="ctr">
+                      <a:solidFill>
+                        <a:schemeClr val="tx1"/>
+                      </a:solidFill>
+                      <a:prstDash val="solid"/>
+                      <a:round/>
+                      <a:headEnd type="none" w="med" len="med"/>
+                      <a:tailEnd type="none" w="med" len="med"/>
+                    </a:lnT>
+                  </a:tcPr>
                 </a:tc>
                 <a:tc>
                   <a:txBody>
@@ -24355,7 +24931,17 @@
                       </a:endParaRPr>
                     </a:p>
                   </a:txBody>
-                  <a:tcPr marL="68580" marR="68580" marT="0" marB="0" anchor="ctr"/>
+                  <a:tcPr marL="68580" marR="68580" marT="0" marB="0" anchor="ctr">
+                    <a:lnT w="12700" cap="flat" cmpd="sng" algn="ctr">
+                      <a:solidFill>
+                        <a:schemeClr val="tx1"/>
+                      </a:solidFill>
+                      <a:prstDash val="solid"/>
+                      <a:round/>
+                      <a:headEnd type="none" w="med" len="med"/>
+                      <a:tailEnd type="none" w="med" len="med"/>
+                    </a:lnT>
+                  </a:tcPr>
                 </a:tc>
                 <a:tc>
                   <a:txBody>
@@ -24390,7 +24976,26 @@
                       </a:endParaRPr>
                     </a:p>
                   </a:txBody>
-                  <a:tcPr marL="68580" marR="68580" marT="0" marB="0" anchor="ctr"/>
+                  <a:tcPr marL="68580" marR="68580" marT="0" marB="0" anchor="ctr">
+                    <a:lnR w="12700" cap="flat" cmpd="sng" algn="ctr">
+                      <a:solidFill>
+                        <a:schemeClr val="tx1"/>
+                      </a:solidFill>
+                      <a:prstDash val="solid"/>
+                      <a:round/>
+                      <a:headEnd type="none" w="med" len="med"/>
+                      <a:tailEnd type="none" w="med" len="med"/>
+                    </a:lnR>
+                    <a:lnT w="12700" cap="flat" cmpd="sng" algn="ctr">
+                      <a:solidFill>
+                        <a:schemeClr val="tx1"/>
+                      </a:solidFill>
+                      <a:prstDash val="solid"/>
+                      <a:round/>
+                      <a:headEnd type="none" w="med" len="med"/>
+                      <a:tailEnd type="none" w="med" len="med"/>
+                    </a:lnT>
+                  </a:tcPr>
                 </a:tc>
                 <a:extLst>
                   <a:ext uri="{0D108BD9-81ED-4DB2-BD59-A6C34878D82A}">
@@ -24431,7 +25036,17 @@
                       </a:endParaRPr>
                     </a:p>
                   </a:txBody>
-                  <a:tcPr marL="68580" marR="68580" marT="0" marB="0" anchor="ctr"/>
+                  <a:tcPr marL="68580" marR="68580" marT="0" marB="0" anchor="ctr">
+                    <a:lnL w="12700" cap="flat" cmpd="sng" algn="ctr">
+                      <a:solidFill>
+                        <a:schemeClr val="tx1"/>
+                      </a:solidFill>
+                      <a:prstDash val="solid"/>
+                      <a:round/>
+                      <a:headEnd type="none" w="med" len="med"/>
+                      <a:tailEnd type="none" w="med" len="med"/>
+                    </a:lnL>
+                  </a:tcPr>
                 </a:tc>
                 <a:tc>
                   <a:txBody>
@@ -24528,7 +25143,17 @@
                       </a:r>
                     </a:p>
                   </a:txBody>
-                  <a:tcPr marL="68580" marR="68580" marT="0" marB="0" anchor="ctr"/>
+                  <a:tcPr marL="68580" marR="68580" marT="0" marB="0" anchor="ctr">
+                    <a:lnR w="12700" cap="flat" cmpd="sng" algn="ctr">
+                      <a:solidFill>
+                        <a:schemeClr val="tx1"/>
+                      </a:solidFill>
+                      <a:prstDash val="solid"/>
+                      <a:round/>
+                      <a:headEnd type="none" w="med" len="med"/>
+                      <a:tailEnd type="none" w="med" len="med"/>
+                    </a:lnR>
+                  </a:tcPr>
                 </a:tc>
                 <a:extLst>
                   <a:ext uri="{0D108BD9-81ED-4DB2-BD59-A6C34878D82A}">
@@ -24564,7 +25189,17 @@
                       </a:r>
                     </a:p>
                   </a:txBody>
-                  <a:tcPr marL="68580" marR="68580" marT="0" marB="0" anchor="ctr"/>
+                  <a:tcPr marL="68580" marR="68580" marT="0" marB="0" anchor="ctr">
+                    <a:lnL w="12700" cap="flat" cmpd="sng" algn="ctr">
+                      <a:solidFill>
+                        <a:schemeClr val="tx1"/>
+                      </a:solidFill>
+                      <a:prstDash val="solid"/>
+                      <a:round/>
+                      <a:headEnd type="none" w="med" len="med"/>
+                      <a:tailEnd type="none" w="med" len="med"/>
+                    </a:lnL>
+                  </a:tcPr>
                 </a:tc>
                 <a:tc>
                   <a:txBody>
@@ -24679,7 +25314,17 @@
                       </a:endParaRPr>
                     </a:p>
                   </a:txBody>
-                  <a:tcPr marL="68580" marR="68580" marT="0" marB="0" anchor="ctr"/>
+                  <a:tcPr marL="68580" marR="68580" marT="0" marB="0" anchor="ctr">
+                    <a:lnR w="12700" cap="flat" cmpd="sng" algn="ctr">
+                      <a:solidFill>
+                        <a:schemeClr val="tx1"/>
+                      </a:solidFill>
+                      <a:prstDash val="solid"/>
+                      <a:round/>
+                      <a:headEnd type="none" w="med" len="med"/>
+                      <a:tailEnd type="none" w="med" len="med"/>
+                    </a:lnR>
+                  </a:tcPr>
                 </a:tc>
                 <a:extLst>
                   <a:ext uri="{0D108BD9-81ED-4DB2-BD59-A6C34878D82A}">
@@ -24715,7 +25360,17 @@
                       </a:r>
                     </a:p>
                   </a:txBody>
-                  <a:tcPr marL="68580" marR="68580" marT="0" marB="0" anchor="ctr"/>
+                  <a:tcPr marL="68580" marR="68580" marT="0" marB="0" anchor="ctr">
+                    <a:lnL w="12700" cap="flat" cmpd="sng" algn="ctr">
+                      <a:solidFill>
+                        <a:schemeClr val="tx1"/>
+                      </a:solidFill>
+                      <a:prstDash val="solid"/>
+                      <a:round/>
+                      <a:headEnd type="none" w="med" len="med"/>
+                      <a:tailEnd type="none" w="med" len="med"/>
+                    </a:lnL>
+                  </a:tcPr>
                 </a:tc>
                 <a:tc>
                   <a:txBody>
@@ -24816,7 +25471,17 @@
                       </a:r>
                     </a:p>
                   </a:txBody>
-                  <a:tcPr marL="68580" marR="68580" marT="0" marB="0" anchor="ctr"/>
+                  <a:tcPr marL="68580" marR="68580" marT="0" marB="0" anchor="ctr">
+                    <a:lnR w="12700" cap="flat" cmpd="sng" algn="ctr">
+                      <a:solidFill>
+                        <a:schemeClr val="tx1"/>
+                      </a:solidFill>
+                      <a:prstDash val="solid"/>
+                      <a:round/>
+                      <a:headEnd type="none" w="med" len="med"/>
+                      <a:tailEnd type="none" w="med" len="med"/>
+                    </a:lnR>
+                  </a:tcPr>
                 </a:tc>
                 <a:extLst>
                   <a:ext uri="{0D108BD9-81ED-4DB2-BD59-A6C34878D82A}">
@@ -24842,17 +25507,27 @@
                         </a:spcAft>
                       </a:pPr>
                       <a:r>
-                        <a:rPr lang="en-US" sz="1400">
+                        <a:rPr lang="en-US" sz="1400" dirty="0">
                           <a:effectLst/>
                           <a:latin typeface="Times New Roman" panose="02020603050405020304" pitchFamily="18" charset="0"/>
                           <a:ea typeface="Calibri" panose="020F0502020204030204" pitchFamily="34" charset="0"/>
                           <a:cs typeface="Times New Roman" panose="02020603050405020304" pitchFamily="18" charset="0"/>
                         </a:rPr>
-                        <a:t>Refrigeration &amp; Air-conditioning</a:t>
+                        <a:t>Refrigeration &amp; Air-Conditioning</a:t>
                       </a:r>
                     </a:p>
                   </a:txBody>
-                  <a:tcPr marL="68580" marR="68580" marT="0" marB="0" anchor="ctr"/>
+                  <a:tcPr marL="68580" marR="68580" marT="0" marB="0" anchor="ctr">
+                    <a:lnL w="12700" cap="flat" cmpd="sng" algn="ctr">
+                      <a:solidFill>
+                        <a:schemeClr val="tx1"/>
+                      </a:solidFill>
+                      <a:prstDash val="solid"/>
+                      <a:round/>
+                      <a:headEnd type="none" w="med" len="med"/>
+                      <a:tailEnd type="none" w="med" len="med"/>
+                    </a:lnL>
+                  </a:tcPr>
                 </a:tc>
                 <a:tc>
                   <a:txBody>
@@ -24953,7 +25628,17 @@
                       </a:r>
                     </a:p>
                   </a:txBody>
-                  <a:tcPr marL="68580" marR="68580" marT="0" marB="0" anchor="ctr"/>
+                  <a:tcPr marL="68580" marR="68580" marT="0" marB="0" anchor="ctr">
+                    <a:lnR w="12700" cap="flat" cmpd="sng" algn="ctr">
+                      <a:solidFill>
+                        <a:schemeClr val="tx1"/>
+                      </a:solidFill>
+                      <a:prstDash val="solid"/>
+                      <a:round/>
+                      <a:headEnd type="none" w="med" len="med"/>
+                      <a:tailEnd type="none" w="med" len="med"/>
+                    </a:lnR>
+                  </a:tcPr>
                 </a:tc>
                 <a:extLst>
                   <a:ext uri="{0D108BD9-81ED-4DB2-BD59-A6C34878D82A}">
@@ -24989,7 +25674,26 @@
                       </a:r>
                     </a:p>
                   </a:txBody>
-                  <a:tcPr marL="68580" marR="68580" marT="0" marB="0" anchor="ctr"/>
+                  <a:tcPr marL="68580" marR="68580" marT="0" marB="0" anchor="ctr">
+                    <a:lnL w="12700" cap="flat" cmpd="sng" algn="ctr">
+                      <a:solidFill>
+                        <a:schemeClr val="tx1"/>
+                      </a:solidFill>
+                      <a:prstDash val="solid"/>
+                      <a:round/>
+                      <a:headEnd type="none" w="med" len="med"/>
+                      <a:tailEnd type="none" w="med" len="med"/>
+                    </a:lnL>
+                    <a:lnB w="12700" cap="flat" cmpd="sng" algn="ctr">
+                      <a:solidFill>
+                        <a:schemeClr val="tx1"/>
+                      </a:solidFill>
+                      <a:prstDash val="solid"/>
+                      <a:round/>
+                      <a:headEnd type="none" w="med" len="med"/>
+                      <a:tailEnd type="none" w="med" len="med"/>
+                    </a:lnB>
+                  </a:tcPr>
                 </a:tc>
                 <a:tc>
                   <a:txBody>
@@ -25018,7 +25722,17 @@
                       </a:r>
                     </a:p>
                   </a:txBody>
-                  <a:tcPr marL="68580" marR="68580" marT="0" marB="0" anchor="ctr"/>
+                  <a:tcPr marL="68580" marR="68580" marT="0" marB="0" anchor="ctr">
+                    <a:lnB w="12700" cap="flat" cmpd="sng" algn="ctr">
+                      <a:solidFill>
+                        <a:schemeClr val="tx1"/>
+                      </a:solidFill>
+                      <a:prstDash val="solid"/>
+                      <a:round/>
+                      <a:headEnd type="none" w="med" len="med"/>
+                      <a:tailEnd type="none" w="med" len="med"/>
+                    </a:lnB>
+                  </a:tcPr>
                 </a:tc>
                 <a:tc>
                   <a:txBody>
@@ -25047,7 +25761,17 @@
                       </a:r>
                     </a:p>
                   </a:txBody>
-                  <a:tcPr marL="68580" marR="68580" marT="0" marB="0" anchor="ctr"/>
+                  <a:tcPr marL="68580" marR="68580" marT="0" marB="0" anchor="ctr">
+                    <a:lnB w="12700" cap="flat" cmpd="sng" algn="ctr">
+                      <a:solidFill>
+                        <a:schemeClr val="tx1"/>
+                      </a:solidFill>
+                      <a:prstDash val="solid"/>
+                      <a:round/>
+                      <a:headEnd type="none" w="med" len="med"/>
+                      <a:tailEnd type="none" w="med" len="med"/>
+                    </a:lnB>
+                  </a:tcPr>
                 </a:tc>
                 <a:tc>
                   <a:txBody>
@@ -25076,7 +25800,26 @@
                       </a:r>
                     </a:p>
                   </a:txBody>
-                  <a:tcPr marL="68580" marR="68580" marT="0" marB="0" anchor="ctr"/>
+                  <a:tcPr marL="68580" marR="68580" marT="0" marB="0" anchor="ctr">
+                    <a:lnR w="12700" cap="flat" cmpd="sng" algn="ctr">
+                      <a:solidFill>
+                        <a:schemeClr val="tx1"/>
+                      </a:solidFill>
+                      <a:prstDash val="solid"/>
+                      <a:round/>
+                      <a:headEnd type="none" w="med" len="med"/>
+                      <a:tailEnd type="none" w="med" len="med"/>
+                    </a:lnR>
+                    <a:lnB w="12700" cap="flat" cmpd="sng" algn="ctr">
+                      <a:solidFill>
+                        <a:schemeClr val="tx1"/>
+                      </a:solidFill>
+                      <a:prstDash val="solid"/>
+                      <a:round/>
+                      <a:headEnd type="none" w="med" len="med"/>
+                      <a:tailEnd type="none" w="med" len="med"/>
+                    </a:lnB>
+                  </a:tcPr>
                 </a:tc>
                 <a:extLst>
                   <a:ext uri="{0D108BD9-81ED-4DB2-BD59-A6C34878D82A}">
@@ -25088,128 +25831,6 @@
           </a:graphicData>
         </a:graphic>
       </p:graphicFrame>
-      <p:sp>
-        <p:nvSpPr>
-          <p:cNvPr id="5" name="Title 1">
-            <a:extLst>
-              <a:ext uri="{FF2B5EF4-FFF2-40B4-BE49-F238E27FC236}">
-                <a16:creationId xmlns:a16="http://schemas.microsoft.com/office/drawing/2014/main" id="{E735E0F5-F82B-4264-B5FD-642E32706711}"/>
-              </a:ext>
-            </a:extLst>
-          </p:cNvPr>
-          <p:cNvSpPr txBox="1">
-            <a:spLocks/>
-          </p:cNvSpPr>
-          <p:nvPr/>
-        </p:nvSpPr>
-        <p:spPr>
-          <a:xfrm>
-            <a:off x="6096000" y="4611042"/>
-            <a:ext cx="4964924" cy="470833"/>
-          </a:xfrm>
-          <a:prstGeom prst="rect">
-            <a:avLst/>
-          </a:prstGeom>
-        </p:spPr>
-        <p:txBody>
-          <a:bodyPr vert="horz" lIns="0" tIns="0" rIns="0" bIns="0" rtlCol="0" anchor="b">
-            <a:noAutofit/>
-          </a:bodyPr>
-          <a:lstStyle>
-            <a:lvl1pPr algn="l" defTabSz="914400" rtl="0" eaLnBrk="1" latinLnBrk="0" hangingPunct="1">
-              <a:lnSpc>
-                <a:spcPct val="90000"/>
-              </a:lnSpc>
-              <a:spcBef>
-                <a:spcPct val="0"/>
-              </a:spcBef>
-              <a:buNone/>
-              <a:defRPr sz="3200" b="1" kern="1200" cap="all" baseline="0">
-                <a:solidFill>
-                  <a:schemeClr val="tx1"/>
-                </a:solidFill>
-                <a:latin typeface="+mj-lt"/>
-                <a:ea typeface="+mj-ea"/>
-                <a:cs typeface="+mj-cs"/>
-              </a:defRPr>
-            </a:lvl1pPr>
-          </a:lstStyle>
-          <a:p>
-            <a:r>
-              <a:rPr lang="en-US" dirty="0" err="1">
-                <a:latin typeface="Times New Roman" panose="02020603050405020304" pitchFamily="18" charset="0"/>
-                <a:cs typeface="Times New Roman" panose="02020603050405020304" pitchFamily="18" charset="0"/>
-              </a:rPr>
-              <a:t>pMU</a:t>
-            </a:r>
-            <a:r>
-              <a:rPr lang="en-US" dirty="0">
-                <a:latin typeface="Times New Roman" panose="02020603050405020304" pitchFamily="18" charset="0"/>
-                <a:cs typeface="Times New Roman" panose="02020603050405020304" pitchFamily="18" charset="0"/>
-              </a:rPr>
-              <a:t> cost (Tentative)</a:t>
-            </a:r>
-          </a:p>
-        </p:txBody>
-      </p:sp>
-      <p:sp>
-        <p:nvSpPr>
-          <p:cNvPr id="6" name="Title 1">
-            <a:extLst>
-              <a:ext uri="{FF2B5EF4-FFF2-40B4-BE49-F238E27FC236}">
-                <a16:creationId xmlns:a16="http://schemas.microsoft.com/office/drawing/2014/main" id="{1823D1CD-C17F-46EA-9202-AA0611010386}"/>
-              </a:ext>
-            </a:extLst>
-          </p:cNvPr>
-          <p:cNvSpPr txBox="1">
-            <a:spLocks/>
-          </p:cNvSpPr>
-          <p:nvPr/>
-        </p:nvSpPr>
-        <p:spPr>
-          <a:xfrm>
-            <a:off x="389005" y="1376928"/>
-            <a:ext cx="6745358" cy="470833"/>
-          </a:xfrm>
-          <a:prstGeom prst="rect">
-            <a:avLst/>
-          </a:prstGeom>
-        </p:spPr>
-        <p:txBody>
-          <a:bodyPr vert="horz" lIns="0" tIns="0" rIns="0" bIns="0" rtlCol="0" anchor="b">
-            <a:noAutofit/>
-          </a:bodyPr>
-          <a:lstStyle>
-            <a:lvl1pPr algn="l" defTabSz="914400" rtl="0" eaLnBrk="1" latinLnBrk="0" hangingPunct="1">
-              <a:lnSpc>
-                <a:spcPct val="90000"/>
-              </a:lnSpc>
-              <a:spcBef>
-                <a:spcPct val="0"/>
-              </a:spcBef>
-              <a:buNone/>
-              <a:defRPr sz="3200" b="1" kern="1200" cap="all" baseline="0">
-                <a:solidFill>
-                  <a:schemeClr val="tx1"/>
-                </a:solidFill>
-                <a:latin typeface="+mj-lt"/>
-                <a:ea typeface="+mj-ea"/>
-                <a:cs typeface="+mj-cs"/>
-              </a:defRPr>
-            </a:lvl1pPr>
-          </a:lstStyle>
-          <a:p>
-            <a:pPr algn="ctr"/>
-            <a:r>
-              <a:rPr lang="en-US" dirty="0">
-                <a:latin typeface="Times New Roman" panose="02020603050405020304" pitchFamily="18" charset="0"/>
-                <a:cs typeface="Times New Roman" panose="02020603050405020304" pitchFamily="18" charset="0"/>
-              </a:rPr>
-              <a:t>Training cost (Per Trainee)</a:t>
-            </a:r>
-          </a:p>
-        </p:txBody>
-      </p:sp>
       <p:sp>
         <p:nvSpPr>
           <p:cNvPr id="7" name="TextBox 6">
@@ -25224,7 +25845,7 @@
         </p:nvSpPr>
         <p:spPr>
           <a:xfrm>
-            <a:off x="6872244" y="5184961"/>
+            <a:off x="6096000" y="5184961"/>
             <a:ext cx="3412435" cy="399405"/>
           </a:xfrm>
           <a:prstGeom prst="rect">
@@ -25319,6 +25940,114 @@
           </a:prstGeom>
         </p:spPr>
       </p:pic>
+      <p:sp>
+        <p:nvSpPr>
+          <p:cNvPr id="10" name="TextBox 9">
+            <a:extLst>
+              <a:ext uri="{FF2B5EF4-FFF2-40B4-BE49-F238E27FC236}">
+                <a16:creationId xmlns:a16="http://schemas.microsoft.com/office/drawing/2014/main" id="{C466D1B0-912E-4FDB-8212-A348A858FA77}"/>
+              </a:ext>
+            </a:extLst>
+          </p:cNvPr>
+          <p:cNvSpPr txBox="1"/>
+          <p:nvPr/>
+        </p:nvSpPr>
+        <p:spPr>
+          <a:xfrm>
+            <a:off x="2166245" y="1491266"/>
+            <a:ext cx="3190877" cy="400110"/>
+          </a:xfrm>
+          <a:prstGeom prst="rect">
+            <a:avLst/>
+          </a:prstGeom>
+          <a:noFill/>
+        </p:spPr>
+        <p:txBody>
+          <a:bodyPr wrap="square">
+            <a:spAutoFit/>
+          </a:bodyPr>
+          <a:lstStyle/>
+          <a:p>
+            <a:r>
+              <a:rPr lang="en-US" sz="2000" b="1" dirty="0">
+                <a:effectLst>
+                  <a:outerShdw blurRad="38100" dist="38100" dir="2700000" algn="tl">
+                    <a:srgbClr val="000000">
+                      <a:alpha val="43137"/>
+                    </a:srgbClr>
+                  </a:outerShdw>
+                </a:effectLst>
+                <a:latin typeface="Times New Roman" panose="02020603050405020304" pitchFamily="18" charset="0"/>
+                <a:ea typeface="Calibri" panose="020F0502020204030204" pitchFamily="34" charset="0"/>
+              </a:rPr>
+              <a:t>Training Cost (Per Trainee)</a:t>
+            </a:r>
+            <a:endParaRPr lang="en-US" sz="2000" b="1" dirty="0">
+              <a:effectLst>
+                <a:outerShdw blurRad="38100" dist="38100" dir="2700000" algn="tl">
+                  <a:srgbClr val="000000">
+                    <a:alpha val="43137"/>
+                  </a:srgbClr>
+                </a:outerShdw>
+              </a:effectLst>
+            </a:endParaRPr>
+          </a:p>
+        </p:txBody>
+      </p:sp>
+      <p:sp>
+        <p:nvSpPr>
+          <p:cNvPr id="12" name="TextBox 11">
+            <a:extLst>
+              <a:ext uri="{FF2B5EF4-FFF2-40B4-BE49-F238E27FC236}">
+                <a16:creationId xmlns:a16="http://schemas.microsoft.com/office/drawing/2014/main" id="{0B5F764E-CDCC-4A4A-B8F2-1DE4126C6DB6}"/>
+              </a:ext>
+            </a:extLst>
+          </p:cNvPr>
+          <p:cNvSpPr txBox="1"/>
+          <p:nvPr/>
+        </p:nvSpPr>
+        <p:spPr>
+          <a:xfrm>
+            <a:off x="6511787" y="4784851"/>
+            <a:ext cx="2580860" cy="400110"/>
+          </a:xfrm>
+          <a:prstGeom prst="rect">
+            <a:avLst/>
+          </a:prstGeom>
+          <a:noFill/>
+        </p:spPr>
+        <p:txBody>
+          <a:bodyPr wrap="square">
+            <a:spAutoFit/>
+          </a:bodyPr>
+          <a:lstStyle/>
+          <a:p>
+            <a:r>
+              <a:rPr lang="en-US" sz="2000" b="1" dirty="0">
+                <a:effectLst>
+                  <a:outerShdw blurRad="38100" dist="38100" dir="2700000" algn="tl">
+                    <a:srgbClr val="000000">
+                      <a:alpha val="43137"/>
+                    </a:srgbClr>
+                  </a:outerShdw>
+                </a:effectLst>
+                <a:latin typeface="Times New Roman" panose="02020603050405020304" pitchFamily="18" charset="0"/>
+                <a:ea typeface="Calibri" panose="020F0502020204030204" pitchFamily="34" charset="0"/>
+              </a:rPr>
+              <a:t>PMU Cost (Tentative)</a:t>
+            </a:r>
+            <a:endParaRPr lang="en-US" sz="2000" b="1" dirty="0">
+              <a:effectLst>
+                <a:outerShdw blurRad="38100" dist="38100" dir="2700000" algn="tl">
+                  <a:srgbClr val="000000">
+                    <a:alpha val="43137"/>
+                  </a:srgbClr>
+                </a:outerShdw>
+              </a:effectLst>
+            </a:endParaRPr>
+          </a:p>
+        </p:txBody>
+      </p:sp>
     </p:spTree>
     <p:extLst>
       <p:ext uri="{BB962C8B-B14F-4D97-AF65-F5344CB8AC3E}">
@@ -25377,6 +26106,13 @@
           <a:p>
             <a:r>
               <a:rPr lang="en-US" dirty="0">
+                <a:effectLst>
+                  <a:outerShdw blurRad="38100" dist="38100" dir="2700000" algn="tl">
+                    <a:srgbClr val="000000">
+                      <a:alpha val="43137"/>
+                    </a:srgbClr>
+                  </a:outerShdw>
+                </a:effectLst>
                 <a:latin typeface="Times New Roman" panose="02020603050405020304" pitchFamily="18" charset="0"/>
                 <a:cs typeface="Times New Roman" panose="02020603050405020304" pitchFamily="18" charset="0"/>
               </a:rPr>
@@ -25400,7 +26136,7 @@
           <p:nvPr>
             <p:extLst>
               <p:ext uri="{D42A27DB-BD31-4B8C-83A1-F6EECF244321}">
-                <p14:modId xmlns:p14="http://schemas.microsoft.com/office/powerpoint/2010/main" val="248300125"/>
+                <p14:modId xmlns:p14="http://schemas.microsoft.com/office/powerpoint/2010/main" val="365324822"/>
               </p:ext>
             </p:extLst>
           </p:nvPr>
@@ -25506,7 +26242,26 @@
                       </a:endParaRPr>
                     </a:p>
                   </a:txBody>
-                  <a:tcPr marL="50015" marR="50015" marT="0" marB="0" anchor="ctr"/>
+                  <a:tcPr marL="50015" marR="50015" marT="0" marB="0" anchor="ctr">
+                    <a:lnL w="12700" cap="flat" cmpd="sng" algn="ctr">
+                      <a:solidFill>
+                        <a:schemeClr val="tx1"/>
+                      </a:solidFill>
+                      <a:prstDash val="solid"/>
+                      <a:round/>
+                      <a:headEnd type="none" w="med" len="med"/>
+                      <a:tailEnd type="none" w="med" len="med"/>
+                    </a:lnL>
+                    <a:lnT w="12700" cap="flat" cmpd="sng" algn="ctr">
+                      <a:solidFill>
+                        <a:schemeClr val="tx1"/>
+                      </a:solidFill>
+                      <a:prstDash val="solid"/>
+                      <a:round/>
+                      <a:headEnd type="none" w="med" len="med"/>
+                      <a:tailEnd type="none" w="med" len="med"/>
+                    </a:lnT>
+                  </a:tcPr>
                 </a:tc>
                 <a:tc>
                   <a:txBody>
@@ -25540,7 +26295,17 @@
                       </a:endParaRPr>
                     </a:p>
                   </a:txBody>
-                  <a:tcPr marL="50015" marR="50015" marT="0" marB="0" anchor="ctr"/>
+                  <a:tcPr marL="50015" marR="50015" marT="0" marB="0" anchor="ctr">
+                    <a:lnT w="12700" cap="flat" cmpd="sng" algn="ctr">
+                      <a:solidFill>
+                        <a:schemeClr val="tx1"/>
+                      </a:solidFill>
+                      <a:prstDash val="solid"/>
+                      <a:round/>
+                      <a:headEnd type="none" w="med" len="med"/>
+                      <a:tailEnd type="none" w="med" len="med"/>
+                    </a:lnT>
+                  </a:tcPr>
                 </a:tc>
                 <a:tc>
                   <a:txBody>
@@ -25574,7 +26339,17 @@
                       </a:endParaRPr>
                     </a:p>
                   </a:txBody>
-                  <a:tcPr marL="50015" marR="50015" marT="0" marB="0" anchor="ctr"/>
+                  <a:tcPr marL="50015" marR="50015" marT="0" marB="0" anchor="ctr">
+                    <a:lnT w="12700" cap="flat" cmpd="sng" algn="ctr">
+                      <a:solidFill>
+                        <a:schemeClr val="tx1"/>
+                      </a:solidFill>
+                      <a:prstDash val="solid"/>
+                      <a:round/>
+                      <a:headEnd type="none" w="med" len="med"/>
+                      <a:tailEnd type="none" w="med" len="med"/>
+                    </a:lnT>
+                  </a:tcPr>
                 </a:tc>
                 <a:tc>
                   <a:txBody>
@@ -25608,7 +26383,17 @@
                       </a:endParaRPr>
                     </a:p>
                   </a:txBody>
-                  <a:tcPr marL="50015" marR="50015" marT="0" marB="0" anchor="ctr"/>
+                  <a:tcPr marL="50015" marR="50015" marT="0" marB="0" anchor="ctr">
+                    <a:lnT w="12700" cap="flat" cmpd="sng" algn="ctr">
+                      <a:solidFill>
+                        <a:schemeClr val="tx1"/>
+                      </a:solidFill>
+                      <a:prstDash val="solid"/>
+                      <a:round/>
+                      <a:headEnd type="none" w="med" len="med"/>
+                      <a:tailEnd type="none" w="med" len="med"/>
+                    </a:lnT>
+                  </a:tcPr>
                 </a:tc>
                 <a:tc>
                   <a:txBody>
@@ -25642,7 +26427,17 @@
                       </a:endParaRPr>
                     </a:p>
                   </a:txBody>
-                  <a:tcPr marL="50015" marR="50015" marT="0" marB="0" anchor="ctr"/>
+                  <a:tcPr marL="50015" marR="50015" marT="0" marB="0" anchor="ctr">
+                    <a:lnT w="12700" cap="flat" cmpd="sng" algn="ctr">
+                      <a:solidFill>
+                        <a:schemeClr val="tx1"/>
+                      </a:solidFill>
+                      <a:prstDash val="solid"/>
+                      <a:round/>
+                      <a:headEnd type="none" w="med" len="med"/>
+                      <a:tailEnd type="none" w="med" len="med"/>
+                    </a:lnT>
+                  </a:tcPr>
                 </a:tc>
                 <a:tc>
                   <a:txBody>
@@ -25697,7 +26492,17 @@
                       </a:endParaRPr>
                     </a:p>
                   </a:txBody>
-                  <a:tcPr marL="50015" marR="50015" marT="0" marB="0" anchor="ctr"/>
+                  <a:tcPr marL="50015" marR="50015" marT="0" marB="0" anchor="ctr">
+                    <a:lnT w="12700" cap="flat" cmpd="sng" algn="ctr">
+                      <a:solidFill>
+                        <a:schemeClr val="tx1"/>
+                      </a:solidFill>
+                      <a:prstDash val="solid"/>
+                      <a:round/>
+                      <a:headEnd type="none" w="med" len="med"/>
+                      <a:tailEnd type="none" w="med" len="med"/>
+                    </a:lnT>
+                  </a:tcPr>
                 </a:tc>
                 <a:tc>
                   <a:txBody>
@@ -25752,7 +26557,17 @@
                       </a:endParaRPr>
                     </a:p>
                   </a:txBody>
-                  <a:tcPr marL="50015" marR="50015" marT="0" marB="0" anchor="ctr"/>
+                  <a:tcPr marL="50015" marR="50015" marT="0" marB="0" anchor="ctr">
+                    <a:lnT w="12700" cap="flat" cmpd="sng" algn="ctr">
+                      <a:solidFill>
+                        <a:schemeClr val="tx1"/>
+                      </a:solidFill>
+                      <a:prstDash val="solid"/>
+                      <a:round/>
+                      <a:headEnd type="none" w="med" len="med"/>
+                      <a:tailEnd type="none" w="med" len="med"/>
+                    </a:lnT>
+                  </a:tcPr>
                 </a:tc>
                 <a:tc>
                   <a:txBody>
@@ -25786,7 +26601,26 @@
                       </a:endParaRPr>
                     </a:p>
                   </a:txBody>
-                  <a:tcPr marL="50015" marR="50015" marT="0" marB="0" anchor="ctr"/>
+                  <a:tcPr marL="50015" marR="50015" marT="0" marB="0" anchor="ctr">
+                    <a:lnR w="12700" cap="flat" cmpd="sng" algn="ctr">
+                      <a:solidFill>
+                        <a:schemeClr val="tx1"/>
+                      </a:solidFill>
+                      <a:prstDash val="solid"/>
+                      <a:round/>
+                      <a:headEnd type="none" w="med" len="med"/>
+                      <a:tailEnd type="none" w="med" len="med"/>
+                    </a:lnR>
+                    <a:lnT w="12700" cap="flat" cmpd="sng" algn="ctr">
+                      <a:solidFill>
+                        <a:schemeClr val="tx1"/>
+                      </a:solidFill>
+                      <a:prstDash val="solid"/>
+                      <a:round/>
+                      <a:headEnd type="none" w="med" len="med"/>
+                      <a:tailEnd type="none" w="med" len="med"/>
+                    </a:lnT>
+                  </a:tcPr>
                 </a:tc>
                 <a:extLst>
                   <a:ext uri="{0D108BD9-81ED-4DB2-BD59-A6C34878D82A}">
@@ -25827,7 +26661,17 @@
                       </a:endParaRPr>
                     </a:p>
                   </a:txBody>
-                  <a:tcPr marL="50015" marR="50015" marT="0" marB="0" anchor="ctr"/>
+                  <a:tcPr marL="50015" marR="50015" marT="0" marB="0" anchor="ctr">
+                    <a:lnL w="12700" cap="flat" cmpd="sng" algn="ctr">
+                      <a:solidFill>
+                        <a:schemeClr val="tx1"/>
+                      </a:solidFill>
+                      <a:prstDash val="solid"/>
+                      <a:round/>
+                      <a:headEnd type="none" w="med" len="med"/>
+                      <a:tailEnd type="none" w="med" len="med"/>
+                    </a:lnL>
+                  </a:tcPr>
                 </a:tc>
                 <a:tc>
                   <a:txBody>
@@ -26149,7 +26993,17 @@
                       </a:endParaRPr>
                     </a:p>
                   </a:txBody>
-                  <a:tcPr marL="50015" marR="50015" marT="0" marB="0" anchor="ctr"/>
+                  <a:tcPr marL="50015" marR="50015" marT="0" marB="0" anchor="ctr">
+                    <a:lnR w="12700" cap="flat" cmpd="sng" algn="ctr">
+                      <a:solidFill>
+                        <a:schemeClr val="tx1"/>
+                      </a:solidFill>
+                      <a:prstDash val="solid"/>
+                      <a:round/>
+                      <a:headEnd type="none" w="med" len="med"/>
+                      <a:tailEnd type="none" w="med" len="med"/>
+                    </a:lnR>
+                  </a:tcPr>
                 </a:tc>
                 <a:extLst>
                   <a:ext uri="{0D108BD9-81ED-4DB2-BD59-A6C34878D82A}">
@@ -26185,7 +27039,17 @@
                       </a:r>
                     </a:p>
                   </a:txBody>
-                  <a:tcPr marL="50015" marR="50015" marT="0" marB="0" anchor="ctr"/>
+                  <a:tcPr marL="50015" marR="50015" marT="0" marB="0" anchor="ctr">
+                    <a:lnL w="12700" cap="flat" cmpd="sng" algn="ctr">
+                      <a:solidFill>
+                        <a:schemeClr val="tx1"/>
+                      </a:solidFill>
+                      <a:prstDash val="solid"/>
+                      <a:round/>
+                      <a:headEnd type="none" w="med" len="med"/>
+                      <a:tailEnd type="none" w="med" len="med"/>
+                    </a:lnL>
+                  </a:tcPr>
                 </a:tc>
                 <a:tc>
                   <a:txBody>
@@ -26507,7 +27371,17 @@
                       </a:endParaRPr>
                     </a:p>
                   </a:txBody>
-                  <a:tcPr marL="50015" marR="50015" marT="0" marB="0" anchor="ctr"/>
+                  <a:tcPr marL="50015" marR="50015" marT="0" marB="0" anchor="ctr">
+                    <a:lnR w="12700" cap="flat" cmpd="sng" algn="ctr">
+                      <a:solidFill>
+                        <a:schemeClr val="tx1"/>
+                      </a:solidFill>
+                      <a:prstDash val="solid"/>
+                      <a:round/>
+                      <a:headEnd type="none" w="med" len="med"/>
+                      <a:tailEnd type="none" w="med" len="med"/>
+                    </a:lnR>
+                  </a:tcPr>
                 </a:tc>
                 <a:extLst>
                   <a:ext uri="{0D108BD9-81ED-4DB2-BD59-A6C34878D82A}">
@@ -26543,7 +27417,17 @@
                       </a:r>
                     </a:p>
                   </a:txBody>
-                  <a:tcPr marL="50015" marR="50015" marT="0" marB="0" anchor="ctr"/>
+                  <a:tcPr marL="50015" marR="50015" marT="0" marB="0" anchor="ctr">
+                    <a:lnL w="12700" cap="flat" cmpd="sng" algn="ctr">
+                      <a:solidFill>
+                        <a:schemeClr val="tx1"/>
+                      </a:solidFill>
+                      <a:prstDash val="solid"/>
+                      <a:round/>
+                      <a:headEnd type="none" w="med" len="med"/>
+                      <a:tailEnd type="none" w="med" len="med"/>
+                    </a:lnL>
+                  </a:tcPr>
                 </a:tc>
                 <a:tc>
                   <a:txBody>
@@ -26865,7 +27749,17 @@
                       </a:endParaRPr>
                     </a:p>
                   </a:txBody>
-                  <a:tcPr marL="50015" marR="50015" marT="0" marB="0" anchor="ctr"/>
+                  <a:tcPr marL="50015" marR="50015" marT="0" marB="0" anchor="ctr">
+                    <a:lnR w="12700" cap="flat" cmpd="sng" algn="ctr">
+                      <a:solidFill>
+                        <a:schemeClr val="tx1"/>
+                      </a:solidFill>
+                      <a:prstDash val="solid"/>
+                      <a:round/>
+                      <a:headEnd type="none" w="med" len="med"/>
+                      <a:tailEnd type="none" w="med" len="med"/>
+                    </a:lnR>
+                  </a:tcPr>
                 </a:tc>
                 <a:extLst>
                   <a:ext uri="{0D108BD9-81ED-4DB2-BD59-A6C34878D82A}">
@@ -26901,7 +27795,17 @@
                       </a:r>
                     </a:p>
                   </a:txBody>
-                  <a:tcPr marL="50015" marR="50015" marT="0" marB="0" anchor="ctr"/>
+                  <a:tcPr marL="50015" marR="50015" marT="0" marB="0" anchor="ctr">
+                    <a:lnL w="12700" cap="flat" cmpd="sng" algn="ctr">
+                      <a:solidFill>
+                        <a:schemeClr val="tx1"/>
+                      </a:solidFill>
+                      <a:prstDash val="solid"/>
+                      <a:round/>
+                      <a:headEnd type="none" w="med" len="med"/>
+                      <a:tailEnd type="none" w="med" len="med"/>
+                    </a:lnL>
+                  </a:tcPr>
                 </a:tc>
                 <a:tc>
                   <a:txBody>
@@ -26920,12 +27824,12 @@
                         </a:spcAft>
                       </a:pPr>
                       <a:r>
-                        <a:rPr lang="en-US" sz="1100">
+                        <a:rPr lang="en-US" sz="1100" dirty="0">
                           <a:effectLst/>
                           <a:latin typeface="Times New Roman" panose="02020603050405020304" pitchFamily="18" charset="0"/>
                           <a:cs typeface="Times New Roman" panose="02020603050405020304" pitchFamily="18" charset="0"/>
                         </a:rPr>
-                        <a:t>Refrigeration &amp; Air-conditioning</a:t>
+                        <a:t>Refrigeration &amp; Air-Conditioning</a:t>
                       </a:r>
                     </a:p>
                     <a:p>
@@ -26941,14 +27845,14 @@
                         </a:spcAft>
                       </a:pPr>
                       <a:r>
-                        <a:rPr lang="en-US" sz="1100">
+                        <a:rPr lang="en-US" sz="1100" dirty="0">
                           <a:effectLst/>
                           <a:latin typeface="Times New Roman" panose="02020603050405020304" pitchFamily="18" charset="0"/>
                           <a:cs typeface="Times New Roman" panose="02020603050405020304" pitchFamily="18" charset="0"/>
                         </a:rPr>
                         <a:t> </a:t>
                       </a:r>
-                      <a:endParaRPr lang="en-US" sz="1100">
+                      <a:endParaRPr lang="en-US" sz="1100" dirty="0">
                         <a:effectLst/>
                         <a:latin typeface="Times New Roman" panose="02020603050405020304" pitchFamily="18" charset="0"/>
                         <a:ea typeface="Calibri" panose="020F0502020204030204" pitchFamily="34" charset="0"/>
@@ -27244,7 +28148,17 @@
                       </a:endParaRPr>
                     </a:p>
                   </a:txBody>
-                  <a:tcPr marL="50015" marR="50015" marT="0" marB="0" anchor="ctr"/>
+                  <a:tcPr marL="50015" marR="50015" marT="0" marB="0" anchor="ctr">
+                    <a:lnR w="12700" cap="flat" cmpd="sng" algn="ctr">
+                      <a:solidFill>
+                        <a:schemeClr val="tx1"/>
+                      </a:solidFill>
+                      <a:prstDash val="solid"/>
+                      <a:round/>
+                      <a:headEnd type="none" w="med" len="med"/>
+                      <a:tailEnd type="none" w="med" len="med"/>
+                    </a:lnR>
+                  </a:tcPr>
                 </a:tc>
                 <a:extLst>
                   <a:ext uri="{0D108BD9-81ED-4DB2-BD59-A6C34878D82A}">
@@ -27280,7 +28194,26 @@
                       </a:r>
                     </a:p>
                   </a:txBody>
-                  <a:tcPr marL="50015" marR="50015" marT="0" marB="0" anchor="ctr"/>
+                  <a:tcPr marL="50015" marR="50015" marT="0" marB="0" anchor="ctr">
+                    <a:lnL w="12700" cap="flat" cmpd="sng" algn="ctr">
+                      <a:solidFill>
+                        <a:schemeClr val="tx1"/>
+                      </a:solidFill>
+                      <a:prstDash val="solid"/>
+                      <a:round/>
+                      <a:headEnd type="none" w="med" len="med"/>
+                      <a:tailEnd type="none" w="med" len="med"/>
+                    </a:lnL>
+                    <a:lnB w="12700" cap="flat" cmpd="sng" algn="ctr">
+                      <a:solidFill>
+                        <a:schemeClr val="tx1"/>
+                      </a:solidFill>
+                      <a:prstDash val="solid"/>
+                      <a:round/>
+                      <a:headEnd type="none" w="med" len="med"/>
+                      <a:tailEnd type="none" w="med" len="med"/>
+                    </a:lnB>
+                  </a:tcPr>
                 </a:tc>
                 <a:tc>
                   <a:txBody>
@@ -27314,7 +28247,17 @@
                       </a:endParaRPr>
                     </a:p>
                   </a:txBody>
-                  <a:tcPr marL="50015" marR="50015" marT="0" marB="0" anchor="ctr"/>
+                  <a:tcPr marL="50015" marR="50015" marT="0" marB="0" anchor="ctr">
+                    <a:lnB w="12700" cap="flat" cmpd="sng" algn="ctr">
+                      <a:solidFill>
+                        <a:schemeClr val="tx1"/>
+                      </a:solidFill>
+                      <a:prstDash val="solid"/>
+                      <a:round/>
+                      <a:headEnd type="none" w="med" len="med"/>
+                      <a:tailEnd type="none" w="med" len="med"/>
+                    </a:lnB>
+                  </a:tcPr>
                 </a:tc>
                 <a:tc>
                   <a:txBody>
@@ -27432,7 +28375,17 @@
                       </a:endParaRPr>
                     </a:p>
                   </a:txBody>
-                  <a:tcPr marL="50015" marR="50015" marT="0" marB="0" anchor="ctr"/>
+                  <a:tcPr marL="50015" marR="50015" marT="0" marB="0" anchor="ctr">
+                    <a:lnB w="12700" cap="flat" cmpd="sng" algn="ctr">
+                      <a:solidFill>
+                        <a:schemeClr val="tx1"/>
+                      </a:solidFill>
+                      <a:prstDash val="solid"/>
+                      <a:round/>
+                      <a:headEnd type="none" w="med" len="med"/>
+                      <a:tailEnd type="none" w="med" len="med"/>
+                    </a:lnB>
+                  </a:tcPr>
                 </a:tc>
                 <a:tc>
                   <a:txBody>
@@ -27466,7 +28419,17 @@
                       </a:endParaRPr>
                     </a:p>
                   </a:txBody>
-                  <a:tcPr marL="50015" marR="50015" marT="0" marB="0" anchor="ctr"/>
+                  <a:tcPr marL="50015" marR="50015" marT="0" marB="0" anchor="ctr">
+                    <a:lnB w="12700" cap="flat" cmpd="sng" algn="ctr">
+                      <a:solidFill>
+                        <a:schemeClr val="tx1"/>
+                      </a:solidFill>
+                      <a:prstDash val="solid"/>
+                      <a:round/>
+                      <a:headEnd type="none" w="med" len="med"/>
+                      <a:tailEnd type="none" w="med" len="med"/>
+                    </a:lnB>
+                  </a:tcPr>
                 </a:tc>
                 <a:tc>
                   <a:txBody>
@@ -27500,7 +28463,17 @@
                       </a:endParaRPr>
                     </a:p>
                   </a:txBody>
-                  <a:tcPr marL="50015" marR="50015" marT="0" marB="0" anchor="ctr"/>
+                  <a:tcPr marL="50015" marR="50015" marT="0" marB="0" anchor="ctr">
+                    <a:lnB w="12700" cap="flat" cmpd="sng" algn="ctr">
+                      <a:solidFill>
+                        <a:schemeClr val="tx1"/>
+                      </a:solidFill>
+                      <a:prstDash val="solid"/>
+                      <a:round/>
+                      <a:headEnd type="none" w="med" len="med"/>
+                      <a:tailEnd type="none" w="med" len="med"/>
+                    </a:lnB>
+                  </a:tcPr>
                 </a:tc>
                 <a:tc>
                   <a:txBody>
@@ -27534,7 +28507,17 @@
                       </a:endParaRPr>
                     </a:p>
                   </a:txBody>
-                  <a:tcPr marL="50015" marR="50015" marT="0" marB="0" anchor="ctr"/>
+                  <a:tcPr marL="50015" marR="50015" marT="0" marB="0" anchor="ctr">
+                    <a:lnB w="12700" cap="flat" cmpd="sng" algn="ctr">
+                      <a:solidFill>
+                        <a:schemeClr val="tx1"/>
+                      </a:solidFill>
+                      <a:prstDash val="solid"/>
+                      <a:round/>
+                      <a:headEnd type="none" w="med" len="med"/>
+                      <a:tailEnd type="none" w="med" len="med"/>
+                    </a:lnB>
+                  </a:tcPr>
                 </a:tc>
                 <a:tc>
                   <a:txBody>
@@ -27568,7 +28551,17 @@
                       </a:endParaRPr>
                     </a:p>
                   </a:txBody>
-                  <a:tcPr marL="50015" marR="50015" marT="0" marB="0" anchor="ctr"/>
+                  <a:tcPr marL="50015" marR="50015" marT="0" marB="0" anchor="ctr">
+                    <a:lnB w="12700" cap="flat" cmpd="sng" algn="ctr">
+                      <a:solidFill>
+                        <a:schemeClr val="tx1"/>
+                      </a:solidFill>
+                      <a:prstDash val="solid"/>
+                      <a:round/>
+                      <a:headEnd type="none" w="med" len="med"/>
+                      <a:tailEnd type="none" w="med" len="med"/>
+                    </a:lnB>
+                  </a:tcPr>
                 </a:tc>
                 <a:tc>
                   <a:txBody>
@@ -27602,7 +28595,26 @@
                       </a:endParaRPr>
                     </a:p>
                   </a:txBody>
-                  <a:tcPr marL="50015" marR="50015" marT="0" marB="0" anchor="ctr"/>
+                  <a:tcPr marL="50015" marR="50015" marT="0" marB="0" anchor="ctr">
+                    <a:lnR w="12700" cap="flat" cmpd="sng" algn="ctr">
+                      <a:solidFill>
+                        <a:schemeClr val="tx1"/>
+                      </a:solidFill>
+                      <a:prstDash val="solid"/>
+                      <a:round/>
+                      <a:headEnd type="none" w="med" len="med"/>
+                      <a:tailEnd type="none" w="med" len="med"/>
+                    </a:lnR>
+                    <a:lnB w="12700" cap="flat" cmpd="sng" algn="ctr">
+                      <a:solidFill>
+                        <a:schemeClr val="tx1"/>
+                      </a:solidFill>
+                      <a:prstDash val="solid"/>
+                      <a:round/>
+                      <a:headEnd type="none" w="med" len="med"/>
+                      <a:tailEnd type="none" w="med" len="med"/>
+                    </a:lnB>
+                  </a:tcPr>
                 </a:tc>
                 <a:extLst>
                   <a:ext uri="{0D108BD9-81ED-4DB2-BD59-A6C34878D82A}">
@@ -27733,6 +28745,13 @@
             <a:pPr algn="ctr"/>
             <a:r>
               <a:rPr lang="en-US" dirty="0">
+                <a:effectLst>
+                  <a:outerShdw blurRad="38100" dist="38100" dir="2700000" algn="tl">
+                    <a:srgbClr val="000000">
+                      <a:alpha val="43137"/>
+                    </a:srgbClr>
+                  </a:outerShdw>
+                </a:effectLst>
                 <a:latin typeface="Times New Roman" panose="02020603050405020304" pitchFamily="18" charset="0"/>
                 <a:cs typeface="Times New Roman" panose="02020603050405020304" pitchFamily="18" charset="0"/>
               </a:rPr>
@@ -27740,12 +28759,26 @@
             </a:r>
             <a:r>
               <a:rPr lang="en-US" dirty="0" err="1">
+                <a:effectLst>
+                  <a:outerShdw blurRad="38100" dist="38100" dir="2700000" algn="tl">
+                    <a:srgbClr val="000000">
+                      <a:alpha val="43137"/>
+                    </a:srgbClr>
+                  </a:outerShdw>
+                </a:effectLst>
                 <a:latin typeface="Times New Roman" panose="02020603050405020304" pitchFamily="18" charset="0"/>
                 <a:cs typeface="Times New Roman" panose="02020603050405020304" pitchFamily="18" charset="0"/>
               </a:rPr>
               <a:t>seip</a:t>
             </a:r>
             <a:endParaRPr lang="en-US" dirty="0">
+              <a:effectLst>
+                <a:outerShdw blurRad="38100" dist="38100" dir="2700000" algn="tl">
+                  <a:srgbClr val="000000">
+                    <a:alpha val="43137"/>
+                  </a:srgbClr>
+                </a:outerShdw>
+              </a:effectLst>
               <a:latin typeface="Times New Roman" panose="02020603050405020304" pitchFamily="18" charset="0"/>
               <a:cs typeface="Times New Roman" panose="02020603050405020304" pitchFamily="18" charset="0"/>
             </a:endParaRPr>
@@ -28155,6 +29188,11 @@
           <a:prstGeom prst="rect">
             <a:avLst/>
           </a:prstGeom>
+          <a:ln>
+            <a:solidFill>
+              <a:srgbClr val="00B050"/>
+            </a:solidFill>
+          </a:ln>
         </p:spPr>
       </p:pic>
     </p:spTree>
@@ -28205,24 +29243,39 @@
         </p:nvSpPr>
         <p:spPr>
           <a:xfrm>
-            <a:off x="436425" y="889351"/>
-            <a:ext cx="7766671" cy="535257"/>
+            <a:off x="689113" y="889351"/>
+            <a:ext cx="6626088" cy="535257"/>
           </a:xfrm>
         </p:spPr>
         <p:txBody>
           <a:bodyPr/>
           <a:lstStyle/>
           <a:p>
+            <a:pPr algn="ctr"/>
             <a:r>
-              <a:rPr lang="en-US" sz="3200" b="1" dirty="0">
-                <a:effectLst/>
+              <a:rPr lang="en-US" sz="2800" b="1" dirty="0">
+                <a:effectLst>
+                  <a:outerShdw blurRad="38100" dist="38100" dir="2700000" algn="tl">
+                    <a:srgbClr val="000000">
+                      <a:alpha val="43137"/>
+                    </a:srgbClr>
+                  </a:outerShdw>
+                </a:effectLst>
                 <a:latin typeface="Times New Roman" panose="02020603050405020304" pitchFamily="18" charset="0"/>
                 <a:ea typeface="Calibri" panose="020F0502020204030204" pitchFamily="34" charset="0"/>
                 <a:cs typeface="Times New Roman" panose="02020603050405020304" pitchFamily="18" charset="0"/>
               </a:rPr>
               <a:t>Justification of SA-MI program</a:t>
             </a:r>
-            <a:endParaRPr lang="en-US" dirty="0"/>
+            <a:endParaRPr lang="en-US" sz="2800" dirty="0">
+              <a:effectLst>
+                <a:outerShdw blurRad="38100" dist="38100" dir="2700000" algn="tl">
+                  <a:srgbClr val="000000">
+                    <a:alpha val="43137"/>
+                  </a:srgbClr>
+                </a:outerShdw>
+              </a:effectLst>
+            </a:endParaRPr>
           </a:p>
         </p:txBody>
       </p:sp>
@@ -28253,63 +29306,6 @@
               <a:t>19</a:t>
             </a:fld>
             <a:endParaRPr lang="en-US" noProof="0" dirty="0"/>
-          </a:p>
-        </p:txBody>
-      </p:sp>
-      <p:sp>
-        <p:nvSpPr>
-          <p:cNvPr id="5" name="TextBox 4">
-            <a:extLst>
-              <a:ext uri="{FF2B5EF4-FFF2-40B4-BE49-F238E27FC236}">
-                <a16:creationId xmlns:a16="http://schemas.microsoft.com/office/drawing/2014/main" id="{FDCD09CE-C5AF-459E-99FE-4A7A91284E3C}"/>
-              </a:ext>
-            </a:extLst>
-          </p:cNvPr>
-          <p:cNvSpPr txBox="1"/>
-          <p:nvPr/>
-        </p:nvSpPr>
-        <p:spPr>
-          <a:xfrm>
-            <a:off x="197887" y="1667683"/>
-            <a:ext cx="7302844" cy="2152256"/>
-          </a:xfrm>
-          <a:prstGeom prst="rect">
-            <a:avLst/>
-          </a:prstGeom>
-          <a:noFill/>
-        </p:spPr>
-        <p:txBody>
-          <a:bodyPr wrap="square">
-            <a:spAutoFit/>
-          </a:bodyPr>
-          <a:lstStyle/>
-          <a:p>
-            <a:pPr marL="457200" marR="0" algn="just">
-              <a:lnSpc>
-                <a:spcPct val="107000"/>
-              </a:lnSpc>
-              <a:spcBef>
-                <a:spcPts val="0"/>
-              </a:spcBef>
-              <a:spcAft>
-                <a:spcPts val="800"/>
-              </a:spcAft>
-            </a:pPr>
-            <a:r>
-              <a:rPr lang="en-US" sz="1800" dirty="0">
-                <a:effectLst/>
-                <a:latin typeface="Times New Roman" panose="02020603050405020304" pitchFamily="18" charset="0"/>
-                <a:ea typeface="Calibri" panose="020F0502020204030204" pitchFamily="34" charset="0"/>
-                <a:cs typeface="Times New Roman" panose="02020603050405020304" pitchFamily="18" charset="0"/>
-              </a:rPr>
-              <a:t>Due to COVID-19 impact most of migrant worker are in danger for losing their job. Especially Middle east and European migrants are facing a lot of problem. That’s why a big number migrant back to country and another big number is waiting for return. These near about million working people will be jobless after return and no way to earn. Most of them already lost their significant amount of money for joining to these countries.</a:t>
-            </a:r>
-            <a:endParaRPr lang="en-US" sz="1800" dirty="0">
-              <a:effectLst/>
-              <a:latin typeface="Calibri" panose="020F0502020204030204" pitchFamily="34" charset="0"/>
-              <a:ea typeface="Calibri" panose="020F0502020204030204" pitchFamily="34" charset="0"/>
-              <a:cs typeface="Times New Roman" panose="02020603050405020304" pitchFamily="18" charset="0"/>
-            </a:endParaRPr>
           </a:p>
         </p:txBody>
       </p:sp>
@@ -28401,8 +29397,55 @@
           <a:prstGeom prst="rect">
             <a:avLst/>
           </a:prstGeom>
+          <a:ln>
+            <a:solidFill>
+              <a:srgbClr val="00B050"/>
+            </a:solidFill>
+          </a:ln>
         </p:spPr>
       </p:pic>
+      <p:sp>
+        <p:nvSpPr>
+          <p:cNvPr id="10" name="TextBox 9">
+            <a:extLst>
+              <a:ext uri="{FF2B5EF4-FFF2-40B4-BE49-F238E27FC236}">
+                <a16:creationId xmlns:a16="http://schemas.microsoft.com/office/drawing/2014/main" id="{28A03BBC-64D6-42F9-9A84-4DAB7E9B44D9}"/>
+              </a:ext>
+            </a:extLst>
+          </p:cNvPr>
+          <p:cNvSpPr txBox="1"/>
+          <p:nvPr/>
+        </p:nvSpPr>
+        <p:spPr>
+          <a:xfrm>
+            <a:off x="689112" y="1560228"/>
+            <a:ext cx="6626088" cy="2031325"/>
+          </a:xfrm>
+          <a:prstGeom prst="rect">
+            <a:avLst/>
+          </a:prstGeom>
+          <a:noFill/>
+        </p:spPr>
+        <p:txBody>
+          <a:bodyPr wrap="square">
+            <a:spAutoFit/>
+          </a:bodyPr>
+          <a:lstStyle/>
+          <a:p>
+            <a:pPr algn="just"/>
+            <a:r>
+              <a:rPr lang="en-US" sz="1800" dirty="0">
+                <a:effectLst/>
+                <a:latin typeface="Times New Roman" panose="02020603050405020304" pitchFamily="18" charset="0"/>
+                <a:ea typeface="Calibri" panose="020F0502020204030204" pitchFamily="34" charset="0"/>
+                <a:cs typeface="Times New Roman" panose="02020603050405020304" pitchFamily="18" charset="0"/>
+              </a:rPr>
+              <a:t>Due to COVID-19 impact most of migrant worker are in danger for losing their job. Especially Middle east and European migrants are facing a lot of problem. That’s why a big number migrant back to country and another big number is waiting for return. These near about million working people will be jobless after return and no way to earn. Most of them already lost their significant amount of money for joining to these countries.</a:t>
+            </a:r>
+            <a:endParaRPr lang="en-US" dirty="0"/>
+          </a:p>
+        </p:txBody>
+      </p:sp>
     </p:spTree>
     <p:extLst>
       <p:ext uri="{BB962C8B-B14F-4D97-AF65-F5344CB8AC3E}">
@@ -28462,6 +29505,13 @@
             <a:pPr algn="ctr"/>
             <a:r>
               <a:rPr lang="en-US" sz="3200" dirty="0">
+                <a:effectLst>
+                  <a:outerShdw blurRad="38100" dist="38100" dir="2700000" algn="tl">
+                    <a:srgbClr val="000000">
+                      <a:alpha val="43137"/>
+                    </a:srgbClr>
+                  </a:outerShdw>
+                </a:effectLst>
                 <a:latin typeface="Times New Roman" panose="02020603050405020304" pitchFamily="18" charset="0"/>
                 <a:cs typeface="Times New Roman" panose="02020603050405020304" pitchFamily="18" charset="0"/>
               </a:rPr>
@@ -28499,6 +29549,13 @@
             <a:pPr algn="ctr"/>
             <a:r>
               <a:rPr lang="en-US" dirty="0">
+                <a:effectLst>
+                  <a:outerShdw blurRad="38100" dist="38100" dir="2700000" algn="tl">
+                    <a:srgbClr val="000000">
+                      <a:alpha val="43137"/>
+                    </a:srgbClr>
+                  </a:outerShdw>
+                </a:effectLst>
                 <a:latin typeface="Times New Roman" panose="02020603050405020304" pitchFamily="18" charset="0"/>
                 <a:cs typeface="Times New Roman" panose="02020603050405020304" pitchFamily="18" charset="0"/>
               </a:rPr>
@@ -28506,11 +29563,25 @@
             </a:r>
             <a:br>
               <a:rPr lang="en-US" dirty="0">
+                <a:effectLst>
+                  <a:outerShdw blurRad="38100" dist="38100" dir="2700000" algn="tl">
+                    <a:srgbClr val="000000">
+                      <a:alpha val="43137"/>
+                    </a:srgbClr>
+                  </a:outerShdw>
+                </a:effectLst>
                 <a:latin typeface="Times New Roman" panose="02020603050405020304" pitchFamily="18" charset="0"/>
                 <a:cs typeface="Times New Roman" panose="02020603050405020304" pitchFamily="18" charset="0"/>
               </a:rPr>
             </a:br>
             <a:endParaRPr lang="en-US" dirty="0">
+              <a:effectLst>
+                <a:outerShdw blurRad="38100" dist="38100" dir="2700000" algn="tl">
+                  <a:srgbClr val="000000">
+                    <a:alpha val="43137"/>
+                  </a:srgbClr>
+                </a:outerShdw>
+              </a:effectLst>
               <a:latin typeface="Times New Roman" panose="02020603050405020304" pitchFamily="18" charset="0"/>
               <a:cs typeface="Times New Roman" panose="02020603050405020304" pitchFamily="18" charset="0"/>
             </a:endParaRPr>
@@ -28546,7 +29617,13 @@
             <a:fillRect/>
           </a:stretch>
         </p:blipFill>
-        <p:spPr/>
+        <p:spPr>
+          <a:ln>
+            <a:solidFill>
+              <a:srgbClr val="00B050"/>
+            </a:solidFill>
+          </a:ln>
+        </p:spPr>
       </p:pic>
       <p:pic>
         <p:nvPicPr>
@@ -28667,6 +29744,13 @@
             <a:pPr algn="ctr"/>
             <a:r>
               <a:rPr lang="en-US" dirty="0">
+                <a:effectLst>
+                  <a:outerShdw blurRad="38100" dist="38100" dir="2700000" algn="tl">
+                    <a:srgbClr val="000000">
+                      <a:alpha val="43137"/>
+                    </a:srgbClr>
+                  </a:outerShdw>
+                </a:effectLst>
                 <a:latin typeface="Times New Roman" panose="02020603050405020304" pitchFamily="18" charset="0"/>
                 <a:cs typeface="Times New Roman" panose="02020603050405020304" pitchFamily="18" charset="0"/>
               </a:rPr>
@@ -28701,6 +29785,11 @@
             <a:off x="1267933" y="1848535"/>
             <a:ext cx="1101746" cy="1430337"/>
           </a:xfrm>
+          <a:ln>
+            <a:solidFill>
+              <a:srgbClr val="00B050"/>
+            </a:solidFill>
+          </a:ln>
         </p:spPr>
       </p:pic>
       <p:sp>
@@ -28729,7 +29818,13 @@
                 <a:solidFill>
                   <a:schemeClr val="tx1"/>
                 </a:solidFill>
-                <a:effectLst/>
+                <a:effectLst>
+                  <a:outerShdw blurRad="38100" dist="38100" dir="2700000" algn="tl">
+                    <a:srgbClr val="000000">
+                      <a:alpha val="43137"/>
+                    </a:srgbClr>
+                  </a:outerShdw>
+                </a:effectLst>
                 <a:latin typeface="Times New Roman" panose="02020603050405020304" pitchFamily="18" charset="0"/>
               </a:rPr>
               <a:t>Mr. </a:t>
@@ -28739,7 +29834,13 @@
                 <a:solidFill>
                   <a:schemeClr val="tx1"/>
                 </a:solidFill>
-                <a:effectLst/>
+                <a:effectLst>
+                  <a:outerShdw blurRad="38100" dist="38100" dir="2700000" algn="tl">
+                    <a:srgbClr val="000000">
+                      <a:alpha val="43137"/>
+                    </a:srgbClr>
+                  </a:outerShdw>
+                </a:effectLst>
                 <a:latin typeface="Times New Roman" panose="02020603050405020304" pitchFamily="18" charset="0"/>
               </a:rPr>
               <a:t>Benjir</a:t>
@@ -28749,7 +29850,13 @@
                 <a:solidFill>
                   <a:schemeClr val="tx1"/>
                 </a:solidFill>
-                <a:effectLst/>
+                <a:effectLst>
+                  <a:outerShdw blurRad="38100" dist="38100" dir="2700000" algn="tl">
+                    <a:srgbClr val="000000">
+                      <a:alpha val="43137"/>
+                    </a:srgbClr>
+                  </a:outerShdw>
+                </a:effectLst>
                 <a:latin typeface="Times New Roman" panose="02020603050405020304" pitchFamily="18" charset="0"/>
               </a:rPr>
               <a:t> Ahmed, M.P.</a:t>
@@ -28758,6 +29865,13 @@
               <a:solidFill>
                 <a:schemeClr val="tx1"/>
               </a:solidFill>
+              <a:effectLst>
+                <a:outerShdw blurRad="38100" dist="38100" dir="2700000" algn="tl">
+                  <a:srgbClr val="000000">
+                    <a:alpha val="43137"/>
+                  </a:srgbClr>
+                </a:outerShdw>
+              </a:effectLst>
             </a:endParaRPr>
           </a:p>
         </p:txBody>
@@ -28863,6 +29977,11 @@
             <a:off x="4100071" y="1848535"/>
             <a:ext cx="1144269" cy="1430337"/>
           </a:xfrm>
+          <a:ln>
+            <a:solidFill>
+              <a:srgbClr val="00B050"/>
+            </a:solidFill>
+          </a:ln>
         </p:spPr>
       </p:pic>
       <p:sp>
@@ -28891,7 +30010,13 @@
                 <a:solidFill>
                   <a:schemeClr val="tx1"/>
                 </a:solidFill>
-                <a:effectLst/>
+                <a:effectLst>
+                  <a:outerShdw blurRad="38100" dist="38100" dir="2700000" algn="tl">
+                    <a:srgbClr val="000000">
+                      <a:alpha val="43137"/>
+                    </a:srgbClr>
+                  </a:outerShdw>
+                </a:effectLst>
                 <a:latin typeface="Times New Roman" panose="02020603050405020304" pitchFamily="18" charset="0"/>
                 <a:cs typeface="Times New Roman" panose="02020603050405020304" pitchFamily="18" charset="0"/>
               </a:rPr>
@@ -28901,6 +30026,13 @@
               <a:solidFill>
                 <a:schemeClr val="tx1"/>
               </a:solidFill>
+              <a:effectLst>
+                <a:outerShdw blurRad="38100" dist="38100" dir="2700000" algn="tl">
+                  <a:srgbClr val="000000">
+                    <a:alpha val="43137"/>
+                  </a:srgbClr>
+                </a:outerShdw>
+              </a:effectLst>
               <a:latin typeface="Times New Roman" panose="02020603050405020304" pitchFamily="18" charset="0"/>
               <a:cs typeface="Times New Roman" panose="02020603050405020304" pitchFamily="18" charset="0"/>
             </a:endParaRPr>
@@ -29008,7 +30140,13 @@
                 <a:solidFill>
                   <a:schemeClr val="tx1"/>
                 </a:solidFill>
-                <a:effectLst/>
+                <a:effectLst>
+                  <a:outerShdw blurRad="38100" dist="38100" dir="2700000" algn="tl">
+                    <a:srgbClr val="000000">
+                      <a:alpha val="43137"/>
+                    </a:srgbClr>
+                  </a:outerShdw>
+                </a:effectLst>
                 <a:latin typeface="Times New Roman" panose="02020603050405020304" pitchFamily="18" charset="0"/>
                 <a:cs typeface="Times New Roman" panose="02020603050405020304" pitchFamily="18" charset="0"/>
               </a:rPr>
@@ -29019,7 +30157,13 @@
                 <a:solidFill>
                   <a:schemeClr val="tx1"/>
                 </a:solidFill>
-                <a:effectLst/>
+                <a:effectLst>
+                  <a:outerShdw blurRad="38100" dist="38100" dir="2700000" algn="tl">
+                    <a:srgbClr val="000000">
+                      <a:alpha val="43137"/>
+                    </a:srgbClr>
+                  </a:outerShdw>
+                </a:effectLst>
                 <a:latin typeface="Times New Roman" panose="02020603050405020304" pitchFamily="18" charset="0"/>
                 <a:cs typeface="Times New Roman" panose="02020603050405020304" pitchFamily="18" charset="0"/>
               </a:rPr>
@@ -29030,7 +30174,13 @@
                 <a:solidFill>
                   <a:schemeClr val="tx1"/>
                 </a:solidFill>
-                <a:effectLst/>
+                <a:effectLst>
+                  <a:outerShdw blurRad="38100" dist="38100" dir="2700000" algn="tl">
+                    <a:srgbClr val="000000">
+                      <a:alpha val="43137"/>
+                    </a:srgbClr>
+                  </a:outerShdw>
+                </a:effectLst>
                 <a:latin typeface="Times New Roman" panose="02020603050405020304" pitchFamily="18" charset="0"/>
                 <a:cs typeface="Times New Roman" panose="02020603050405020304" pitchFamily="18" charset="0"/>
               </a:rPr>
@@ -29040,6 +30190,13 @@
               <a:solidFill>
                 <a:schemeClr val="tx1"/>
               </a:solidFill>
+              <a:effectLst>
+                <a:outerShdw blurRad="38100" dist="38100" dir="2700000" algn="tl">
+                  <a:srgbClr val="000000">
+                    <a:alpha val="43137"/>
+                  </a:srgbClr>
+                </a:outerShdw>
+              </a:effectLst>
               <a:latin typeface="Times New Roman" panose="02020603050405020304" pitchFamily="18" charset="0"/>
               <a:cs typeface="Times New Roman" panose="02020603050405020304" pitchFamily="18" charset="0"/>
             </a:endParaRPr>
@@ -29147,6 +30304,11 @@
             <a:off x="9775041" y="1848535"/>
             <a:ext cx="1176567" cy="1430337"/>
           </a:xfrm>
+          <a:ln>
+            <a:solidFill>
+              <a:srgbClr val="00B050"/>
+            </a:solidFill>
+          </a:ln>
         </p:spPr>
       </p:pic>
       <p:sp>
@@ -29175,6 +30337,13 @@
                 <a:solidFill>
                   <a:schemeClr val="tx1"/>
                 </a:solidFill>
+                <a:effectLst>
+                  <a:outerShdw blurRad="38100" dist="38100" dir="2700000" algn="tl">
+                    <a:srgbClr val="000000">
+                      <a:alpha val="43137"/>
+                    </a:srgbClr>
+                  </a:outerShdw>
+                </a:effectLst>
                 <a:latin typeface="Times New Roman" panose="02020603050405020304" pitchFamily="18" charset="0"/>
                 <a:cs typeface="Times New Roman" panose="02020603050405020304" pitchFamily="18" charset="0"/>
               </a:rPr>
@@ -29185,6 +30354,13 @@
                 <a:solidFill>
                   <a:schemeClr val="tx1"/>
                 </a:solidFill>
+                <a:effectLst>
+                  <a:outerShdw blurRad="38100" dist="38100" dir="2700000" algn="tl">
+                    <a:srgbClr val="000000">
+                      <a:alpha val="43137"/>
+                    </a:srgbClr>
+                  </a:outerShdw>
+                </a:effectLst>
                 <a:latin typeface="Times New Roman" panose="02020603050405020304" pitchFamily="18" charset="0"/>
                 <a:cs typeface="Times New Roman" panose="02020603050405020304" pitchFamily="18" charset="0"/>
               </a:rPr>
@@ -29194,88 +30370,13 @@
               <a:solidFill>
                 <a:schemeClr val="tx1"/>
               </a:solidFill>
-              <a:latin typeface="Times New Roman" panose="02020603050405020304" pitchFamily="18" charset="0"/>
-              <a:cs typeface="Times New Roman" panose="02020603050405020304" pitchFamily="18" charset="0"/>
-            </a:endParaRPr>
-          </a:p>
-        </p:txBody>
-      </p:sp>
-      <p:sp>
-        <p:nvSpPr>
-          <p:cNvPr id="14" name="Content Placeholder 13">
-            <a:extLst>
-              <a:ext uri="{FF2B5EF4-FFF2-40B4-BE49-F238E27FC236}">
-                <a16:creationId xmlns:a16="http://schemas.microsoft.com/office/drawing/2014/main" id="{4EAA9254-229F-4C3E-B078-B8912E5BBE98}"/>
-              </a:ext>
-            </a:extLst>
-          </p:cNvPr>
-          <p:cNvSpPr>
-            <a:spLocks noGrp="1"/>
-          </p:cNvSpPr>
-          <p:nvPr>
-            <p:ph idx="22"/>
-          </p:nvPr>
-        </p:nvSpPr>
-        <p:spPr>
-          <a:xfrm>
-            <a:off x="9068972" y="4034658"/>
-            <a:ext cx="2588705" cy="1690282"/>
-          </a:xfrm>
-        </p:spPr>
-        <p:txBody>
-          <a:bodyPr/>
-          <a:lstStyle/>
-          <a:p>
-            <a:r>
-              <a:rPr lang="en-US" dirty="0">
-                <a:latin typeface="Times New Roman" panose="02020603050405020304" pitchFamily="18" charset="0"/>
-                <a:cs typeface="Times New Roman" panose="02020603050405020304" pitchFamily="18" charset="0"/>
-              </a:rPr>
-              <a:t>Chief Coordinator</a:t>
-            </a:r>
-          </a:p>
-          <a:p>
-            <a:endParaRPr lang="en-US" dirty="0">
-              <a:latin typeface="Times New Roman" panose="02020603050405020304" pitchFamily="18" charset="0"/>
-              <a:cs typeface="Times New Roman" panose="02020603050405020304" pitchFamily="18" charset="0"/>
-            </a:endParaRPr>
-          </a:p>
-          <a:p>
-            <a:pPr>
-              <a:lnSpc>
-                <a:spcPct val="100000"/>
-              </a:lnSpc>
-              <a:spcBef>
-                <a:spcPts val="0"/>
-              </a:spcBef>
-            </a:pPr>
-            <a:r>
-              <a:rPr lang="en-US" dirty="0">
-                <a:latin typeface="Times New Roman" panose="02020603050405020304" pitchFamily="18" charset="0"/>
-                <a:cs typeface="Times New Roman" panose="02020603050405020304" pitchFamily="18" charset="0"/>
-              </a:rPr>
-              <a:t>Project Management Unit</a:t>
-            </a:r>
-          </a:p>
-          <a:p>
-            <a:pPr>
-              <a:lnSpc>
-                <a:spcPct val="100000"/>
-              </a:lnSpc>
-              <a:spcBef>
-                <a:spcPts val="0"/>
-              </a:spcBef>
-            </a:pPr>
-            <a:r>
-              <a:rPr lang="en-US" dirty="0">
-                <a:latin typeface="Times New Roman" panose="02020603050405020304" pitchFamily="18" charset="0"/>
-                <a:cs typeface="Times New Roman" panose="02020603050405020304" pitchFamily="18" charset="0"/>
-              </a:rPr>
-              <a:t>Bangladesh Association of International Recruiting Agencies (BAIRA)</a:t>
-            </a:r>
-          </a:p>
-          <a:p>
-            <a:endParaRPr lang="en-US" dirty="0">
+              <a:effectLst>
+                <a:outerShdw blurRad="38100" dist="38100" dir="2700000" algn="tl">
+                  <a:srgbClr val="000000">
+                    <a:alpha val="43137"/>
+                  </a:srgbClr>
+                </a:outerShdw>
+              </a:effectLst>
               <a:latin typeface="Times New Roman" panose="02020603050405020304" pitchFamily="18" charset="0"/>
               <a:cs typeface="Times New Roman" panose="02020603050405020304" pitchFamily="18" charset="0"/>
             </a:endParaRPr>
@@ -29372,6 +30473,301 @@
           </a:prstGeom>
         </p:spPr>
       </p:pic>
+      <p:pic>
+        <p:nvPicPr>
+          <p:cNvPr id="21" name="Picture Placeholder 22">
+            <a:extLst>
+              <a:ext uri="{FF2B5EF4-FFF2-40B4-BE49-F238E27FC236}">
+                <a16:creationId xmlns:a16="http://schemas.microsoft.com/office/drawing/2014/main" id="{A05BBDCD-8825-4636-BB59-AA27106175CA}"/>
+              </a:ext>
+            </a:extLst>
+          </p:cNvPr>
+          <p:cNvPicPr>
+            <a:picLocks noChangeAspect="1"/>
+          </p:cNvPicPr>
+          <p:nvPr/>
+        </p:nvPicPr>
+        <p:blipFill>
+          <a:blip r:embed="rId8"/>
+          <a:srcRect/>
+          <a:stretch/>
+        </p:blipFill>
+        <p:spPr>
+          <a:xfrm>
+            <a:off x="6922657" y="1848535"/>
+            <a:ext cx="1176567" cy="1430337"/>
+          </a:xfrm>
+          <a:prstGeom prst="ellipse">
+            <a:avLst/>
+          </a:prstGeom>
+          <a:solidFill>
+            <a:schemeClr val="bg2"/>
+          </a:solidFill>
+          <a:ln>
+            <a:solidFill>
+              <a:srgbClr val="00B050"/>
+            </a:solidFill>
+          </a:ln>
+        </p:spPr>
+      </p:pic>
+      <p:sp>
+        <p:nvSpPr>
+          <p:cNvPr id="22" name="Content Placeholder 11">
+            <a:extLst>
+              <a:ext uri="{FF2B5EF4-FFF2-40B4-BE49-F238E27FC236}">
+                <a16:creationId xmlns:a16="http://schemas.microsoft.com/office/drawing/2014/main" id="{E46C79BE-3869-4F9E-A883-A258DE22953A}"/>
+              </a:ext>
+            </a:extLst>
+          </p:cNvPr>
+          <p:cNvSpPr txBox="1">
+            <a:spLocks/>
+          </p:cNvSpPr>
+          <p:nvPr/>
+        </p:nvSpPr>
+        <p:spPr>
+          <a:xfrm>
+            <a:off x="9068971" y="4052306"/>
+            <a:ext cx="2588705" cy="1407179"/>
+          </a:xfrm>
+          <a:prstGeom prst="rect">
+            <a:avLst/>
+          </a:prstGeom>
+        </p:spPr>
+        <p:txBody>
+          <a:bodyPr vert="horz" lIns="0" tIns="0" rIns="0" bIns="0" rtlCol="0">
+            <a:noAutofit/>
+          </a:bodyPr>
+          <a:lstStyle>
+            <a:lvl1pPr marL="0" indent="0" algn="ctr" defTabSz="914400" rtl="0" eaLnBrk="1" latinLnBrk="0" hangingPunct="1">
+              <a:lnSpc>
+                <a:spcPct val="90000"/>
+              </a:lnSpc>
+              <a:spcBef>
+                <a:spcPts val="1000"/>
+              </a:spcBef>
+              <a:buFont typeface="Arial" panose="020B0604020202020204" pitchFamily="34" charset="0"/>
+              <a:buNone/>
+              <a:defRPr sz="1600" kern="1200">
+                <a:solidFill>
+                  <a:schemeClr val="tx1"/>
+                </a:solidFill>
+                <a:latin typeface="+mn-lt"/>
+                <a:ea typeface="+mn-ea"/>
+                <a:cs typeface="+mn-cs"/>
+              </a:defRPr>
+            </a:lvl1pPr>
+            <a:lvl2pPr marL="457200" indent="0" algn="ctr" defTabSz="914400" rtl="0" eaLnBrk="1" latinLnBrk="0" hangingPunct="1">
+              <a:lnSpc>
+                <a:spcPct val="90000"/>
+              </a:lnSpc>
+              <a:spcBef>
+                <a:spcPts val="500"/>
+              </a:spcBef>
+              <a:buFont typeface="Arial" panose="020B0604020202020204" pitchFamily="34" charset="0"/>
+              <a:buNone/>
+              <a:defRPr sz="2000" kern="1200">
+                <a:solidFill>
+                  <a:schemeClr val="tx1"/>
+                </a:solidFill>
+                <a:latin typeface="+mn-lt"/>
+                <a:ea typeface="+mn-ea"/>
+                <a:cs typeface="+mn-cs"/>
+              </a:defRPr>
+            </a:lvl2pPr>
+            <a:lvl3pPr marL="914400" indent="0" algn="ctr" defTabSz="914400" rtl="0" eaLnBrk="1" latinLnBrk="0" hangingPunct="1">
+              <a:lnSpc>
+                <a:spcPct val="90000"/>
+              </a:lnSpc>
+              <a:spcBef>
+                <a:spcPts val="500"/>
+              </a:spcBef>
+              <a:buFont typeface="Arial" panose="020B0604020202020204" pitchFamily="34" charset="0"/>
+              <a:buNone/>
+              <a:defRPr sz="1800" kern="1200">
+                <a:solidFill>
+                  <a:schemeClr val="tx1"/>
+                </a:solidFill>
+                <a:latin typeface="+mn-lt"/>
+                <a:ea typeface="+mn-ea"/>
+                <a:cs typeface="+mn-cs"/>
+              </a:defRPr>
+            </a:lvl3pPr>
+            <a:lvl4pPr marL="1371600" indent="0" algn="ctr" defTabSz="914400" rtl="0" eaLnBrk="1" latinLnBrk="0" hangingPunct="1">
+              <a:lnSpc>
+                <a:spcPct val="90000"/>
+              </a:lnSpc>
+              <a:spcBef>
+                <a:spcPts val="500"/>
+              </a:spcBef>
+              <a:buFont typeface="Arial" panose="020B0604020202020204" pitchFamily="34" charset="0"/>
+              <a:buNone/>
+              <a:defRPr sz="1600" kern="1200">
+                <a:solidFill>
+                  <a:schemeClr val="tx1"/>
+                </a:solidFill>
+                <a:latin typeface="+mn-lt"/>
+                <a:ea typeface="+mn-ea"/>
+                <a:cs typeface="+mn-cs"/>
+              </a:defRPr>
+            </a:lvl4pPr>
+            <a:lvl5pPr marL="1828800" indent="0" algn="ctr" defTabSz="914400" rtl="0" eaLnBrk="1" latinLnBrk="0" hangingPunct="1">
+              <a:lnSpc>
+                <a:spcPct val="90000"/>
+              </a:lnSpc>
+              <a:spcBef>
+                <a:spcPts val="500"/>
+              </a:spcBef>
+              <a:buFont typeface="Arial" panose="020B0604020202020204" pitchFamily="34" charset="0"/>
+              <a:buNone/>
+              <a:defRPr sz="1600" kern="1200">
+                <a:solidFill>
+                  <a:schemeClr val="tx1"/>
+                </a:solidFill>
+                <a:latin typeface="+mn-lt"/>
+                <a:ea typeface="+mn-ea"/>
+                <a:cs typeface="+mn-cs"/>
+              </a:defRPr>
+            </a:lvl5pPr>
+            <a:lvl6pPr marL="2514600" indent="-228600" algn="l" defTabSz="914400" rtl="0" eaLnBrk="1" latinLnBrk="0" hangingPunct="1">
+              <a:lnSpc>
+                <a:spcPct val="90000"/>
+              </a:lnSpc>
+              <a:spcBef>
+                <a:spcPts val="500"/>
+              </a:spcBef>
+              <a:buFont typeface="Arial" panose="020B0604020202020204" pitchFamily="34" charset="0"/>
+              <a:buChar char="•"/>
+              <a:defRPr sz="1800" kern="1200">
+                <a:solidFill>
+                  <a:schemeClr val="tx1"/>
+                </a:solidFill>
+                <a:latin typeface="+mn-lt"/>
+                <a:ea typeface="+mn-ea"/>
+                <a:cs typeface="+mn-cs"/>
+              </a:defRPr>
+            </a:lvl6pPr>
+            <a:lvl7pPr marL="2971800" indent="-228600" algn="l" defTabSz="914400" rtl="0" eaLnBrk="1" latinLnBrk="0" hangingPunct="1">
+              <a:lnSpc>
+                <a:spcPct val="90000"/>
+              </a:lnSpc>
+              <a:spcBef>
+                <a:spcPts val="500"/>
+              </a:spcBef>
+              <a:buFont typeface="Arial" panose="020B0604020202020204" pitchFamily="34" charset="0"/>
+              <a:buChar char="•"/>
+              <a:defRPr sz="1800" kern="1200">
+                <a:solidFill>
+                  <a:schemeClr val="tx1"/>
+                </a:solidFill>
+                <a:latin typeface="+mn-lt"/>
+                <a:ea typeface="+mn-ea"/>
+                <a:cs typeface="+mn-cs"/>
+              </a:defRPr>
+            </a:lvl7pPr>
+            <a:lvl8pPr marL="3429000" indent="-228600" algn="l" defTabSz="914400" rtl="0" eaLnBrk="1" latinLnBrk="0" hangingPunct="1">
+              <a:lnSpc>
+                <a:spcPct val="90000"/>
+              </a:lnSpc>
+              <a:spcBef>
+                <a:spcPts val="500"/>
+              </a:spcBef>
+              <a:buFont typeface="Arial" panose="020B0604020202020204" pitchFamily="34" charset="0"/>
+              <a:buChar char="•"/>
+              <a:defRPr sz="1800" kern="1200">
+                <a:solidFill>
+                  <a:schemeClr val="tx1"/>
+                </a:solidFill>
+                <a:latin typeface="+mn-lt"/>
+                <a:ea typeface="+mn-ea"/>
+                <a:cs typeface="+mn-cs"/>
+              </a:defRPr>
+            </a:lvl8pPr>
+            <a:lvl9pPr marL="3886200" indent="-228600" algn="l" defTabSz="914400" rtl="0" eaLnBrk="1" latinLnBrk="0" hangingPunct="1">
+              <a:lnSpc>
+                <a:spcPct val="90000"/>
+              </a:lnSpc>
+              <a:spcBef>
+                <a:spcPts val="500"/>
+              </a:spcBef>
+              <a:buFont typeface="Arial" panose="020B0604020202020204" pitchFamily="34" charset="0"/>
+              <a:buChar char="•"/>
+              <a:defRPr sz="1800" kern="1200">
+                <a:solidFill>
+                  <a:schemeClr val="tx1"/>
+                </a:solidFill>
+                <a:latin typeface="+mn-lt"/>
+                <a:ea typeface="+mn-ea"/>
+                <a:cs typeface="+mn-cs"/>
+              </a:defRPr>
+            </a:lvl9pPr>
+          </a:lstStyle>
+          <a:p>
+            <a:pPr>
+              <a:lnSpc>
+                <a:spcPct val="100000"/>
+              </a:lnSpc>
+              <a:spcBef>
+                <a:spcPts val="0"/>
+              </a:spcBef>
+            </a:pPr>
+            <a:r>
+              <a:rPr lang="en-US" dirty="0">
+                <a:latin typeface="Times New Roman" panose="02020603050405020304" pitchFamily="18" charset="0"/>
+                <a:cs typeface="Times New Roman" panose="02020603050405020304" pitchFamily="18" charset="0"/>
+              </a:rPr>
+              <a:t>Chief Coordinator</a:t>
+            </a:r>
+          </a:p>
+          <a:p>
+            <a:pPr>
+              <a:lnSpc>
+                <a:spcPct val="100000"/>
+              </a:lnSpc>
+              <a:spcBef>
+                <a:spcPts val="0"/>
+              </a:spcBef>
+            </a:pPr>
+            <a:endParaRPr lang="en-US" dirty="0">
+              <a:latin typeface="Times New Roman" panose="02020603050405020304" pitchFamily="18" charset="0"/>
+              <a:cs typeface="Times New Roman" panose="02020603050405020304" pitchFamily="18" charset="0"/>
+            </a:endParaRPr>
+          </a:p>
+          <a:p>
+            <a:pPr>
+              <a:lnSpc>
+                <a:spcPct val="100000"/>
+              </a:lnSpc>
+              <a:spcBef>
+                <a:spcPts val="0"/>
+              </a:spcBef>
+            </a:pPr>
+            <a:r>
+              <a:rPr lang="en-US" dirty="0">
+                <a:latin typeface="Times New Roman" panose="02020603050405020304" pitchFamily="18" charset="0"/>
+                <a:cs typeface="Times New Roman" panose="02020603050405020304" pitchFamily="18" charset="0"/>
+              </a:rPr>
+              <a:t>Project Management Unit</a:t>
+            </a:r>
+          </a:p>
+          <a:p>
+            <a:pPr>
+              <a:lnSpc>
+                <a:spcPct val="100000"/>
+              </a:lnSpc>
+              <a:spcBef>
+                <a:spcPts val="0"/>
+              </a:spcBef>
+            </a:pPr>
+            <a:r>
+              <a:rPr lang="en-US" dirty="0">
+                <a:latin typeface="Times New Roman" panose="02020603050405020304" pitchFamily="18" charset="0"/>
+                <a:cs typeface="Times New Roman" panose="02020603050405020304" pitchFamily="18" charset="0"/>
+              </a:rPr>
+              <a:t>Bangladesh Association of International Recruiting Agencies (BAIRA)</a:t>
+            </a:r>
+          </a:p>
+        </p:txBody>
+      </p:sp>
     </p:spTree>
     <p:extLst>
       <p:ext uri="{BB962C8B-B14F-4D97-AF65-F5344CB8AC3E}">
@@ -29461,6 +30857,13 @@
           <a:p>
             <a:r>
               <a:rPr lang="en-US" dirty="0">
+                <a:effectLst>
+                  <a:outerShdw blurRad="38100" dist="38100" dir="2700000" algn="tl">
+                    <a:srgbClr val="000000">
+                      <a:alpha val="43137"/>
+                    </a:srgbClr>
+                  </a:outerShdw>
+                </a:effectLst>
                 <a:latin typeface="Times New Roman" panose="02020603050405020304" pitchFamily="18" charset="0"/>
                 <a:cs typeface="Times New Roman" panose="02020603050405020304" pitchFamily="18" charset="0"/>
               </a:rPr>
@@ -29492,6 +30895,13 @@
           <a:p>
             <a:r>
               <a:rPr lang="en-US" dirty="0">
+                <a:effectLst>
+                  <a:outerShdw blurRad="38100" dist="38100" dir="2700000" algn="tl">
+                    <a:srgbClr val="000000">
+                      <a:alpha val="43137"/>
+                    </a:srgbClr>
+                  </a:outerShdw>
+                </a:effectLst>
                 <a:latin typeface="Times New Roman" panose="02020603050405020304" pitchFamily="18" charset="0"/>
                 <a:cs typeface="Times New Roman" panose="02020603050405020304" pitchFamily="18" charset="0"/>
               </a:rPr>
@@ -29523,6 +30933,13 @@
           <a:p>
             <a:r>
               <a:rPr lang="en-US" dirty="0">
+                <a:effectLst>
+                  <a:outerShdw blurRad="38100" dist="38100" dir="2700000" algn="tl">
+                    <a:srgbClr val="000000">
+                      <a:alpha val="43137"/>
+                    </a:srgbClr>
+                  </a:outerShdw>
+                </a:effectLst>
                 <a:latin typeface="Times New Roman" panose="02020603050405020304" pitchFamily="18" charset="0"/>
                 <a:cs typeface="Times New Roman" panose="02020603050405020304" pitchFamily="18" charset="0"/>
               </a:rPr>
@@ -29724,7 +31141,17 @@
           </a:lstStyle>
           <a:p>
             <a:r>
-              <a:rPr lang="en-US" dirty="0"/>
+              <a:rPr lang="en-US" b="1" dirty="0">
+                <a:effectLst>
+                  <a:outerShdw blurRad="38100" dist="38100" dir="2700000" algn="tl">
+                    <a:srgbClr val="000000">
+                      <a:alpha val="43137"/>
+                    </a:srgbClr>
+                  </a:outerShdw>
+                </a:effectLst>
+                <a:latin typeface="Times New Roman" panose="02020603050405020304" pitchFamily="18" charset="0"/>
+                <a:cs typeface="Times New Roman" panose="02020603050405020304" pitchFamily="18" charset="0"/>
+              </a:rPr>
               <a:t>+880 1711 459 532</a:t>
             </a:r>
           </a:p>
@@ -29878,6 +31305,13 @@
           <a:p>
             <a:r>
               <a:rPr lang="en-US" dirty="0">
+                <a:effectLst>
+                  <a:outerShdw blurRad="38100" dist="38100" dir="2700000" algn="tl">
+                    <a:srgbClr val="000000">
+                      <a:alpha val="43137"/>
+                    </a:srgbClr>
+                  </a:outerShdw>
+                </a:effectLst>
                 <a:latin typeface="Times New Roman" panose="02020603050405020304" pitchFamily="18" charset="0"/>
                 <a:cs typeface="Times New Roman" panose="02020603050405020304" pitchFamily="18" charset="0"/>
               </a:rPr>
@@ -30059,6 +31493,13 @@
             <a:pPr algn="ctr"/>
             <a:r>
               <a:rPr lang="en-US" sz="2800" dirty="0">
+                <a:effectLst>
+                  <a:outerShdw blurRad="38100" dist="38100" dir="2700000" algn="tl">
+                    <a:srgbClr val="000000">
+                      <a:alpha val="43137"/>
+                    </a:srgbClr>
+                  </a:outerShdw>
+                </a:effectLst>
                 <a:latin typeface="Times New Roman" panose="02020603050405020304" pitchFamily="18" charset="0"/>
                 <a:cs typeface="Times New Roman" panose="02020603050405020304" pitchFamily="18" charset="0"/>
               </a:rPr>
@@ -30093,6 +31534,11 @@
             <a:off x="5884648" y="586166"/>
             <a:ext cx="6307353" cy="4608041"/>
           </a:xfrm>
+          <a:ln>
+            <a:solidFill>
+              <a:srgbClr val="00B050"/>
+            </a:solidFill>
+          </a:ln>
         </p:spPr>
       </p:pic>
       <p:sp>
@@ -30140,7 +31586,7 @@
           <p:nvPr>
             <p:extLst>
               <p:ext uri="{D42A27DB-BD31-4B8C-83A1-F6EECF244321}">
-                <p14:modId xmlns:p14="http://schemas.microsoft.com/office/powerpoint/2010/main" val="4222620945"/>
+                <p14:modId xmlns:p14="http://schemas.microsoft.com/office/powerpoint/2010/main" val="3725285585"/>
               </p:ext>
             </p:extLst>
           </p:nvPr>
@@ -30211,7 +31657,26 @@
                       </a:endParaRPr>
                     </a:p>
                   </a:txBody>
-                  <a:tcPr marL="68580" marR="68580" marT="0" marB="0" anchor="ctr"/>
+                  <a:tcPr marL="68580" marR="68580" marT="0" marB="0" anchor="ctr">
+                    <a:lnL w="12700" cap="flat" cmpd="sng" algn="ctr">
+                      <a:solidFill>
+                        <a:schemeClr val="tx1"/>
+                      </a:solidFill>
+                      <a:prstDash val="solid"/>
+                      <a:round/>
+                      <a:headEnd type="none" w="med" len="med"/>
+                      <a:tailEnd type="none" w="med" len="med"/>
+                    </a:lnL>
+                    <a:lnT w="12700" cap="flat" cmpd="sng" algn="ctr">
+                      <a:solidFill>
+                        <a:schemeClr val="tx1"/>
+                      </a:solidFill>
+                      <a:prstDash val="solid"/>
+                      <a:round/>
+                      <a:headEnd type="none" w="med" len="med"/>
+                      <a:tailEnd type="none" w="med" len="med"/>
+                    </a:lnT>
+                  </a:tcPr>
                 </a:tc>
                 <a:tc>
                   <a:txBody>
@@ -30236,6 +31701,154 @@
                           <a:cs typeface="Times New Roman" panose="02020603050405020304" pitchFamily="18" charset="0"/>
                         </a:rPr>
                         <a:t>Capacity</a:t>
+                      </a:r>
+                      <a:endParaRPr lang="en-US" sz="1800" dirty="0">
+                        <a:effectLst/>
+                        <a:latin typeface="Times New Roman" panose="02020603050405020304" pitchFamily="18" charset="0"/>
+                        <a:ea typeface="Calibri" panose="020F0502020204030204" pitchFamily="34" charset="0"/>
+                        <a:cs typeface="Times New Roman" panose="02020603050405020304" pitchFamily="18" charset="0"/>
+                      </a:endParaRPr>
+                    </a:p>
+                  </a:txBody>
+                  <a:tcPr marL="68580" marR="68580" marT="0" marB="0" anchor="ctr">
+                    <a:lnT w="12700" cap="flat" cmpd="sng" algn="ctr">
+                      <a:solidFill>
+                        <a:schemeClr val="tx1"/>
+                      </a:solidFill>
+                      <a:prstDash val="solid"/>
+                      <a:round/>
+                      <a:headEnd type="none" w="med" len="med"/>
+                      <a:tailEnd type="none" w="med" len="med"/>
+                    </a:lnT>
+                  </a:tcPr>
+                </a:tc>
+                <a:tc>
+                  <a:txBody>
+                    <a:bodyPr/>
+                    <a:lstStyle/>
+                    <a:p>
+                      <a:pPr marL="0" marR="0" algn="ctr">
+                        <a:lnSpc>
+                          <a:spcPct val="107000"/>
+                        </a:lnSpc>
+                        <a:spcBef>
+                          <a:spcPts val="0"/>
+                        </a:spcBef>
+                        <a:spcAft>
+                          <a:spcPts val="0"/>
+                        </a:spcAft>
+                      </a:pPr>
+                      <a:r>
+                        <a:rPr lang="en-US" sz="1400">
+                          <a:effectLst/>
+                          <a:latin typeface="Times New Roman" panose="02020603050405020304" pitchFamily="18" charset="0"/>
+                          <a:cs typeface="Times New Roman" panose="02020603050405020304" pitchFamily="18" charset="0"/>
+                        </a:rPr>
+                        <a:t>Number</a:t>
+                      </a:r>
+                      <a:endParaRPr lang="en-US" sz="1800">
+                        <a:effectLst/>
+                        <a:latin typeface="Times New Roman" panose="02020603050405020304" pitchFamily="18" charset="0"/>
+                        <a:ea typeface="Calibri" panose="020F0502020204030204" pitchFamily="34" charset="0"/>
+                        <a:cs typeface="Times New Roman" panose="02020603050405020304" pitchFamily="18" charset="0"/>
+                      </a:endParaRPr>
+                    </a:p>
+                  </a:txBody>
+                  <a:tcPr marL="68580" marR="68580" marT="0" marB="0" anchor="ctr">
+                    <a:lnR w="12700" cap="flat" cmpd="sng" algn="ctr">
+                      <a:solidFill>
+                        <a:schemeClr val="tx1"/>
+                      </a:solidFill>
+                      <a:prstDash val="solid"/>
+                      <a:round/>
+                      <a:headEnd type="none" w="med" len="med"/>
+                      <a:tailEnd type="none" w="med" len="med"/>
+                    </a:lnR>
+                    <a:lnT w="12700" cap="flat" cmpd="sng" algn="ctr">
+                      <a:solidFill>
+                        <a:schemeClr val="tx1"/>
+                      </a:solidFill>
+                      <a:prstDash val="solid"/>
+                      <a:round/>
+                      <a:headEnd type="none" w="med" len="med"/>
+                      <a:tailEnd type="none" w="med" len="med"/>
+                    </a:lnT>
+                  </a:tcPr>
+                </a:tc>
+                <a:extLst>
+                  <a:ext uri="{0D108BD9-81ED-4DB2-BD59-A6C34878D82A}">
+                    <a16:rowId xmlns:a16="http://schemas.microsoft.com/office/drawing/2014/main" val="2475349692"/>
+                  </a:ext>
+                </a:extLst>
+              </a:tr>
+              <a:tr h="610120">
+                <a:tc>
+                  <a:txBody>
+                    <a:bodyPr/>
+                    <a:lstStyle/>
+                    <a:p>
+                      <a:pPr marL="0" marR="0" algn="ctr">
+                        <a:lnSpc>
+                          <a:spcPct val="107000"/>
+                        </a:lnSpc>
+                        <a:spcBef>
+                          <a:spcPts val="0"/>
+                        </a:spcBef>
+                        <a:spcAft>
+                          <a:spcPts val="0"/>
+                        </a:spcAft>
+                      </a:pPr>
+                      <a:r>
+                        <a:rPr lang="en-US" sz="1400">
+                          <a:effectLst/>
+                          <a:latin typeface="Times New Roman" panose="02020603050405020304" pitchFamily="18" charset="0"/>
+                          <a:cs typeface="Times New Roman" panose="02020603050405020304" pitchFamily="18" charset="0"/>
+                        </a:rPr>
+                        <a:t>Type A</a:t>
+                      </a:r>
+                      <a:endParaRPr lang="en-US" sz="1800">
+                        <a:effectLst/>
+                        <a:latin typeface="Times New Roman" panose="02020603050405020304" pitchFamily="18" charset="0"/>
+                        <a:ea typeface="Calibri" panose="020F0502020204030204" pitchFamily="34" charset="0"/>
+                        <a:cs typeface="Times New Roman" panose="02020603050405020304" pitchFamily="18" charset="0"/>
+                      </a:endParaRPr>
+                    </a:p>
+                  </a:txBody>
+                  <a:tcPr marL="68580" marR="68580" marT="0" marB="0" anchor="ctr">
+                    <a:lnL w="12700" cap="flat" cmpd="sng" algn="ctr">
+                      <a:solidFill>
+                        <a:schemeClr val="tx1"/>
+                      </a:solidFill>
+                      <a:prstDash val="solid"/>
+                      <a:round/>
+                      <a:headEnd type="none" w="med" len="med"/>
+                      <a:tailEnd type="none" w="med" len="med"/>
+                    </a:lnL>
+                  </a:tcPr>
+                </a:tc>
+                <a:tc>
+                  <a:txBody>
+                    <a:bodyPr/>
+                    <a:lstStyle/>
+                    <a:p>
+                      <a:pPr marL="0" marR="0" algn="ctr">
+                        <a:lnSpc>
+                          <a:spcPct val="107000"/>
+                        </a:lnSpc>
+                        <a:spcBef>
+                          <a:spcPts val="0"/>
+                        </a:spcBef>
+                        <a:spcAft>
+                          <a:spcPts val="0"/>
+                        </a:spcAft>
+                      </a:pPr>
+                      <a:r>
+                        <a:rPr lang="en-US" sz="1400" dirty="0">
+                          <a:effectLst/>
+                          <a:latin typeface="Times New Roman" panose="02020603050405020304" pitchFamily="18" charset="0"/>
+                          <a:cs typeface="Times New Roman" panose="02020603050405020304" pitchFamily="18" charset="0"/>
+                        </a:rPr>
+                        <a:t>≥ 1000 nos</a:t>
                       </a:r>
                       <a:endParaRPr lang="en-US" sz="1800" dirty="0">
                         <a:effectLst/>
@@ -30269,115 +31882,6 @@
                           <a:latin typeface="Times New Roman" panose="02020603050405020304" pitchFamily="18" charset="0"/>
                           <a:cs typeface="Times New Roman" panose="02020603050405020304" pitchFamily="18" charset="0"/>
                         </a:rPr>
-                        <a:t>Number</a:t>
-                      </a:r>
-                      <a:endParaRPr lang="en-US" sz="1800">
-                        <a:effectLst/>
-                        <a:latin typeface="Times New Roman" panose="02020603050405020304" pitchFamily="18" charset="0"/>
-                        <a:ea typeface="Calibri" panose="020F0502020204030204" pitchFamily="34" charset="0"/>
-                        <a:cs typeface="Times New Roman" panose="02020603050405020304" pitchFamily="18" charset="0"/>
-                      </a:endParaRPr>
-                    </a:p>
-                  </a:txBody>
-                  <a:tcPr marL="68580" marR="68580" marT="0" marB="0" anchor="ctr"/>
-                </a:tc>
-                <a:extLst>
-                  <a:ext uri="{0D108BD9-81ED-4DB2-BD59-A6C34878D82A}">
-                    <a16:rowId xmlns:a16="http://schemas.microsoft.com/office/drawing/2014/main" val="2475349692"/>
-                  </a:ext>
-                </a:extLst>
-              </a:tr>
-              <a:tr h="610120">
-                <a:tc>
-                  <a:txBody>
-                    <a:bodyPr/>
-                    <a:lstStyle/>
-                    <a:p>
-                      <a:pPr marL="0" marR="0" algn="ctr">
-                        <a:lnSpc>
-                          <a:spcPct val="107000"/>
-                        </a:lnSpc>
-                        <a:spcBef>
-                          <a:spcPts val="0"/>
-                        </a:spcBef>
-                        <a:spcAft>
-                          <a:spcPts val="0"/>
-                        </a:spcAft>
-                      </a:pPr>
-                      <a:r>
-                        <a:rPr lang="en-US" sz="1400">
-                          <a:effectLst/>
-                          <a:latin typeface="Times New Roman" panose="02020603050405020304" pitchFamily="18" charset="0"/>
-                          <a:cs typeface="Times New Roman" panose="02020603050405020304" pitchFamily="18" charset="0"/>
-                        </a:rPr>
-                        <a:t>Type A</a:t>
-                      </a:r>
-                      <a:endParaRPr lang="en-US" sz="1800">
-                        <a:effectLst/>
-                        <a:latin typeface="Times New Roman" panose="02020603050405020304" pitchFamily="18" charset="0"/>
-                        <a:ea typeface="Calibri" panose="020F0502020204030204" pitchFamily="34" charset="0"/>
-                        <a:cs typeface="Times New Roman" panose="02020603050405020304" pitchFamily="18" charset="0"/>
-                      </a:endParaRPr>
-                    </a:p>
-                  </a:txBody>
-                  <a:tcPr marL="68580" marR="68580" marT="0" marB="0" anchor="ctr"/>
-                </a:tc>
-                <a:tc>
-                  <a:txBody>
-                    <a:bodyPr/>
-                    <a:lstStyle/>
-                    <a:p>
-                      <a:pPr marL="0" marR="0" algn="ctr">
-                        <a:lnSpc>
-                          <a:spcPct val="107000"/>
-                        </a:lnSpc>
-                        <a:spcBef>
-                          <a:spcPts val="0"/>
-                        </a:spcBef>
-                        <a:spcAft>
-                          <a:spcPts val="0"/>
-                        </a:spcAft>
-                      </a:pPr>
-                      <a:r>
-                        <a:rPr lang="en-US" sz="1400">
-                          <a:effectLst/>
-                          <a:latin typeface="Times New Roman" panose="02020603050405020304" pitchFamily="18" charset="0"/>
-                          <a:cs typeface="Times New Roman" panose="02020603050405020304" pitchFamily="18" charset="0"/>
-                        </a:rPr>
-                        <a:t>≥ 1000 nos</a:t>
-                      </a:r>
-                      <a:endParaRPr lang="en-US" sz="1800">
-                        <a:effectLst/>
-                        <a:latin typeface="Times New Roman" panose="02020603050405020304" pitchFamily="18" charset="0"/>
-                        <a:ea typeface="Calibri" panose="020F0502020204030204" pitchFamily="34" charset="0"/>
-                        <a:cs typeface="Times New Roman" panose="02020603050405020304" pitchFamily="18" charset="0"/>
-                      </a:endParaRPr>
-                    </a:p>
-                  </a:txBody>
-                  <a:tcPr marL="68580" marR="68580" marT="0" marB="0" anchor="ctr"/>
-                </a:tc>
-                <a:tc>
-                  <a:txBody>
-                    <a:bodyPr/>
-                    <a:lstStyle/>
-                    <a:p>
-                      <a:pPr marL="0" marR="0" algn="ctr">
-                        <a:lnSpc>
-                          <a:spcPct val="107000"/>
-                        </a:lnSpc>
-                        <a:spcBef>
-                          <a:spcPts val="0"/>
-                        </a:spcBef>
-                        <a:spcAft>
-                          <a:spcPts val="0"/>
-                        </a:spcAft>
-                      </a:pPr>
-                      <a:r>
-                        <a:rPr lang="en-US" sz="1400">
-                          <a:effectLst/>
-                          <a:latin typeface="Times New Roman" panose="02020603050405020304" pitchFamily="18" charset="0"/>
-                          <a:cs typeface="Times New Roman" panose="02020603050405020304" pitchFamily="18" charset="0"/>
-                        </a:rPr>
                         <a:t>10</a:t>
                       </a:r>
                       <a:endParaRPr lang="en-US" sz="1800">
@@ -30388,7 +31892,17 @@
                       </a:endParaRPr>
                     </a:p>
                   </a:txBody>
-                  <a:tcPr marL="68580" marR="68580" marT="0" marB="0" anchor="ctr"/>
+                  <a:tcPr marL="68580" marR="68580" marT="0" marB="0" anchor="ctr">
+                    <a:lnR w="12700" cap="flat" cmpd="sng" algn="ctr">
+                      <a:solidFill>
+                        <a:schemeClr val="tx1"/>
+                      </a:solidFill>
+                      <a:prstDash val="solid"/>
+                      <a:round/>
+                      <a:headEnd type="none" w="med" len="med"/>
+                      <a:tailEnd type="none" w="med" len="med"/>
+                    </a:lnR>
+                  </a:tcPr>
                 </a:tc>
                 <a:extLst>
                   <a:ext uri="{0D108BD9-81ED-4DB2-BD59-A6C34878D82A}">
@@ -30429,7 +31943,17 @@
                       </a:endParaRPr>
                     </a:p>
                   </a:txBody>
-                  <a:tcPr marL="68580" marR="68580" marT="0" marB="0" anchor="ctr"/>
+                  <a:tcPr marL="68580" marR="68580" marT="0" marB="0" anchor="ctr">
+                    <a:lnL w="12700" cap="flat" cmpd="sng" algn="ctr">
+                      <a:solidFill>
+                        <a:schemeClr val="tx1"/>
+                      </a:solidFill>
+                      <a:prstDash val="solid"/>
+                      <a:round/>
+                      <a:headEnd type="none" w="med" len="med"/>
+                      <a:tailEnd type="none" w="med" len="med"/>
+                    </a:lnL>
+                  </a:tcPr>
                 </a:tc>
                 <a:tc>
                   <a:txBody>
@@ -30497,7 +32021,17 @@
                       </a:endParaRPr>
                     </a:p>
                   </a:txBody>
-                  <a:tcPr marL="68580" marR="68580" marT="0" marB="0" anchor="ctr"/>
+                  <a:tcPr marL="68580" marR="68580" marT="0" marB="0" anchor="ctr">
+                    <a:lnR w="12700" cap="flat" cmpd="sng" algn="ctr">
+                      <a:solidFill>
+                        <a:schemeClr val="tx1"/>
+                      </a:solidFill>
+                      <a:prstDash val="solid"/>
+                      <a:round/>
+                      <a:headEnd type="none" w="med" len="med"/>
+                      <a:tailEnd type="none" w="med" len="med"/>
+                    </a:lnR>
+                  </a:tcPr>
                 </a:tc>
                 <a:extLst>
                   <a:ext uri="{0D108BD9-81ED-4DB2-BD59-A6C34878D82A}">
@@ -30538,7 +32072,17 @@
                       </a:endParaRPr>
                     </a:p>
                   </a:txBody>
-                  <a:tcPr marL="68580" marR="68580" marT="0" marB="0" anchor="ctr"/>
+                  <a:tcPr marL="68580" marR="68580" marT="0" marB="0" anchor="ctr">
+                    <a:lnL w="12700" cap="flat" cmpd="sng" algn="ctr">
+                      <a:solidFill>
+                        <a:schemeClr val="tx1"/>
+                      </a:solidFill>
+                      <a:prstDash val="solid"/>
+                      <a:round/>
+                      <a:headEnd type="none" w="med" len="med"/>
+                      <a:tailEnd type="none" w="med" len="med"/>
+                    </a:lnL>
+                  </a:tcPr>
                 </a:tc>
                 <a:tc>
                   <a:txBody>
@@ -30606,7 +32150,17 @@
                       </a:endParaRPr>
                     </a:p>
                   </a:txBody>
-                  <a:tcPr marL="68580" marR="68580" marT="0" marB="0" anchor="ctr"/>
+                  <a:tcPr marL="68580" marR="68580" marT="0" marB="0" anchor="ctr">
+                    <a:lnR w="12700" cap="flat" cmpd="sng" algn="ctr">
+                      <a:solidFill>
+                        <a:schemeClr val="tx1"/>
+                      </a:solidFill>
+                      <a:prstDash val="solid"/>
+                      <a:round/>
+                      <a:headEnd type="none" w="med" len="med"/>
+                      <a:tailEnd type="none" w="med" len="med"/>
+                    </a:lnR>
+                  </a:tcPr>
                 </a:tc>
                 <a:extLst>
                   <a:ext uri="{0D108BD9-81ED-4DB2-BD59-A6C34878D82A}">
@@ -30647,7 +32201,17 @@
                       </a:endParaRPr>
                     </a:p>
                   </a:txBody>
-                  <a:tcPr marL="68580" marR="68580" marT="0" marB="0" anchor="ctr"/>
+                  <a:tcPr marL="68580" marR="68580" marT="0" marB="0" anchor="ctr">
+                    <a:lnL w="12700" cap="flat" cmpd="sng" algn="ctr">
+                      <a:solidFill>
+                        <a:schemeClr val="tx1"/>
+                      </a:solidFill>
+                      <a:prstDash val="solid"/>
+                      <a:round/>
+                      <a:headEnd type="none" w="med" len="med"/>
+                      <a:tailEnd type="none" w="med" len="med"/>
+                    </a:lnL>
+                  </a:tcPr>
                 </a:tc>
                 <a:tc>
                   <a:txBody>
@@ -30715,7 +32279,17 @@
                       </a:endParaRPr>
                     </a:p>
                   </a:txBody>
-                  <a:tcPr marL="68580" marR="68580" marT="0" marB="0" anchor="ctr"/>
+                  <a:tcPr marL="68580" marR="68580" marT="0" marB="0" anchor="ctr">
+                    <a:lnR w="12700" cap="flat" cmpd="sng" algn="ctr">
+                      <a:solidFill>
+                        <a:schemeClr val="tx1"/>
+                      </a:solidFill>
+                      <a:prstDash val="solid"/>
+                      <a:round/>
+                      <a:headEnd type="none" w="med" len="med"/>
+                      <a:tailEnd type="none" w="med" len="med"/>
+                    </a:lnR>
+                  </a:tcPr>
                 </a:tc>
                 <a:extLst>
                   <a:ext uri="{0D108BD9-81ED-4DB2-BD59-A6C34878D82A}">
@@ -30756,7 +32330,17 @@
                       </a:endParaRPr>
                     </a:p>
                   </a:txBody>
-                  <a:tcPr marL="68580" marR="68580" marT="0" marB="0" anchor="ctr"/>
+                  <a:tcPr marL="68580" marR="68580" marT="0" marB="0" anchor="ctr">
+                    <a:lnL w="12700" cap="flat" cmpd="sng" algn="ctr">
+                      <a:solidFill>
+                        <a:schemeClr val="tx1"/>
+                      </a:solidFill>
+                      <a:prstDash val="solid"/>
+                      <a:round/>
+                      <a:headEnd type="none" w="med" len="med"/>
+                      <a:tailEnd type="none" w="med" len="med"/>
+                    </a:lnL>
+                  </a:tcPr>
                 </a:tc>
                 <a:tc hMerge="1">
                   <a:txBody>
@@ -30800,7 +32384,17 @@
                       </a:endParaRPr>
                     </a:p>
                   </a:txBody>
-                  <a:tcPr marL="68580" marR="68580" marT="0" marB="0" anchor="ctr"/>
+                  <a:tcPr marL="68580" marR="68580" marT="0" marB="0" anchor="ctr">
+                    <a:lnR w="12700" cap="flat" cmpd="sng" algn="ctr">
+                      <a:solidFill>
+                        <a:schemeClr val="tx1"/>
+                      </a:solidFill>
+                      <a:prstDash val="solid"/>
+                      <a:round/>
+                      <a:headEnd type="none" w="med" len="med"/>
+                      <a:tailEnd type="none" w="med" len="med"/>
+                    </a:lnR>
+                  </a:tcPr>
                 </a:tc>
                 <a:extLst>
                   <a:ext uri="{0D108BD9-81ED-4DB2-BD59-A6C34878D82A}">
@@ -30841,7 +32435,26 @@
                       </a:endParaRPr>
                     </a:p>
                   </a:txBody>
-                  <a:tcPr marL="68580" marR="68580" marT="0" marB="0" anchor="ctr"/>
+                  <a:tcPr marL="68580" marR="68580" marT="0" marB="0" anchor="ctr">
+                    <a:lnL w="12700" cap="flat" cmpd="sng" algn="ctr">
+                      <a:solidFill>
+                        <a:schemeClr val="tx1"/>
+                      </a:solidFill>
+                      <a:prstDash val="solid"/>
+                      <a:round/>
+                      <a:headEnd type="none" w="med" len="med"/>
+                      <a:tailEnd type="none" w="med" len="med"/>
+                    </a:lnL>
+                    <a:lnB w="12700" cap="flat" cmpd="sng" algn="ctr">
+                      <a:solidFill>
+                        <a:schemeClr val="tx1"/>
+                      </a:solidFill>
+                      <a:prstDash val="solid"/>
+                      <a:round/>
+                      <a:headEnd type="none" w="med" len="med"/>
+                      <a:tailEnd type="none" w="med" len="med"/>
+                    </a:lnB>
+                  </a:tcPr>
                 </a:tc>
                 <a:tc hMerge="1">
                   <a:txBody>
@@ -30885,7 +32498,26 @@
                       </a:endParaRPr>
                     </a:p>
                   </a:txBody>
-                  <a:tcPr marL="68580" marR="68580" marT="0" marB="0" anchor="ctr"/>
+                  <a:tcPr marL="68580" marR="68580" marT="0" marB="0" anchor="ctr">
+                    <a:lnR w="12700" cap="flat" cmpd="sng" algn="ctr">
+                      <a:solidFill>
+                        <a:schemeClr val="tx1"/>
+                      </a:solidFill>
+                      <a:prstDash val="solid"/>
+                      <a:round/>
+                      <a:headEnd type="none" w="med" len="med"/>
+                      <a:tailEnd type="none" w="med" len="med"/>
+                    </a:lnR>
+                    <a:lnB w="12700" cap="flat" cmpd="sng" algn="ctr">
+                      <a:solidFill>
+                        <a:schemeClr val="tx1"/>
+                      </a:solidFill>
+                      <a:prstDash val="solid"/>
+                      <a:round/>
+                      <a:headEnd type="none" w="med" len="med"/>
+                      <a:tailEnd type="none" w="med" len="med"/>
+                    </a:lnB>
+                  </a:tcPr>
                 </a:tc>
                 <a:extLst>
                   <a:ext uri="{0D108BD9-81ED-4DB2-BD59-A6C34878D82A}">
@@ -31005,7 +32637,7 @@
         </p:nvSpPr>
         <p:spPr>
           <a:xfrm>
-            <a:off x="538959" y="523649"/>
+            <a:off x="658869" y="1144340"/>
             <a:ext cx="4151027" cy="918388"/>
           </a:xfrm>
         </p:spPr>
@@ -31016,6 +32648,13 @@
             <a:pPr algn="ctr"/>
             <a:r>
               <a:rPr lang="en-US" dirty="0">
+                <a:effectLst>
+                  <a:outerShdw blurRad="38100" dist="38100" dir="2700000" algn="tl">
+                    <a:srgbClr val="000000">
+                      <a:alpha val="43137"/>
+                    </a:srgbClr>
+                  </a:outerShdw>
+                </a:effectLst>
                 <a:latin typeface="Times New Roman" panose="02020603050405020304" pitchFamily="18" charset="0"/>
                 <a:cs typeface="Times New Roman" panose="02020603050405020304" pitchFamily="18" charset="0"/>
               </a:rPr>
@@ -31042,8 +32681,8 @@
         </p:nvSpPr>
         <p:spPr>
           <a:xfrm>
-            <a:off x="538960" y="2241343"/>
-            <a:ext cx="4151027" cy="2375314"/>
+            <a:off x="538959" y="2641358"/>
+            <a:ext cx="4390849" cy="1575283"/>
           </a:xfrm>
         </p:spPr>
         <p:txBody>
@@ -31061,7 +32700,7 @@
               <a:buChar char="v"/>
             </a:pPr>
             <a:r>
-              <a:rPr lang="en-US" sz="1800" dirty="0">
+              <a:rPr lang="en-US" sz="1600" dirty="0">
                 <a:latin typeface="Times New Roman" panose="02020603050405020304" pitchFamily="18" charset="0"/>
                 <a:cs typeface="Times New Roman" panose="02020603050405020304" pitchFamily="18" charset="0"/>
               </a:rPr>
@@ -31080,7 +32719,7 @@
               <a:buChar char="v"/>
             </a:pPr>
             <a:r>
-              <a:rPr lang="en-US" sz="1800" dirty="0">
+              <a:rPr lang="en-US" sz="1600" dirty="0">
                 <a:latin typeface="Times New Roman" panose="02020603050405020304" pitchFamily="18" charset="0"/>
                 <a:cs typeface="Times New Roman" panose="02020603050405020304" pitchFamily="18" charset="0"/>
               </a:rPr>
@@ -31099,7 +32738,7 @@
               <a:buChar char="v"/>
             </a:pPr>
             <a:r>
-              <a:rPr lang="en-US" sz="1800" dirty="0">
+              <a:rPr lang="en-US" sz="1600" dirty="0">
                 <a:latin typeface="Times New Roman" panose="02020603050405020304" pitchFamily="18" charset="0"/>
                 <a:cs typeface="Times New Roman" panose="02020603050405020304" pitchFamily="18" charset="0"/>
               </a:rPr>
@@ -31118,7 +32757,7 @@
               <a:buChar char="v"/>
             </a:pPr>
             <a:r>
-              <a:rPr lang="en-US" sz="1800" dirty="0">
+              <a:rPr lang="en-US" sz="1600" dirty="0">
                 <a:latin typeface="Times New Roman" panose="02020603050405020304" pitchFamily="18" charset="0"/>
                 <a:cs typeface="Times New Roman" panose="02020603050405020304" pitchFamily="18" charset="0"/>
               </a:rPr>
@@ -31137,7 +32776,7 @@
               <a:buChar char="v"/>
             </a:pPr>
             <a:r>
-              <a:rPr lang="en-US" sz="1800" dirty="0">
+              <a:rPr lang="en-US" sz="1600" dirty="0">
                 <a:latin typeface="Times New Roman" panose="02020603050405020304" pitchFamily="18" charset="0"/>
                 <a:cs typeface="Times New Roman" panose="02020603050405020304" pitchFamily="18" charset="0"/>
               </a:rPr>
@@ -31156,7 +32795,7 @@
               <a:buChar char="v"/>
             </a:pPr>
             <a:r>
-              <a:rPr lang="en-US" sz="1800" dirty="0">
+              <a:rPr lang="en-US" sz="1600" dirty="0">
                 <a:latin typeface="Times New Roman" panose="02020603050405020304" pitchFamily="18" charset="0"/>
                 <a:cs typeface="Times New Roman" panose="02020603050405020304" pitchFamily="18" charset="0"/>
               </a:rPr>
@@ -31191,6 +32830,11 @@
             <a:off x="5455212" y="1603534"/>
             <a:ext cx="4884848" cy="3654852"/>
           </a:xfrm>
+          <a:ln>
+            <a:solidFill>
+              <a:srgbClr val="00B050"/>
+            </a:solidFill>
+          </a:ln>
         </p:spPr>
       </p:pic>
       <p:sp>
@@ -31342,6 +32986,13 @@
             <a:pPr algn="ctr"/>
             <a:r>
               <a:rPr lang="en-US" dirty="0">
+                <a:effectLst>
+                  <a:outerShdw blurRad="38100" dist="38100" dir="2700000" algn="tl">
+                    <a:srgbClr val="000000">
+                      <a:alpha val="43137"/>
+                    </a:srgbClr>
+                  </a:outerShdw>
+                </a:effectLst>
                 <a:latin typeface="Times New Roman" panose="02020603050405020304" pitchFamily="18" charset="0"/>
                 <a:cs typeface="Times New Roman" panose="02020603050405020304" pitchFamily="18" charset="0"/>
               </a:rPr>
@@ -31349,12 +33000,26 @@
             </a:r>
             <a:r>
               <a:rPr lang="en-US" dirty="0" err="1">
+                <a:effectLst>
+                  <a:outerShdw blurRad="38100" dist="38100" dir="2700000" algn="tl">
+                    <a:srgbClr val="000000">
+                      <a:alpha val="43137"/>
+                    </a:srgbClr>
+                  </a:outerShdw>
+                </a:effectLst>
                 <a:latin typeface="Times New Roman" panose="02020603050405020304" pitchFamily="18" charset="0"/>
                 <a:cs typeface="Times New Roman" panose="02020603050405020304" pitchFamily="18" charset="0"/>
               </a:rPr>
               <a:t>baira</a:t>
             </a:r>
             <a:endParaRPr lang="en-US" dirty="0">
+              <a:effectLst>
+                <a:outerShdw blurRad="38100" dist="38100" dir="2700000" algn="tl">
+                  <a:srgbClr val="000000">
+                    <a:alpha val="43137"/>
+                  </a:srgbClr>
+                </a:outerShdw>
+              </a:effectLst>
               <a:latin typeface="Times New Roman" panose="02020603050405020304" pitchFamily="18" charset="0"/>
               <a:cs typeface="Times New Roman" panose="02020603050405020304" pitchFamily="18" charset="0"/>
             </a:endParaRPr>
@@ -31440,7 +33105,7 @@
                 <a:latin typeface="Times New Roman" panose="02020603050405020304" pitchFamily="18" charset="0"/>
                 <a:cs typeface="Times New Roman" panose="02020603050405020304" pitchFamily="18" charset="0"/>
               </a:rPr>
-              <a:t>Equipped Training center</a:t>
+              <a:t>Equipped Training Center</a:t>
             </a:r>
           </a:p>
           <a:p>
@@ -31547,6 +33212,11 @@
             <a:off x="5455212" y="1603534"/>
             <a:ext cx="4884847" cy="3654852"/>
           </a:xfrm>
+          <a:ln>
+            <a:solidFill>
+              <a:srgbClr val="00B050"/>
+            </a:solidFill>
+          </a:ln>
         </p:spPr>
       </p:pic>
       <p:sp>
@@ -31698,6 +33368,13 @@
             <a:pPr algn="ctr"/>
             <a:r>
               <a:rPr lang="en-US" dirty="0">
+                <a:effectLst>
+                  <a:outerShdw blurRad="38100" dist="38100" dir="2700000" algn="tl">
+                    <a:srgbClr val="000000">
+                      <a:alpha val="43137"/>
+                    </a:srgbClr>
+                  </a:outerShdw>
+                </a:effectLst>
                 <a:latin typeface="Times New Roman" panose="02020603050405020304" pitchFamily="18" charset="0"/>
                 <a:cs typeface="Times New Roman" panose="02020603050405020304" pitchFamily="18" charset="0"/>
               </a:rPr>
@@ -31828,6 +33505,11 @@
             <a:off x="5455212" y="1792354"/>
             <a:ext cx="4884848" cy="3250707"/>
           </a:xfrm>
+          <a:ln>
+            <a:solidFill>
+              <a:srgbClr val="00B050"/>
+            </a:solidFill>
+          </a:ln>
         </p:spPr>
       </p:pic>
       <p:sp>
@@ -31984,6 +33666,13 @@
           <a:p>
             <a:r>
               <a:rPr lang="en-US" dirty="0">
+                <a:effectLst>
+                  <a:outerShdw blurRad="38100" dist="38100" dir="2700000" algn="tl">
+                    <a:srgbClr val="000000">
+                      <a:alpha val="43137"/>
+                    </a:srgbClr>
+                  </a:outerShdw>
+                </a:effectLst>
                 <a:latin typeface="Times New Roman" panose="02020603050405020304" pitchFamily="18" charset="0"/>
                 <a:cs typeface="Times New Roman" panose="02020603050405020304" pitchFamily="18" charset="0"/>
               </a:rPr>
@@ -32037,7 +33726,7 @@
                 <a:ea typeface="Calibri" panose="020F0502020204030204" pitchFamily="34" charset="0"/>
                 <a:cs typeface="Times New Roman" panose="02020603050405020304" pitchFamily="18" charset="0"/>
               </a:rPr>
-              <a:t>Auto mechanics</a:t>
+              <a:t>Auto Mechanics</a:t>
             </a:r>
           </a:p>
           <a:p>
@@ -32079,7 +33768,7 @@
                 <a:ea typeface="Calibri" panose="020F0502020204030204" pitchFamily="34" charset="0"/>
                 <a:cs typeface="Times New Roman" panose="02020603050405020304" pitchFamily="18" charset="0"/>
               </a:rPr>
-              <a:t>Electrical House wiring</a:t>
+              <a:t>Electrical House Wiring</a:t>
             </a:r>
           </a:p>
           <a:p>
@@ -32100,7 +33789,7 @@
                 <a:ea typeface="Calibri" panose="020F0502020204030204" pitchFamily="34" charset="0"/>
                 <a:cs typeface="Times New Roman" panose="02020603050405020304" pitchFamily="18" charset="0"/>
               </a:rPr>
-              <a:t>Refrigeration &amp; Air-conditioning</a:t>
+              <a:t>Refrigeration &amp; Air-Conditioning</a:t>
             </a:r>
           </a:p>
           <a:p>
@@ -32310,8 +33999,23 @@
                 <a:ea typeface="Calibri" panose="020F0502020204030204" pitchFamily="34" charset="0"/>
                 <a:cs typeface="Times New Roman" panose="02020603050405020304" pitchFamily="18" charset="0"/>
               </a:rPr>
-              <a:t>Computer Office Application</a:t>
+              <a:t>Computer Office App	</a:t>
             </a:r>
+            <a:r>
+              <a:rPr lang="en-US" sz="1100" dirty="0" err="1">
+                <a:effectLst/>
+                <a:latin typeface="Times New Roman" panose="02020603050405020304" pitchFamily="18" charset="0"/>
+                <a:ea typeface="Calibri" panose="020F0502020204030204" pitchFamily="34" charset="0"/>
+                <a:cs typeface="Times New Roman" panose="02020603050405020304" pitchFamily="18" charset="0"/>
+              </a:rPr>
+              <a:t>lication</a:t>
+            </a:r>
+            <a:endParaRPr lang="en-US" sz="1100" dirty="0">
+              <a:effectLst/>
+              <a:latin typeface="Times New Roman" panose="02020603050405020304" pitchFamily="18" charset="0"/>
+              <a:ea typeface="Calibri" panose="020F0502020204030204" pitchFamily="34" charset="0"/>
+              <a:cs typeface="Times New Roman" panose="02020603050405020304" pitchFamily="18" charset="0"/>
+            </a:endParaRPr>
           </a:p>
           <a:p>
             <a:pPr marL="228600" marR="0" indent="-228600" algn="just">
@@ -32446,6 +34150,11 @@
             <a:off x="3883818" y="1752612"/>
             <a:ext cx="4424362" cy="2013430"/>
           </a:xfrm>
+          <a:ln>
+            <a:solidFill>
+              <a:srgbClr val="00B050"/>
+            </a:solidFill>
+          </a:ln>
         </p:spPr>
       </p:pic>
       <p:sp>
@@ -32482,6 +34191,13 @@
           <a:p>
             <a:r>
               <a:rPr lang="en-US" dirty="0">
+                <a:effectLst>
+                  <a:outerShdw blurRad="38100" dist="38100" dir="2700000" algn="tl">
+                    <a:srgbClr val="000000">
+                      <a:alpha val="43137"/>
+                    </a:srgbClr>
+                  </a:outerShdw>
+                </a:effectLst>
                 <a:latin typeface="Times New Roman" panose="02020603050405020304" pitchFamily="18" charset="0"/>
                 <a:cs typeface="Times New Roman" panose="02020603050405020304" pitchFamily="18" charset="0"/>
               </a:rPr>
@@ -32609,7 +34325,7 @@
                 <a:latin typeface="Times New Roman" panose="02020603050405020304" pitchFamily="18" charset="0"/>
                 <a:cs typeface="Times New Roman" panose="02020603050405020304" pitchFamily="18" charset="0"/>
               </a:rPr>
-              <a:t>Caregiver (Nurse, Old care Unit)</a:t>
+              <a:t>Caregiver (Nurse, Old Care Unit)</a:t>
             </a:r>
           </a:p>
           <a:p>
@@ -32647,7 +34363,7 @@
                 <a:latin typeface="Times New Roman" panose="02020603050405020304" pitchFamily="18" charset="0"/>
                 <a:cs typeface="Times New Roman" panose="02020603050405020304" pitchFamily="18" charset="0"/>
               </a:rPr>
-              <a:t>Baby sitter (Caregiving)</a:t>
+              <a:t>Baby Sitter (Caregiving)</a:t>
             </a:r>
           </a:p>
           <a:p>
@@ -32719,8 +34435,8 @@
         </p:nvSpPr>
         <p:spPr>
           <a:xfrm>
-            <a:off x="3810233" y="624681"/>
-            <a:ext cx="4571534" cy="460168"/>
+            <a:off x="4330263" y="618359"/>
+            <a:ext cx="3531471" cy="460168"/>
           </a:xfrm>
         </p:spPr>
         <p:txBody>
@@ -32729,10 +34445,17 @@
           <a:p>
             <a:r>
               <a:rPr lang="en-US" dirty="0">
+                <a:effectLst>
+                  <a:outerShdw blurRad="38100" dist="38100" dir="2700000" algn="tl">
+                    <a:srgbClr val="000000">
+                      <a:alpha val="43137"/>
+                    </a:srgbClr>
+                  </a:outerShdw>
+                </a:effectLst>
                 <a:latin typeface="Times New Roman" panose="02020603050405020304" pitchFamily="18" charset="0"/>
                 <a:cs typeface="Times New Roman" panose="02020603050405020304" pitchFamily="18" charset="0"/>
               </a:rPr>
-              <a:t>Regular Programs</a:t>
+              <a:t>our Programs</a:t>
             </a:r>
           </a:p>
         </p:txBody>
@@ -32825,6 +34548,11 @@
           <a:prstGeom prst="rect">
             <a:avLst/>
           </a:prstGeom>
+          <a:ln>
+            <a:solidFill>
+              <a:srgbClr val="00B050"/>
+            </a:solidFill>
+          </a:ln>
         </p:spPr>
       </p:pic>
     </p:spTree>
@@ -32885,6 +34613,13 @@
           <a:p>
             <a:r>
               <a:rPr lang="en-US" dirty="0">
+                <a:effectLst>
+                  <a:outerShdw blurRad="38100" dist="38100" dir="2700000" algn="tl">
+                    <a:srgbClr val="000000">
+                      <a:alpha val="43137"/>
+                    </a:srgbClr>
+                  </a:outerShdw>
+                </a:effectLst>
                 <a:latin typeface="Times New Roman" panose="02020603050405020304" pitchFamily="18" charset="0"/>
                 <a:cs typeface="Times New Roman" panose="02020603050405020304" pitchFamily="18" charset="0"/>
               </a:rPr>
@@ -32938,7 +34673,7 @@
           <p:nvPr>
             <p:extLst>
               <p:ext uri="{D42A27DB-BD31-4B8C-83A1-F6EECF244321}">
-                <p14:modId xmlns:p14="http://schemas.microsoft.com/office/powerpoint/2010/main" val="1528121378"/>
+                <p14:modId xmlns:p14="http://schemas.microsoft.com/office/powerpoint/2010/main" val="3631758986"/>
               </p:ext>
             </p:extLst>
           </p:nvPr>
@@ -33016,7 +34751,26 @@
                       </a:endParaRPr>
                     </a:p>
                   </a:txBody>
-                  <a:tcPr marL="68580" marR="68580" marT="0" marB="0" anchor="ctr"/>
+                  <a:tcPr marL="68580" marR="68580" marT="0" marB="0" anchor="ctr">
+                    <a:lnL w="12700" cap="flat" cmpd="sng" algn="ctr">
+                      <a:solidFill>
+                        <a:schemeClr val="tx1"/>
+                      </a:solidFill>
+                      <a:prstDash val="solid"/>
+                      <a:round/>
+                      <a:headEnd type="none" w="med" len="med"/>
+                      <a:tailEnd type="none" w="med" len="med"/>
+                    </a:lnL>
+                    <a:lnT w="12700" cap="flat" cmpd="sng" algn="ctr">
+                      <a:solidFill>
+                        <a:schemeClr val="tx1"/>
+                      </a:solidFill>
+                      <a:prstDash val="solid"/>
+                      <a:round/>
+                      <a:headEnd type="none" w="med" len="med"/>
+                      <a:tailEnd type="none" w="med" len="med"/>
+                    </a:lnT>
+                  </a:tcPr>
                 </a:tc>
                 <a:tc>
                   <a:txBody>
@@ -33050,7 +34804,17 @@
                       </a:endParaRPr>
                     </a:p>
                   </a:txBody>
-                  <a:tcPr marL="68580" marR="68580" marT="0" marB="0" anchor="ctr"/>
+                  <a:tcPr marL="68580" marR="68580" marT="0" marB="0" anchor="ctr">
+                    <a:lnT w="12700" cap="flat" cmpd="sng" algn="ctr">
+                      <a:solidFill>
+                        <a:schemeClr val="tx1"/>
+                      </a:solidFill>
+                      <a:prstDash val="solid"/>
+                      <a:round/>
+                      <a:headEnd type="none" w="med" len="med"/>
+                      <a:tailEnd type="none" w="med" len="med"/>
+                    </a:lnT>
+                  </a:tcPr>
                 </a:tc>
                 <a:tc>
                   <a:txBody>
@@ -33084,7 +34848,17 @@
                       </a:endParaRPr>
                     </a:p>
                   </a:txBody>
-                  <a:tcPr marL="68580" marR="68580" marT="0" marB="0" anchor="ctr"/>
+                  <a:tcPr marL="68580" marR="68580" marT="0" marB="0" anchor="ctr">
+                    <a:lnT w="12700" cap="flat" cmpd="sng" algn="ctr">
+                      <a:solidFill>
+                        <a:schemeClr val="tx1"/>
+                      </a:solidFill>
+                      <a:prstDash val="solid"/>
+                      <a:round/>
+                      <a:headEnd type="none" w="med" len="med"/>
+                      <a:tailEnd type="none" w="med" len="med"/>
+                    </a:lnT>
+                  </a:tcPr>
                 </a:tc>
                 <a:tc>
                   <a:txBody>
@@ -33118,7 +34892,26 @@
                       </a:endParaRPr>
                     </a:p>
                   </a:txBody>
-                  <a:tcPr marL="68580" marR="68580" marT="0" marB="0" anchor="ctr"/>
+                  <a:tcPr marL="68580" marR="68580" marT="0" marB="0" anchor="ctr">
+                    <a:lnR w="12700" cap="flat" cmpd="sng" algn="ctr">
+                      <a:solidFill>
+                        <a:schemeClr val="tx1"/>
+                      </a:solidFill>
+                      <a:prstDash val="solid"/>
+                      <a:round/>
+                      <a:headEnd type="none" w="med" len="med"/>
+                      <a:tailEnd type="none" w="med" len="med"/>
+                    </a:lnR>
+                    <a:lnT w="12700" cap="flat" cmpd="sng" algn="ctr">
+                      <a:solidFill>
+                        <a:schemeClr val="tx1"/>
+                      </a:solidFill>
+                      <a:prstDash val="solid"/>
+                      <a:round/>
+                      <a:headEnd type="none" w="med" len="med"/>
+                      <a:tailEnd type="none" w="med" len="med"/>
+                    </a:lnT>
+                  </a:tcPr>
                 </a:tc>
                 <a:extLst>
                   <a:ext uri="{0D108BD9-81ED-4DB2-BD59-A6C34878D82A}">
@@ -33159,7 +34952,17 @@
                       </a:endParaRPr>
                     </a:p>
                   </a:txBody>
-                  <a:tcPr marL="68580" marR="68580" marT="0" marB="0" anchor="ctr"/>
+                  <a:tcPr marL="68580" marR="68580" marT="0" marB="0" anchor="ctr">
+                    <a:lnL w="12700" cap="flat" cmpd="sng" algn="ctr">
+                      <a:solidFill>
+                        <a:schemeClr val="tx1"/>
+                      </a:solidFill>
+                      <a:prstDash val="solid"/>
+                      <a:round/>
+                      <a:headEnd type="none" w="med" len="med"/>
+                      <a:tailEnd type="none" w="med" len="med"/>
+                    </a:lnL>
+                  </a:tcPr>
                 </a:tc>
                 <a:tc>
                   <a:txBody>
@@ -33261,7 +35064,17 @@
                       </a:endParaRPr>
                     </a:p>
                   </a:txBody>
-                  <a:tcPr marL="68580" marR="68580" marT="0" marB="0" anchor="ctr"/>
+                  <a:tcPr marL="68580" marR="68580" marT="0" marB="0" anchor="ctr">
+                    <a:lnR w="12700" cap="flat" cmpd="sng" algn="ctr">
+                      <a:solidFill>
+                        <a:schemeClr val="tx1"/>
+                      </a:solidFill>
+                      <a:prstDash val="solid"/>
+                      <a:round/>
+                      <a:headEnd type="none" w="med" len="med"/>
+                      <a:tailEnd type="none" w="med" len="med"/>
+                    </a:lnR>
+                  </a:tcPr>
                 </a:tc>
                 <a:extLst>
                   <a:ext uri="{0D108BD9-81ED-4DB2-BD59-A6C34878D82A}">
@@ -33302,7 +35115,17 @@
                       </a:endParaRPr>
                     </a:p>
                   </a:txBody>
-                  <a:tcPr marL="68580" marR="68580" marT="0" marB="0" anchor="ctr"/>
+                  <a:tcPr marL="68580" marR="68580" marT="0" marB="0" anchor="ctr">
+                    <a:lnL w="12700" cap="flat" cmpd="sng" algn="ctr">
+                      <a:solidFill>
+                        <a:schemeClr val="tx1"/>
+                      </a:solidFill>
+                      <a:prstDash val="solid"/>
+                      <a:round/>
+                      <a:headEnd type="none" w="med" len="med"/>
+                      <a:tailEnd type="none" w="med" len="med"/>
+                    </a:lnL>
+                  </a:tcPr>
                 </a:tc>
                 <a:tc>
                   <a:txBody>
@@ -33404,7 +35227,17 @@
                       </a:endParaRPr>
                     </a:p>
                   </a:txBody>
-                  <a:tcPr marL="68580" marR="68580" marT="0" marB="0" anchor="ctr"/>
+                  <a:tcPr marL="68580" marR="68580" marT="0" marB="0" anchor="ctr">
+                    <a:lnR w="12700" cap="flat" cmpd="sng" algn="ctr">
+                      <a:solidFill>
+                        <a:schemeClr val="tx1"/>
+                      </a:solidFill>
+                      <a:prstDash val="solid"/>
+                      <a:round/>
+                      <a:headEnd type="none" w="med" len="med"/>
+                      <a:tailEnd type="none" w="med" len="med"/>
+                    </a:lnR>
+                  </a:tcPr>
                 </a:tc>
                 <a:extLst>
                   <a:ext uri="{0D108BD9-81ED-4DB2-BD59-A6C34878D82A}">
@@ -33445,7 +35278,17 @@
                       </a:endParaRPr>
                     </a:p>
                   </a:txBody>
-                  <a:tcPr marL="68580" marR="68580" marT="0" marB="0" anchor="ctr"/>
+                  <a:tcPr marL="68580" marR="68580" marT="0" marB="0" anchor="ctr">
+                    <a:lnL w="12700" cap="flat" cmpd="sng" algn="ctr">
+                      <a:solidFill>
+                        <a:schemeClr val="tx1"/>
+                      </a:solidFill>
+                      <a:prstDash val="solid"/>
+                      <a:round/>
+                      <a:headEnd type="none" w="med" len="med"/>
+                      <a:tailEnd type="none" w="med" len="med"/>
+                    </a:lnL>
+                  </a:tcPr>
                 </a:tc>
                 <a:tc>
                   <a:txBody>
@@ -33547,7 +35390,17 @@
                       </a:endParaRPr>
                     </a:p>
                   </a:txBody>
-                  <a:tcPr marL="68580" marR="68580" marT="0" marB="0" anchor="ctr"/>
+                  <a:tcPr marL="68580" marR="68580" marT="0" marB="0" anchor="ctr">
+                    <a:lnR w="12700" cap="flat" cmpd="sng" algn="ctr">
+                      <a:solidFill>
+                        <a:schemeClr val="tx1"/>
+                      </a:solidFill>
+                      <a:prstDash val="solid"/>
+                      <a:round/>
+                      <a:headEnd type="none" w="med" len="med"/>
+                      <a:tailEnd type="none" w="med" len="med"/>
+                    </a:lnR>
+                  </a:tcPr>
                 </a:tc>
                 <a:extLst>
                   <a:ext uri="{0D108BD9-81ED-4DB2-BD59-A6C34878D82A}">
@@ -33588,7 +35441,17 @@
                       </a:endParaRPr>
                     </a:p>
                   </a:txBody>
-                  <a:tcPr marL="68580" marR="68580" marT="0" marB="0" anchor="ctr"/>
+                  <a:tcPr marL="68580" marR="68580" marT="0" marB="0" anchor="ctr">
+                    <a:lnL w="12700" cap="flat" cmpd="sng" algn="ctr">
+                      <a:solidFill>
+                        <a:schemeClr val="tx1"/>
+                      </a:solidFill>
+                      <a:prstDash val="solid"/>
+                      <a:round/>
+                      <a:headEnd type="none" w="med" len="med"/>
+                      <a:tailEnd type="none" w="med" len="med"/>
+                    </a:lnL>
+                  </a:tcPr>
                 </a:tc>
                 <a:tc>
                   <a:txBody>
@@ -33690,7 +35553,17 @@
                       </a:endParaRPr>
                     </a:p>
                   </a:txBody>
-                  <a:tcPr marL="68580" marR="68580" marT="0" marB="0" anchor="ctr"/>
+                  <a:tcPr marL="68580" marR="68580" marT="0" marB="0" anchor="ctr">
+                    <a:lnR w="12700" cap="flat" cmpd="sng" algn="ctr">
+                      <a:solidFill>
+                        <a:schemeClr val="tx1"/>
+                      </a:solidFill>
+                      <a:prstDash val="solid"/>
+                      <a:round/>
+                      <a:headEnd type="none" w="med" len="med"/>
+                      <a:tailEnd type="none" w="med" len="med"/>
+                    </a:lnR>
+                  </a:tcPr>
                 </a:tc>
                 <a:extLst>
                   <a:ext uri="{0D108BD9-81ED-4DB2-BD59-A6C34878D82A}">
@@ -33731,7 +35604,26 @@
                       </a:endParaRPr>
                     </a:p>
                   </a:txBody>
-                  <a:tcPr marL="68580" marR="68580" marT="0" marB="0" anchor="ctr"/>
+                  <a:tcPr marL="68580" marR="68580" marT="0" marB="0" anchor="ctr">
+                    <a:lnL w="12700" cap="flat" cmpd="sng" algn="ctr">
+                      <a:solidFill>
+                        <a:schemeClr val="tx1"/>
+                      </a:solidFill>
+                      <a:prstDash val="solid"/>
+                      <a:round/>
+                      <a:headEnd type="none" w="med" len="med"/>
+                      <a:tailEnd type="none" w="med" len="med"/>
+                    </a:lnL>
+                    <a:lnB w="12700" cap="flat" cmpd="sng" algn="ctr">
+                      <a:solidFill>
+                        <a:schemeClr val="tx1"/>
+                      </a:solidFill>
+                      <a:prstDash val="solid"/>
+                      <a:round/>
+                      <a:headEnd type="none" w="med" len="med"/>
+                      <a:tailEnd type="none" w="med" len="med"/>
+                    </a:lnB>
+                  </a:tcPr>
                 </a:tc>
                 <a:tc>
                   <a:txBody>
@@ -33765,7 +35657,17 @@
                       </a:endParaRPr>
                     </a:p>
                   </a:txBody>
-                  <a:tcPr marL="68580" marR="68580" marT="0" marB="0" anchor="ctr"/>
+                  <a:tcPr marL="68580" marR="68580" marT="0" marB="0" anchor="ctr">
+                    <a:lnB w="12700" cap="flat" cmpd="sng" algn="ctr">
+                      <a:solidFill>
+                        <a:schemeClr val="tx1"/>
+                      </a:solidFill>
+                      <a:prstDash val="solid"/>
+                      <a:round/>
+                      <a:headEnd type="none" w="med" len="med"/>
+                      <a:tailEnd type="none" w="med" len="med"/>
+                    </a:lnB>
+                  </a:tcPr>
                 </a:tc>
                 <a:tc>
                   <a:txBody>
@@ -33799,7 +35701,17 @@
                       </a:endParaRPr>
                     </a:p>
                   </a:txBody>
-                  <a:tcPr marL="68580" marR="68580" marT="0" marB="0" anchor="ctr"/>
+                  <a:tcPr marL="68580" marR="68580" marT="0" marB="0" anchor="ctr">
+                    <a:lnB w="12700" cap="flat" cmpd="sng" algn="ctr">
+                      <a:solidFill>
+                        <a:schemeClr val="tx1"/>
+                      </a:solidFill>
+                      <a:prstDash val="solid"/>
+                      <a:round/>
+                      <a:headEnd type="none" w="med" len="med"/>
+                      <a:tailEnd type="none" w="med" len="med"/>
+                    </a:lnB>
+                  </a:tcPr>
                 </a:tc>
                 <a:tc>
                   <a:txBody>
@@ -33833,7 +35745,26 @@
                       </a:endParaRPr>
                     </a:p>
                   </a:txBody>
-                  <a:tcPr marL="68580" marR="68580" marT="0" marB="0" anchor="ctr"/>
+                  <a:tcPr marL="68580" marR="68580" marT="0" marB="0" anchor="ctr">
+                    <a:lnR w="12700" cap="flat" cmpd="sng" algn="ctr">
+                      <a:solidFill>
+                        <a:schemeClr val="tx1"/>
+                      </a:solidFill>
+                      <a:prstDash val="solid"/>
+                      <a:round/>
+                      <a:headEnd type="none" w="med" len="med"/>
+                      <a:tailEnd type="none" w="med" len="med"/>
+                    </a:lnR>
+                    <a:lnB w="12700" cap="flat" cmpd="sng" algn="ctr">
+                      <a:solidFill>
+                        <a:schemeClr val="tx1"/>
+                      </a:solidFill>
+                      <a:prstDash val="solid"/>
+                      <a:round/>
+                      <a:headEnd type="none" w="med" len="med"/>
+                      <a:tailEnd type="none" w="med" len="med"/>
+                    </a:lnB>
+                  </a:tcPr>
                 </a:tc>
                 <a:extLst>
                   <a:ext uri="{0D108BD9-81ED-4DB2-BD59-A6C34878D82A}">
